--- a/asset/Learn/ITA-Conductor.pptx
+++ b/asset/Learn/ITA-Conductor.pptx
@@ -6,10 +6,10 @@
     <p:sldMasterId id="2147483703" r:id="rId2"/>
   </p:sldMasterIdLst>
   <p:notesMasterIdLst>
-    <p:notesMasterId r:id="rId21"/>
+    <p:notesMasterId r:id="rId22"/>
   </p:notesMasterIdLst>
   <p:handoutMasterIdLst>
-    <p:handoutMasterId r:id="rId22"/>
+    <p:handoutMasterId r:id="rId23"/>
   </p:handoutMasterIdLst>
   <p:sldIdLst>
     <p:sldId id="262" r:id="rId3"/>
@@ -26,10 +26,11 @@
     <p:sldId id="691" r:id="rId14"/>
     <p:sldId id="692" r:id="rId15"/>
     <p:sldId id="693" r:id="rId16"/>
-    <p:sldId id="694" r:id="rId17"/>
-    <p:sldId id="695" r:id="rId18"/>
-    <p:sldId id="688" r:id="rId19"/>
-    <p:sldId id="318" r:id="rId20"/>
+    <p:sldId id="698" r:id="rId17"/>
+    <p:sldId id="694" r:id="rId18"/>
+    <p:sldId id="695" r:id="rId19"/>
+    <p:sldId id="688" r:id="rId20"/>
+    <p:sldId id="318" r:id="rId21"/>
   </p:sldIdLst>
   <p:sldSz cx="9144000" cy="6858000" type="screen4x3"/>
   <p:notesSz cx="6807200" cy="9939338"/>
@@ -274,7 +275,7 @@
               <a:rPr kumimoji="1" lang="ja-JP" altLang="en-US" smtClean="0">
                 <a:ea typeface="メイリオ" panose="020B0604030504040204" pitchFamily="50" charset="-128"/>
               </a:rPr>
-              <a:t>2020/11/6</a:t>
+              <a:t>2021/3/29</a:t>
             </a:fld>
             <a:endParaRPr kumimoji="1" lang="ja-JP" altLang="en-US" dirty="0">
               <a:ea typeface="メイリオ" panose="020B0604030504040204" pitchFamily="50" charset="-128"/>
@@ -420,7 +421,7 @@
             <a:fld id="{4B26993D-C081-44EB-B0F5-A9F467792B62}" type="datetimeFigureOut">
               <a:rPr lang="ja-JP" altLang="en-US" smtClean="0"/>
               <a:pPr/>
-              <a:t>2020/11/6</a:t>
+              <a:t>2021/3/29</a:t>
             </a:fld>
             <a:endParaRPr lang="ja-JP" altLang="en-US" dirty="0"/>
           </a:p>
@@ -1043,7 +1044,7 @@
           <a:p>
             <a:fld id="{56F9016B-CCA6-43BE-8BEE-59565A35F4F7}" type="datetimeFigureOut">
               <a:rPr kumimoji="1" lang="ja-JP" altLang="en-US" smtClean="0"/>
-              <a:t>2020/11/6</a:t>
+              <a:t>2021/3/29</a:t>
             </a:fld>
             <a:endParaRPr kumimoji="1" lang="ja-JP" altLang="en-US"/>
           </a:p>
@@ -1245,7 +1246,7 @@
           <a:p>
             <a:fld id="{56F9016B-CCA6-43BE-8BEE-59565A35F4F7}" type="datetimeFigureOut">
               <a:rPr kumimoji="1" lang="ja-JP" altLang="en-US" smtClean="0"/>
-              <a:t>2020/11/6</a:t>
+              <a:t>2021/3/29</a:t>
             </a:fld>
             <a:endParaRPr kumimoji="1" lang="ja-JP" altLang="en-US"/>
           </a:p>
@@ -1491,7 +1492,7 @@
           <a:p>
             <a:fld id="{56F9016B-CCA6-43BE-8BEE-59565A35F4F7}" type="datetimeFigureOut">
               <a:rPr kumimoji="1" lang="ja-JP" altLang="en-US" smtClean="0"/>
-              <a:t>2020/11/6</a:t>
+              <a:t>2021/3/29</a:t>
             </a:fld>
             <a:endParaRPr kumimoji="1" lang="ja-JP" altLang="en-US"/>
           </a:p>
@@ -1787,7 +1788,7 @@
           <a:p>
             <a:fld id="{56F9016B-CCA6-43BE-8BEE-59565A35F4F7}" type="datetimeFigureOut">
               <a:rPr kumimoji="1" lang="ja-JP" altLang="en-US" smtClean="0"/>
-              <a:t>2020/11/6</a:t>
+              <a:t>2021/3/29</a:t>
             </a:fld>
             <a:endParaRPr kumimoji="1" lang="ja-JP" altLang="en-US"/>
           </a:p>
@@ -2218,7 +2219,7 @@
           <a:p>
             <a:fld id="{56F9016B-CCA6-43BE-8BEE-59565A35F4F7}" type="datetimeFigureOut">
               <a:rPr kumimoji="1" lang="ja-JP" altLang="en-US" smtClean="0"/>
-              <a:t>2020/11/6</a:t>
+              <a:t>2021/3/29</a:t>
             </a:fld>
             <a:endParaRPr kumimoji="1" lang="ja-JP" altLang="en-US"/>
           </a:p>
@@ -2336,7 +2337,7 @@
           <a:p>
             <a:fld id="{56F9016B-CCA6-43BE-8BEE-59565A35F4F7}" type="datetimeFigureOut">
               <a:rPr kumimoji="1" lang="ja-JP" altLang="en-US" smtClean="0"/>
-              <a:t>2020/11/6</a:t>
+              <a:t>2021/3/29</a:t>
             </a:fld>
             <a:endParaRPr kumimoji="1" lang="ja-JP" altLang="en-US"/>
           </a:p>
@@ -2431,7 +2432,7 @@
           <a:p>
             <a:fld id="{56F9016B-CCA6-43BE-8BEE-59565A35F4F7}" type="datetimeFigureOut">
               <a:rPr kumimoji="1" lang="ja-JP" altLang="en-US" smtClean="0"/>
-              <a:t>2020/11/6</a:t>
+              <a:t>2021/3/29</a:t>
             </a:fld>
             <a:endParaRPr kumimoji="1" lang="ja-JP" altLang="en-US"/>
           </a:p>
@@ -2740,7 +2741,7 @@
           <a:p>
             <a:fld id="{56F9016B-CCA6-43BE-8BEE-59565A35F4F7}" type="datetimeFigureOut">
               <a:rPr kumimoji="1" lang="ja-JP" altLang="en-US" smtClean="0"/>
-              <a:t>2020/11/6</a:t>
+              <a:t>2021/3/29</a:t>
             </a:fld>
             <a:endParaRPr kumimoji="1" lang="ja-JP" altLang="en-US"/>
           </a:p>
@@ -2993,7 +2994,7 @@
           <a:p>
             <a:fld id="{56F9016B-CCA6-43BE-8BEE-59565A35F4F7}" type="datetimeFigureOut">
               <a:rPr kumimoji="1" lang="ja-JP" altLang="en-US" smtClean="0"/>
-              <a:t>2020/11/6</a:t>
+              <a:t>2021/3/29</a:t>
             </a:fld>
             <a:endParaRPr kumimoji="1" lang="ja-JP" altLang="en-US"/>
           </a:p>
@@ -3270,7 +3271,7 @@
           <a:p>
             <a:fld id="{56F9016B-CCA6-43BE-8BEE-59565A35F4F7}" type="datetimeFigureOut">
               <a:rPr kumimoji="1" lang="ja-JP" altLang="en-US" smtClean="0"/>
-              <a:t>2020/11/6</a:t>
+              <a:t>2021/3/29</a:t>
             </a:fld>
             <a:endParaRPr kumimoji="1" lang="ja-JP" altLang="en-US"/>
           </a:p>
@@ -3482,7 +3483,7 @@
           <a:p>
             <a:fld id="{56F9016B-CCA6-43BE-8BEE-59565A35F4F7}" type="datetimeFigureOut">
               <a:rPr kumimoji="1" lang="ja-JP" altLang="en-US" smtClean="0"/>
-              <a:t>2020/11/6</a:t>
+              <a:t>2021/3/29</a:t>
             </a:fld>
             <a:endParaRPr kumimoji="1" lang="ja-JP" altLang="en-US"/>
           </a:p>
@@ -6541,7 +6542,7 @@
           <a:p>
             <a:fld id="{56F9016B-CCA6-43BE-8BEE-59565A35F4F7}" type="datetimeFigureOut">
               <a:rPr kumimoji="1" lang="ja-JP" altLang="en-US" smtClean="0"/>
-              <a:t>2020/11/6</a:t>
+              <a:t>2021/3/29</a:t>
             </a:fld>
             <a:endParaRPr kumimoji="1" lang="ja-JP" altLang="en-US"/>
           </a:p>
@@ -6975,7 +6976,7 @@
           <a:p>
             <a:r>
               <a:rPr lang="en-US" altLang="ja-JP" dirty="0" smtClean="0"/>
-              <a:t>Version 1.0</a:t>
+              <a:t>Version 1.6.1</a:t>
             </a:r>
           </a:p>
           <a:p>
@@ -7495,7 +7496,7 @@
         <p:spPr/>
         <p:txBody>
           <a:bodyPr>
-            <a:normAutofit fontScale="90000"/>
+            <a:normAutofit/>
           </a:bodyPr>
           <a:lstStyle/>
           <a:p>
@@ -7509,7 +7510,7 @@
             </a:r>
             <a:r>
               <a:rPr lang="en-US" altLang="ja-JP" dirty="0" smtClean="0"/>
-              <a:t>Description of the functions in Conductor Menu</a:t>
+              <a:t>Conductor Function Description</a:t>
             </a:r>
             <a:r>
               <a:rPr lang="ja-JP" altLang="en-US" dirty="0"/>
@@ -7575,10 +7576,9 @@
           <a:p>
             <a:pPr lvl="1"/>
             <a:r>
-              <a:rPr lang="en-US" altLang="ja-JP" sz="1800" dirty="0"/>
-              <a:t>From the tab near the center right of the screen, select and use the function that controls the conditional branching of the operation.</a:t>
-            </a:r>
-            <a:endParaRPr lang="en-US" altLang="ja-JP" sz="1800" dirty="0" smtClean="0"/>
+              <a:rPr lang="en-US" altLang="ja-JP" sz="1800" dirty="0" smtClean="0"/>
+              <a:t>Users can use the Conditional branch function by selecting it from the “Function” tab on the right side of the screen.</a:t>
+            </a:r>
           </a:p>
         </p:txBody>
       </p:sp>
@@ -7961,18 +7961,12 @@
           </a:lstStyle>
           <a:p>
             <a:r>
-              <a:rPr lang="en-US" altLang="ja-JP" sz="1600" b="1" dirty="0" smtClean="0">
+              <a:rPr lang="en-US" altLang="ja-JP" sz="1400" b="1" dirty="0" smtClean="0">
                 <a:latin typeface="+mn-ea"/>
               </a:rPr>
-              <a:t>The function arrangement can be changed by dragging </a:t>
-            </a:r>
-            <a:r>
-              <a:rPr lang="en-US" altLang="ja-JP" sz="1600" b="1" dirty="0">
-                <a:latin typeface="+mn-ea"/>
-              </a:rPr>
-              <a:t>and dropping.</a:t>
-            </a:r>
-            <a:endParaRPr lang="ja-JP" altLang="en-US" sz="1600" b="1" dirty="0">
+              <a:t>The arrangement of the “Function” tab can be changed by dragging and dropping them</a:t>
+            </a:r>
+            <a:endParaRPr lang="ja-JP" altLang="en-US" sz="1400" b="1" dirty="0">
               <a:latin typeface="+mn-ea"/>
             </a:endParaRPr>
           </a:p>
@@ -8092,7 +8086,7 @@
               <a:rPr lang="en-US" altLang="ja-JP" sz="1600" b="1" dirty="0" smtClean="0">
                 <a:latin typeface="+mn-ea"/>
               </a:rPr>
-              <a:t>to Movement, </a:t>
+              <a:t>to Movements, </a:t>
             </a:r>
             <a:r>
               <a:rPr lang="en-US" altLang="ja-JP" sz="1600" b="1" dirty="0">
@@ -8101,33 +8095,34 @@
                 </a:solidFill>
                 <a:latin typeface="+mn-ea"/>
               </a:rPr>
-              <a:t>operation</a:t>
+              <a:t>O</a:t>
+            </a:r>
+            <a:r>
+              <a:rPr lang="en-US" altLang="ja-JP" sz="1600" b="1" dirty="0" smtClean="0">
+                <a:solidFill>
+                  <a:srgbClr val="FF0000"/>
+                </a:solidFill>
+                <a:latin typeface="+mn-ea"/>
+              </a:rPr>
+              <a:t>perations</a:t>
+            </a:r>
+            <a:r>
+              <a:rPr lang="en-US" altLang="ja-JP" sz="1600" b="1" dirty="0" smtClean="0">
+                <a:latin typeface="+mn-ea"/>
+              </a:rPr>
+              <a:t> </a:t>
             </a:r>
             <a:r>
               <a:rPr lang="en-US" altLang="ja-JP" sz="1600" b="1" dirty="0">
                 <a:latin typeface="+mn-ea"/>
               </a:rPr>
-              <a:t> can be </a:t>
+              <a:t>can </a:t>
             </a:r>
             <a:r>
               <a:rPr lang="en-US" altLang="ja-JP" sz="1600" b="1" dirty="0" smtClean="0">
                 <a:latin typeface="+mn-ea"/>
               </a:rPr>
-              <a:t>combined </a:t>
-            </a:r>
-            <a:r>
-              <a:rPr lang="en-US" altLang="ja-JP" sz="1600" b="1" dirty="0">
-                <a:latin typeface="+mn-ea"/>
-              </a:rPr>
-              <a:t>in/out by dragging and</a:t>
-            </a:r>
-          </a:p>
-          <a:p>
-            <a:r>
-              <a:rPr lang="en-US" altLang="ja-JP" sz="1600" b="1" dirty="0">
-                <a:latin typeface="+mn-ea"/>
-              </a:rPr>
-              <a:t>dropping.</a:t>
+              <a:t>also be linked by dragging a line between them.</a:t>
             </a:r>
             <a:endParaRPr lang="ja-JP" altLang="en-US" sz="1600" b="1" dirty="0">
               <a:latin typeface="+mn-ea"/>
@@ -8240,20 +8235,12 @@
           </a:lstStyle>
           <a:p>
             <a:r>
-              <a:rPr lang="en-US" altLang="ja-JP" sz="1600" b="1" dirty="0">
+              <a:rPr lang="en-US" altLang="ja-JP" sz="1400" b="1" dirty="0" smtClean="0">
                 <a:latin typeface="+mn-ea"/>
               </a:rPr>
-              <a:t>Choose between various </a:t>
-            </a:r>
-          </a:p>
-          <a:p>
-            <a:r>
-              <a:rPr lang="en-US" altLang="ja-JP" sz="1600" b="1" dirty="0">
-                <a:latin typeface="+mn-ea"/>
-              </a:rPr>
-              <a:t>Functions.</a:t>
-            </a:r>
-            <a:endParaRPr lang="ja-JP" altLang="en-US" sz="1600" b="1" dirty="0">
+              <a:t>Users can choose between different Functions.</a:t>
+            </a:r>
+            <a:endParaRPr lang="ja-JP" altLang="en-US" sz="1400" b="1" dirty="0">
               <a:latin typeface="+mn-ea"/>
             </a:endParaRPr>
           </a:p>
@@ -8309,7 +8296,7 @@
         <p:spPr/>
         <p:txBody>
           <a:bodyPr>
-            <a:normAutofit fontScale="90000"/>
+            <a:normAutofit/>
           </a:bodyPr>
           <a:lstStyle/>
           <a:p>
@@ -8323,7 +8310,7 @@
             </a:r>
             <a:r>
               <a:rPr lang="en-US" altLang="ja-JP" dirty="0" smtClean="0"/>
-              <a:t>Description of the functions in Conductor Menu</a:t>
+              <a:t>Conductor menu functions</a:t>
             </a:r>
             <a:r>
               <a:rPr lang="ja-JP" altLang="en-US" dirty="0"/>
@@ -8386,83 +8373,47 @@
             <a:pPr lvl="1"/>
             <a:r>
               <a:rPr lang="en-US" altLang="ja-JP" dirty="0" smtClean="0"/>
-              <a:t>Possible </a:t>
-            </a:r>
-            <a:r>
-              <a:rPr lang="en-US" altLang="ja-JP" dirty="0"/>
-              <a:t>to describes the functions. For details refer to </a:t>
-            </a:r>
-            <a:r>
+              <a:t>The following explains the different functions available. </a:t>
+            </a:r>
+            <a:br>
               <a:rPr lang="en-US" altLang="ja-JP" dirty="0" smtClean="0"/>
-              <a:t>menu</a:t>
-            </a:r>
-            <a:r>
-              <a:rPr lang="en-US" altLang="ja-JP" dirty="0"/>
+            </a:br>
+            <a:r>
+              <a:rPr lang="en-US" altLang="ja-JP" dirty="0" smtClean="0"/>
+              <a:t>For more details, please refer to </a:t>
+            </a:r>
+            <a:r>
+              <a:rPr lang="en-US" altLang="ja-JP" dirty="0" smtClean="0">
+                <a:hlinkClick r:id="rId2"/>
+              </a:rPr>
+              <a:t>this manual</a:t>
+            </a:r>
+            <a:r>
+              <a:rPr lang="en-US" altLang="ja-JP" dirty="0" smtClean="0"/>
               <a:t>.</a:t>
             </a:r>
-          </a:p>
-        </p:txBody>
-      </p:sp>
-      <p:cxnSp>
-        <p:nvCxnSpPr>
-          <p:cNvPr id="7" name="直線コネクタ 6"/>
-          <p:cNvCxnSpPr/>
-          <p:nvPr/>
-        </p:nvCxnSpPr>
-        <p:spPr bwMode="auto">
-          <a:xfrm>
-            <a:off x="971500" y="6157202"/>
-            <a:ext cx="4956800" cy="7033"/>
-          </a:xfrm>
-          <a:prstGeom prst="line">
-            <a:avLst/>
-          </a:prstGeom>
-          <a:solidFill>
-            <a:schemeClr val="bg1"/>
-          </a:solidFill>
-          <a:ln w="12700" cap="flat" cmpd="sng" algn="ctr">
-            <a:solidFill>
-              <a:schemeClr val="tx1"/>
-            </a:solidFill>
-            <a:prstDash val="solid"/>
-            <a:round/>
-            <a:headEnd type="none" w="med" len="med"/>
-            <a:tailEnd type="none" w="med" len="med"/>
-          </a:ln>
-          <a:effectLst/>
-          <a:extLst>
-            <a:ext uri="{AF507438-7753-43E0-B8FC-AC1667EBCBE1}">
-              <a14:hiddenEffects xmlns:a14="http://schemas.microsoft.com/office/drawing/2010/main">
-                <a:effectLst>
-                  <a:outerShdw dist="35921" dir="2700000" algn="ctr" rotWithShape="0">
-                    <a:schemeClr val="tx1">
-                      <a:alpha val="50000"/>
-                    </a:schemeClr>
-                  </a:outerShdw>
-                </a:effectLst>
-              </a14:hiddenEffects>
-            </a:ext>
-          </a:extLst>
-        </p:spPr>
-      </p:cxnSp>
+            <a:endParaRPr lang="en-US" altLang="ja-JP" dirty="0"/>
+          </a:p>
+        </p:txBody>
+      </p:sp>
       <p:pic>
         <p:nvPicPr>
-          <p:cNvPr id="9" name="図 8"/>
+          <p:cNvPr id="10" name="図 9"/>
           <p:cNvPicPr>
             <a:picLocks noChangeAspect="1"/>
           </p:cNvPicPr>
           <p:nvPr/>
         </p:nvPicPr>
         <p:blipFill>
-          <a:blip r:embed="rId2"/>
+          <a:blip r:embed="rId3"/>
           <a:stretch>
             <a:fillRect/>
           </a:stretch>
         </p:blipFill>
         <p:spPr>
           <a:xfrm>
-            <a:off x="467430" y="1589187"/>
-            <a:ext cx="6264870" cy="4648203"/>
+            <a:off x="691525" y="1723797"/>
+            <a:ext cx="4543425" cy="4876800"/>
           </a:xfrm>
           <a:prstGeom prst="rect">
             <a:avLst/>
@@ -8506,98 +8457,6 @@
           <a:chExt cx="0" cy="0"/>
         </a:xfrm>
       </p:grpSpPr>
-      <p:sp>
-        <p:nvSpPr>
-          <p:cNvPr id="2" name="タイトル 1"/>
-          <p:cNvSpPr>
-            <a:spLocks noGrp="1"/>
-          </p:cNvSpPr>
-          <p:nvPr>
-            <p:ph type="title"/>
-          </p:nvPr>
-        </p:nvSpPr>
-        <p:spPr/>
-        <p:txBody>
-          <a:bodyPr>
-            <a:normAutofit fontScale="90000"/>
-          </a:bodyPr>
-          <a:lstStyle/>
-          <a:p>
-            <a:r>
-              <a:rPr lang="en-US" altLang="ja-JP" dirty="0"/>
-              <a:t>2.3</a:t>
-            </a:r>
-            <a:r>
-              <a:rPr lang="ja-JP" altLang="en-US" dirty="0"/>
-              <a:t>　</a:t>
-            </a:r>
-            <a:r>
-              <a:rPr lang="en-US" altLang="ja-JP" dirty="0" smtClean="0"/>
-              <a:t>Description of the functions in Conductor Menu</a:t>
-            </a:r>
-            <a:r>
-              <a:rPr lang="ja-JP" altLang="en-US" dirty="0" smtClean="0"/>
-              <a:t>（</a:t>
-            </a:r>
-            <a:r>
-              <a:rPr lang="en-US" altLang="ja-JP" dirty="0" smtClean="0"/>
-              <a:t>5/9</a:t>
-            </a:r>
-            <a:r>
-              <a:rPr lang="ja-JP" altLang="en-US" dirty="0" smtClean="0"/>
-              <a:t>）</a:t>
-            </a:r>
-            <a:endParaRPr kumimoji="1" lang="ja-JP" altLang="en-US" dirty="0"/>
-          </a:p>
-        </p:txBody>
-      </p:sp>
-      <p:sp>
-        <p:nvSpPr>
-          <p:cNvPr id="3" name="コンテンツ プレースホルダー 2"/>
-          <p:cNvSpPr>
-            <a:spLocks noGrp="1"/>
-          </p:cNvSpPr>
-          <p:nvPr>
-            <p:ph sz="quarter" idx="10"/>
-          </p:nvPr>
-        </p:nvSpPr>
-        <p:spPr/>
-        <p:txBody>
-          <a:bodyPr/>
-          <a:lstStyle/>
-          <a:p>
-            <a:pPr>
-              <a:buFont typeface="Wingdings" panose="05000000000000000000" pitchFamily="2" charset="2"/>
-              <a:buChar char="l"/>
-            </a:pPr>
-            <a:r>
-              <a:rPr lang="en-US" altLang="ja-JP" b="1" dirty="0"/>
-              <a:t>Conductor execution(1/2</a:t>
-            </a:r>
-            <a:r>
-              <a:rPr lang="en-US" altLang="ja-JP" b="1" dirty="0" smtClean="0"/>
-              <a:t>)</a:t>
-            </a:r>
-            <a:endParaRPr lang="en-US" altLang="ja-JP" dirty="0" smtClean="0"/>
-          </a:p>
-          <a:p>
-            <a:pPr lvl="1"/>
-            <a:r>
-              <a:rPr lang="en-US" altLang="ja-JP" dirty="0" smtClean="0"/>
-              <a:t>Choose </a:t>
-            </a:r>
-            <a:r>
-              <a:rPr lang="en-US" altLang="ja-JP" dirty="0"/>
-              <a:t>and execute the created Conductor in the "Conductor execution" </a:t>
-            </a:r>
-            <a:r>
-              <a:rPr lang="en-US" altLang="ja-JP" dirty="0" smtClean="0"/>
-              <a:t>menu.</a:t>
-            </a:r>
-            <a:endParaRPr lang="en-US" altLang="ja-JP" dirty="0"/>
-          </a:p>
-        </p:txBody>
-      </p:sp>
       <p:pic>
         <p:nvPicPr>
           <p:cNvPr id="11" name="図 10"/>
@@ -8622,6 +8481,214 @@
           </a:prstGeom>
         </p:spPr>
       </p:pic>
+      <p:sp>
+        <p:nvSpPr>
+          <p:cNvPr id="10" name="四角形吹き出し 9"/>
+          <p:cNvSpPr/>
+          <p:nvPr/>
+        </p:nvSpPr>
+        <p:spPr bwMode="auto">
+          <a:xfrm>
+            <a:off x="5625038" y="3648385"/>
+            <a:ext cx="3162385" cy="716513"/>
+          </a:xfrm>
+          <a:prstGeom prst="wedgeRectCallout">
+            <a:avLst>
+              <a:gd name="adj1" fmla="val -161356"/>
+              <a:gd name="adj2" fmla="val 181745"/>
+            </a:avLst>
+          </a:prstGeom>
+          <a:solidFill>
+            <a:schemeClr val="bg1"/>
+          </a:solidFill>
+          <a:ln w="38100">
+            <a:solidFill>
+              <a:schemeClr val="accent6">
+                <a:lumMod val="90000"/>
+                <a:lumOff val="10000"/>
+              </a:schemeClr>
+            </a:solidFill>
+          </a:ln>
+          <a:effectLst/>
+          <a:extLst/>
+        </p:spPr>
+        <p:txBody>
+          <a:bodyPr rot="0" spcFirstLastPara="0" vert="horz" wrap="square" lIns="72000" tIns="72000" rIns="72000" bIns="72000" numCol="1" spcCol="0" rtlCol="0" fromWordArt="0" anchor="ctr" anchorCtr="0" forceAA="0" compatLnSpc="1">
+            <a:prstTxWarp prst="textNoShape">
+              <a:avLst/>
+            </a:prstTxWarp>
+            <a:noAutofit/>
+          </a:bodyPr>
+          <a:lstStyle>
+            <a:lvl1pPr marL="0" indent="0">
+              <a:defRPr sz="1100">
+                <a:latin typeface="+mn-lt"/>
+                <a:ea typeface="+mn-ea"/>
+                <a:cs typeface="+mn-cs"/>
+              </a:defRPr>
+            </a:lvl1pPr>
+            <a:lvl2pPr marL="457200" indent="0">
+              <a:defRPr sz="1100">
+                <a:latin typeface="+mn-lt"/>
+                <a:ea typeface="+mn-ea"/>
+                <a:cs typeface="+mn-cs"/>
+              </a:defRPr>
+            </a:lvl2pPr>
+            <a:lvl3pPr marL="914400" indent="0">
+              <a:defRPr sz="1100">
+                <a:latin typeface="+mn-lt"/>
+                <a:ea typeface="+mn-ea"/>
+                <a:cs typeface="+mn-cs"/>
+              </a:defRPr>
+            </a:lvl3pPr>
+            <a:lvl4pPr marL="1371600" indent="0">
+              <a:defRPr sz="1100">
+                <a:latin typeface="+mn-lt"/>
+                <a:ea typeface="+mn-ea"/>
+                <a:cs typeface="+mn-cs"/>
+              </a:defRPr>
+            </a:lvl4pPr>
+            <a:lvl5pPr marL="1828800" indent="0">
+              <a:defRPr sz="1100">
+                <a:latin typeface="+mn-lt"/>
+                <a:ea typeface="+mn-ea"/>
+                <a:cs typeface="+mn-cs"/>
+              </a:defRPr>
+            </a:lvl5pPr>
+            <a:lvl6pPr marL="2286000" indent="0">
+              <a:defRPr sz="1100">
+                <a:latin typeface="+mn-lt"/>
+                <a:ea typeface="+mn-ea"/>
+                <a:cs typeface="+mn-cs"/>
+              </a:defRPr>
+            </a:lvl6pPr>
+            <a:lvl7pPr marL="2743200" indent="0">
+              <a:defRPr sz="1100">
+                <a:latin typeface="+mn-lt"/>
+                <a:ea typeface="+mn-ea"/>
+                <a:cs typeface="+mn-cs"/>
+              </a:defRPr>
+            </a:lvl7pPr>
+            <a:lvl8pPr marL="3200400" indent="0">
+              <a:defRPr sz="1100">
+                <a:latin typeface="+mn-lt"/>
+                <a:ea typeface="+mn-ea"/>
+                <a:cs typeface="+mn-cs"/>
+              </a:defRPr>
+            </a:lvl8pPr>
+            <a:lvl9pPr marL="3657600" indent="0">
+              <a:defRPr sz="1100">
+                <a:latin typeface="+mn-lt"/>
+                <a:ea typeface="+mn-ea"/>
+                <a:cs typeface="+mn-cs"/>
+              </a:defRPr>
+            </a:lvl9pPr>
+          </a:lstStyle>
+          <a:p>
+            <a:r>
+              <a:rPr lang="en-US" altLang="ja-JP" sz="1600" b="1" dirty="0" smtClean="0">
+                <a:latin typeface="+mn-ea"/>
+              </a:rPr>
+              <a:t>Select Conductor and Operation. </a:t>
+            </a:r>
+            <a:endParaRPr kumimoji="1" lang="ja-JP" altLang="en-US" sz="1600" b="1" dirty="0">
+              <a:latin typeface="+mn-ea"/>
+            </a:endParaRPr>
+          </a:p>
+        </p:txBody>
+      </p:sp>
+      <p:sp>
+        <p:nvSpPr>
+          <p:cNvPr id="2" name="タイトル 1"/>
+          <p:cNvSpPr>
+            <a:spLocks noGrp="1"/>
+          </p:cNvSpPr>
+          <p:nvPr>
+            <p:ph type="title"/>
+          </p:nvPr>
+        </p:nvSpPr>
+        <p:spPr/>
+        <p:txBody>
+          <a:bodyPr>
+            <a:normAutofit/>
+          </a:bodyPr>
+          <a:lstStyle/>
+          <a:p>
+            <a:r>
+              <a:rPr lang="en-US" altLang="ja-JP" dirty="0"/>
+              <a:t>2.3</a:t>
+            </a:r>
+            <a:r>
+              <a:rPr lang="ja-JP" altLang="en-US" dirty="0"/>
+              <a:t>　</a:t>
+            </a:r>
+            <a:r>
+              <a:rPr lang="en-US" altLang="ja-JP" dirty="0" smtClean="0"/>
+              <a:t>Conductor Function Description</a:t>
+            </a:r>
+            <a:r>
+              <a:rPr lang="ja-JP" altLang="en-US" dirty="0" smtClean="0"/>
+              <a:t>（</a:t>
+            </a:r>
+            <a:r>
+              <a:rPr lang="en-US" altLang="ja-JP" dirty="0" smtClean="0"/>
+              <a:t>5/9</a:t>
+            </a:r>
+            <a:r>
+              <a:rPr lang="ja-JP" altLang="en-US" dirty="0" smtClean="0"/>
+              <a:t>）</a:t>
+            </a:r>
+            <a:endParaRPr kumimoji="1" lang="ja-JP" altLang="en-US" dirty="0"/>
+          </a:p>
+        </p:txBody>
+      </p:sp>
+      <p:sp>
+        <p:nvSpPr>
+          <p:cNvPr id="3" name="コンテンツ プレースホルダー 2"/>
+          <p:cNvSpPr>
+            <a:spLocks noGrp="1"/>
+          </p:cNvSpPr>
+          <p:nvPr>
+            <p:ph sz="quarter" idx="10"/>
+          </p:nvPr>
+        </p:nvSpPr>
+        <p:spPr/>
+        <p:txBody>
+          <a:bodyPr/>
+          <a:lstStyle/>
+          <a:p>
+            <a:pPr>
+              <a:buFont typeface="Wingdings" panose="05000000000000000000" pitchFamily="2" charset="2"/>
+              <a:buChar char="l"/>
+            </a:pPr>
+            <a:r>
+              <a:rPr lang="en-US" altLang="ja-JP" b="1" dirty="0"/>
+              <a:t>Conductor execution(1/2</a:t>
+            </a:r>
+            <a:r>
+              <a:rPr lang="en-US" altLang="ja-JP" b="1" dirty="0" smtClean="0"/>
+              <a:t>)</a:t>
+            </a:r>
+            <a:endParaRPr lang="en-US" altLang="ja-JP" dirty="0" smtClean="0"/>
+          </a:p>
+          <a:p>
+            <a:pPr lvl="1"/>
+            <a:r>
+              <a:rPr lang="en-US" altLang="ja-JP" dirty="0" smtClean="0"/>
+              <a:t>Choose </a:t>
+            </a:r>
+            <a:r>
+              <a:rPr lang="en-US" altLang="ja-JP" dirty="0"/>
+              <a:t>and execute the created Conductor in the "Conductor execution" </a:t>
+            </a:r>
+            <a:r>
+              <a:rPr lang="en-US" altLang="ja-JP" dirty="0" smtClean="0"/>
+              <a:t>menu.</a:t>
+            </a:r>
+            <a:endParaRPr lang="en-US" altLang="ja-JP" dirty="0"/>
+          </a:p>
+        </p:txBody>
+      </p:sp>
       <p:sp>
         <p:nvSpPr>
           <p:cNvPr id="12" name="正方形/長方形 11"/>
@@ -8933,20 +9000,26 @@
           </a:lstStyle>
           <a:p>
             <a:r>
-              <a:rPr lang="en-US" altLang="ja-JP" sz="1600" b="1">
+              <a:rPr lang="en-US" altLang="ja-JP" sz="1600" b="1" dirty="0" smtClean="0">
                 <a:latin typeface="+mn-ea"/>
               </a:rPr>
-              <a:t>Possible to schedule </a:t>
-            </a:r>
-          </a:p>
-          <a:p>
-            <a:r>
-              <a:rPr lang="en-US" altLang="ja-JP" sz="1600" b="1">
+              <a:t>It is possible </a:t>
+            </a:r>
+            <a:r>
+              <a:rPr lang="en-US" altLang="ja-JP" sz="1600" b="1" dirty="0">
                 <a:latin typeface="+mn-ea"/>
               </a:rPr>
-              <a:t>execution timing.</a:t>
-            </a:r>
-            <a:endParaRPr kumimoji="1" lang="ja-JP" altLang="en-US" sz="1600" b="1">
+              <a:t>to schedule </a:t>
+            </a:r>
+          </a:p>
+          <a:p>
+            <a:r>
+              <a:rPr lang="en-US" altLang="ja-JP" sz="1600" b="1" dirty="0" smtClean="0">
+                <a:latin typeface="+mn-ea"/>
+              </a:rPr>
+              <a:t>the timing of execution</a:t>
+            </a:r>
+            <a:endParaRPr kumimoji="1" lang="ja-JP" altLang="en-US" sz="1600" b="1" dirty="0">
               <a:latin typeface="+mn-ea"/>
             </a:endParaRPr>
           </a:p>
@@ -9060,9 +9133,112 @@
               <a:rPr lang="en-US" altLang="ja-JP" sz="1600" b="1" dirty="0" smtClean="0">
                 <a:latin typeface="+mn-ea"/>
               </a:rPr>
-              <a:t>Select operation and executed Conductor. </a:t>
+              <a:t>Select Conductor and Operation. </a:t>
             </a:r>
             <a:endParaRPr kumimoji="1" lang="ja-JP" altLang="en-US" sz="1600" b="1" dirty="0">
+              <a:latin typeface="+mn-ea"/>
+            </a:endParaRPr>
+          </a:p>
+        </p:txBody>
+      </p:sp>
+      <p:sp>
+        <p:nvSpPr>
+          <p:cNvPr id="9" name="正方形/長方形 8"/>
+          <p:cNvSpPr/>
+          <p:nvPr/>
+        </p:nvSpPr>
+        <p:spPr bwMode="auto">
+          <a:xfrm>
+            <a:off x="193548" y="5445280"/>
+            <a:ext cx="6178702" cy="504070"/>
+          </a:xfrm>
+          <a:prstGeom prst="rect">
+            <a:avLst/>
+          </a:prstGeom>
+          <a:noFill/>
+          <a:ln w="38100">
+            <a:solidFill>
+              <a:srgbClr val="FF0000"/>
+            </a:solidFill>
+          </a:ln>
+          <a:effectLst/>
+          <a:extLst/>
+        </p:spPr>
+        <p:txBody>
+          <a:bodyPr rot="0" spcFirstLastPara="0" vert="horz" wrap="square" lIns="72000" tIns="72000" rIns="72000" bIns="72000" numCol="1" spcCol="0" rtlCol="0" fromWordArt="0" anchor="ctr" anchorCtr="0" forceAA="0" compatLnSpc="1">
+            <a:prstTxWarp prst="textNoShape">
+              <a:avLst/>
+            </a:prstTxWarp>
+            <a:noAutofit/>
+          </a:bodyPr>
+          <a:lstStyle>
+            <a:lvl1pPr marL="0" indent="0">
+              <a:defRPr sz="1100">
+                <a:latin typeface="+mn-lt"/>
+                <a:ea typeface="+mn-ea"/>
+                <a:cs typeface="+mn-cs"/>
+              </a:defRPr>
+            </a:lvl1pPr>
+            <a:lvl2pPr marL="457200" indent="0">
+              <a:defRPr sz="1100">
+                <a:latin typeface="+mn-lt"/>
+                <a:ea typeface="+mn-ea"/>
+                <a:cs typeface="+mn-cs"/>
+              </a:defRPr>
+            </a:lvl2pPr>
+            <a:lvl3pPr marL="914400" indent="0">
+              <a:defRPr sz="1100">
+                <a:latin typeface="+mn-lt"/>
+                <a:ea typeface="+mn-ea"/>
+                <a:cs typeface="+mn-cs"/>
+              </a:defRPr>
+            </a:lvl3pPr>
+            <a:lvl4pPr marL="1371600" indent="0">
+              <a:defRPr sz="1100">
+                <a:latin typeface="+mn-lt"/>
+                <a:ea typeface="+mn-ea"/>
+                <a:cs typeface="+mn-cs"/>
+              </a:defRPr>
+            </a:lvl4pPr>
+            <a:lvl5pPr marL="1828800" indent="0">
+              <a:defRPr sz="1100">
+                <a:latin typeface="+mn-lt"/>
+                <a:ea typeface="+mn-ea"/>
+                <a:cs typeface="+mn-cs"/>
+              </a:defRPr>
+            </a:lvl5pPr>
+            <a:lvl6pPr marL="2286000" indent="0">
+              <a:defRPr sz="1100">
+                <a:latin typeface="+mn-lt"/>
+                <a:ea typeface="+mn-ea"/>
+                <a:cs typeface="+mn-cs"/>
+              </a:defRPr>
+            </a:lvl6pPr>
+            <a:lvl7pPr marL="2743200" indent="0">
+              <a:defRPr sz="1100">
+                <a:latin typeface="+mn-lt"/>
+                <a:ea typeface="+mn-ea"/>
+                <a:cs typeface="+mn-cs"/>
+              </a:defRPr>
+            </a:lvl7pPr>
+            <a:lvl8pPr marL="3200400" indent="0">
+              <a:defRPr sz="1100">
+                <a:latin typeface="+mn-lt"/>
+                <a:ea typeface="+mn-ea"/>
+                <a:cs typeface="+mn-cs"/>
+              </a:defRPr>
+            </a:lvl8pPr>
+            <a:lvl9pPr marL="3657600" indent="0">
+              <a:defRPr sz="1100">
+                <a:latin typeface="+mn-lt"/>
+                <a:ea typeface="+mn-ea"/>
+                <a:cs typeface="+mn-cs"/>
+              </a:defRPr>
+            </a:lvl9pPr>
+          </a:lstStyle>
+          <a:p>
+            <a:pPr algn="ctr"/>
+            <a:endParaRPr kumimoji="1" lang="ja-JP" altLang="en-US" b="1">
               <a:latin typeface="+mn-ea"/>
             </a:endParaRPr>
           </a:p>
@@ -9118,7 +9294,7 @@
         <p:spPr/>
         <p:txBody>
           <a:bodyPr>
-            <a:normAutofit fontScale="90000"/>
+            <a:normAutofit/>
           </a:bodyPr>
           <a:lstStyle/>
           <a:p>
@@ -9132,7 +9308,7 @@
             </a:r>
             <a:r>
               <a:rPr lang="en-US" altLang="ja-JP" dirty="0" smtClean="0"/>
-              <a:t>Description of the functions in Conductor Menu</a:t>
+              <a:t>Conductor Function Description</a:t>
             </a:r>
             <a:r>
               <a:rPr lang="ja-JP" altLang="en-US" dirty="0"/>
@@ -9191,8 +9367,13 @@
             <a:pPr lvl="1"/>
             <a:r>
               <a:rPr lang="en-US" altLang="ja-JP" dirty="0"/>
-              <a:t>The conductor and operation selected at the top of the page will be displayed.</a:t>
-            </a:r>
+              <a:t>The conductor and operation selected at the top of the page will be </a:t>
+            </a:r>
+            <a:r>
+              <a:rPr lang="en-US" altLang="ja-JP" dirty="0" smtClean="0"/>
+              <a:t>displayed.</a:t>
+            </a:r>
+            <a:endParaRPr lang="en-US" altLang="ja-JP" dirty="0"/>
           </a:p>
         </p:txBody>
       </p:sp>
@@ -9445,28 +9626,56 @@
           </a:lstStyle>
           <a:p>
             <a:r>
-              <a:rPr lang="en-US" altLang="ja-JP" sz="1600" b="1">
+              <a:rPr lang="en-US" altLang="ja-JP" sz="1600" b="1" dirty="0">
                 <a:latin typeface="+mn-ea"/>
               </a:rPr>
-              <a:t>If there is no problem with the </a:t>
-            </a:r>
-          </a:p>
-          <a:p>
-            <a:r>
-              <a:rPr lang="en-US" altLang="ja-JP" sz="1600" b="1">
+              <a:t>If there </a:t>
+            </a:r>
+            <a:r>
+              <a:rPr lang="en-US" altLang="ja-JP" sz="1600" b="1" dirty="0" smtClean="0">
                 <a:latin typeface="+mn-ea"/>
               </a:rPr>
-              <a:t>contents, press the </a:t>
-            </a:r>
-          </a:p>
-          <a:p>
-            <a:r>
-              <a:rPr lang="en-US" altLang="ja-JP" sz="1600" b="1">
+              <a:t>are </a:t>
+            </a:r>
+            <a:r>
+              <a:rPr lang="en-US" altLang="ja-JP" sz="1600" b="1" dirty="0">
+                <a:latin typeface="+mn-ea"/>
+              </a:rPr>
+              <a:t>no </a:t>
+            </a:r>
+            <a:r>
+              <a:rPr lang="en-US" altLang="ja-JP" sz="1600" b="1" dirty="0" smtClean="0">
+                <a:latin typeface="+mn-ea"/>
+              </a:rPr>
+              <a:t>problems </a:t>
+            </a:r>
+            <a:r>
+              <a:rPr lang="en-US" altLang="ja-JP" sz="1600" b="1" dirty="0">
+                <a:latin typeface="+mn-ea"/>
+              </a:rPr>
+              <a:t>with the </a:t>
+            </a:r>
+            <a:r>
+              <a:rPr lang="en-US" altLang="ja-JP" sz="1600" b="1" dirty="0" smtClean="0">
+                <a:latin typeface="+mn-ea"/>
+              </a:rPr>
+              <a:t>contents</a:t>
+            </a:r>
+            <a:r>
+              <a:rPr lang="en-US" altLang="ja-JP" sz="1600" b="1" dirty="0">
+                <a:latin typeface="+mn-ea"/>
+              </a:rPr>
+              <a:t>, press the </a:t>
+            </a:r>
+          </a:p>
+          <a:p>
+            <a:r>
+              <a:rPr lang="en-US" altLang="ja-JP" sz="1600" b="1" dirty="0">
                 <a:latin typeface="+mn-ea"/>
               </a:rPr>
               <a:t>"Execute" button to execute.</a:t>
             </a:r>
-            <a:endParaRPr kumimoji="1" lang="ja-JP" altLang="en-US" sz="1600" b="1">
+            <a:endParaRPr kumimoji="1" lang="ja-JP" altLang="en-US" sz="1600" b="1" dirty="0">
               <a:latin typeface="+mn-ea"/>
             </a:endParaRPr>
           </a:p>
@@ -9522,7 +9731,7 @@
         <p:spPr/>
         <p:txBody>
           <a:bodyPr>
-            <a:normAutofit fontScale="90000"/>
+            <a:normAutofit/>
           </a:bodyPr>
           <a:lstStyle/>
           <a:p>
@@ -9536,7 +9745,7 @@
             </a:r>
             <a:r>
               <a:rPr lang="en-US" altLang="ja-JP" dirty="0" smtClean="0"/>
-              <a:t>Description of the functions in Conductor Menu</a:t>
+              <a:t>Conductor</a:t>
             </a:r>
             <a:r>
               <a:rPr lang="ja-JP" altLang="en-US" dirty="0"/>
@@ -9735,60 +9944,34 @@
           </a:lstStyle>
           <a:p>
             <a:r>
+              <a:rPr lang="en-US" altLang="ja-JP" sz="1600" b="1" dirty="0" smtClean="0">
+                <a:latin typeface="+mn-ea"/>
+              </a:rPr>
+              <a:t>Clicking the movement will display a detailed results screen.</a:t>
+            </a:r>
+            <a:br>
+              <a:rPr lang="en-US" altLang="ja-JP" sz="1600" b="1" dirty="0" smtClean="0">
+                <a:latin typeface="+mn-ea"/>
+              </a:rPr>
+            </a:br>
+            <a:r>
+              <a:rPr lang="en-US" altLang="ja-JP" sz="1600" b="1" dirty="0" smtClean="0">
+                <a:latin typeface="+mn-ea"/>
+              </a:rPr>
+              <a:t> Click </a:t>
+            </a:r>
+            <a:r>
+              <a:rPr lang="en-US" altLang="ja-JP" sz="1600" b="1" dirty="0">
+                <a:latin typeface="+mn-ea"/>
+                <a:hlinkClick r:id="rId3"/>
+              </a:rPr>
+              <a:t>here</a:t>
+            </a:r>
+            <a:r>
               <a:rPr lang="en-US" altLang="ja-JP" sz="1600" b="1" dirty="0">
                 <a:latin typeface="+mn-ea"/>
               </a:rPr>
-              <a:t>Check a detailed status of the</a:t>
-            </a:r>
-          </a:p>
-          <a:p>
-            <a:r>
-              <a:rPr lang="en-US" altLang="ja-JP" sz="1600" b="1" dirty="0" smtClean="0">
-                <a:latin typeface="+mn-ea"/>
-              </a:rPr>
-              <a:t>execution </a:t>
-            </a:r>
-            <a:r>
-              <a:rPr lang="en-US" altLang="ja-JP" sz="1600" b="1" dirty="0">
-                <a:latin typeface="+mn-ea"/>
-              </a:rPr>
-              <a:t>results by </a:t>
-            </a:r>
-            <a:r>
-              <a:rPr lang="en-US" altLang="ja-JP" sz="1600" b="1" dirty="0" smtClean="0">
-                <a:latin typeface="+mn-ea"/>
-              </a:rPr>
-              <a:t>pressing</a:t>
-            </a:r>
-            <a:r>
-              <a:rPr lang="ja-JP" altLang="en-US" sz="1600" b="1" dirty="0" smtClean="0">
-                <a:latin typeface="+mn-ea"/>
-              </a:rPr>
-              <a:t>　</a:t>
-            </a:r>
-            <a:r>
-              <a:rPr lang="en-US" altLang="ja-JP" sz="1600" b="1" dirty="0" smtClean="0">
-                <a:latin typeface="+mn-ea"/>
-              </a:rPr>
-              <a:t>a </a:t>
-            </a:r>
-            <a:r>
-              <a:rPr lang="en-US" altLang="ja-JP" sz="1600" b="1" dirty="0">
-                <a:latin typeface="+mn-ea"/>
-              </a:rPr>
-              <a:t>Movement. </a:t>
-            </a:r>
-            <a:r>
-              <a:rPr lang="en-US" altLang="ja-JP" sz="1600" b="1" dirty="0" smtClean="0">
-                <a:latin typeface="+mn-ea"/>
-              </a:rPr>
-              <a:t>Click </a:t>
-            </a:r>
-            <a:r>
-              <a:rPr lang="en-US" altLang="ja-JP" sz="1600" b="1" dirty="0">
-                <a:latin typeface="+mn-ea"/>
-              </a:rPr>
-              <a:t>here for more details.</a:t>
+              <a:t> for more details.</a:t>
             </a:r>
             <a:endParaRPr kumimoji="1" lang="ja-JP" altLang="en-US" sz="1600" b="1" dirty="0">
               <a:latin typeface="+mn-ea"/>
@@ -9901,27 +10084,26 @@
           </a:lstStyle>
           <a:p>
             <a:r>
+              <a:rPr lang="en-US" altLang="ja-JP" sz="1600" b="1" dirty="0" smtClean="0">
+                <a:latin typeface="+mn-ea"/>
+              </a:rPr>
+              <a:t>If the Conductor is scheduled to be executed  users </a:t>
+            </a:r>
+            <a:r>
               <a:rPr lang="en-US" altLang="ja-JP" sz="1600" b="1" dirty="0">
                 <a:latin typeface="+mn-ea"/>
               </a:rPr>
-              <a:t>If the conductor has a set schedule </a:t>
-            </a:r>
-          </a:p>
-          <a:p>
-            <a:r>
-              <a:rPr lang="en-US" altLang="ja-JP" sz="1600" b="1" dirty="0">
+              <a:t>can cancel </a:t>
+            </a:r>
+            <a:r>
+              <a:rPr lang="en-US" altLang="ja-JP" sz="1600" b="1" dirty="0" smtClean="0">
                 <a:latin typeface="+mn-ea"/>
               </a:rPr>
-              <a:t>which has yet to be executed, </a:t>
-            </a:r>
-          </a:p>
-          <a:p>
-            <a:r>
-              <a:rPr lang="en-US" altLang="ja-JP" sz="1600" b="1" dirty="0">
-                <a:latin typeface="+mn-ea"/>
-              </a:rPr>
-              <a:t>users can cancel the schedule by </a:t>
-            </a:r>
+              <a:t>it</a:t>
+            </a:r>
+            <a:endParaRPr lang="en-US" altLang="ja-JP" sz="1600" b="1" dirty="0">
+              <a:latin typeface="+mn-ea"/>
+            </a:endParaRPr>
           </a:p>
           <a:p>
             <a:r>
@@ -9993,6 +10175,30 @@
           <a:chExt cx="0" cy="0"/>
         </a:xfrm>
       </p:grpSpPr>
+      <p:pic>
+        <p:nvPicPr>
+          <p:cNvPr id="4" name="図 3"/>
+          <p:cNvPicPr>
+            <a:picLocks noChangeAspect="1"/>
+          </p:cNvPicPr>
+          <p:nvPr/>
+        </p:nvPicPr>
+        <p:blipFill>
+          <a:blip r:embed="rId2"/>
+          <a:stretch>
+            <a:fillRect/>
+          </a:stretch>
+        </p:blipFill>
+        <p:spPr>
+          <a:xfrm>
+            <a:off x="395420" y="2092532"/>
+            <a:ext cx="6832678" cy="4257155"/>
+          </a:xfrm>
+          <a:prstGeom prst="rect">
+            <a:avLst/>
+          </a:prstGeom>
+        </p:spPr>
+      </p:pic>
       <p:sp>
         <p:nvSpPr>
           <p:cNvPr id="2" name="タイトル 1"/>
@@ -10005,9 +10211,7 @@
         </p:nvSpPr>
         <p:spPr/>
         <p:txBody>
-          <a:bodyPr>
-            <a:normAutofit fontScale="90000"/>
-          </a:bodyPr>
+          <a:bodyPr/>
           <a:lstStyle/>
           <a:p>
             <a:r>
@@ -10020,7 +10224,7 @@
             </a:r>
             <a:r>
               <a:rPr lang="en-US" altLang="ja-JP" dirty="0" smtClean="0"/>
-              <a:t>Description of the functions in Conductor Menu</a:t>
+              <a:t>Conductor Function Description</a:t>
             </a:r>
             <a:r>
               <a:rPr lang="ja-JP" altLang="en-US" dirty="0"/>
@@ -10032,7 +10236,7 @@
             </a:r>
             <a:r>
               <a:rPr lang="en-US" altLang="ja-JP" dirty="0" smtClean="0"/>
-              <a:t>8/9</a:t>
+              <a:t>8/10</a:t>
             </a:r>
             <a:r>
               <a:rPr lang="ja-JP" altLang="en-US" dirty="0" smtClean="0"/>
@@ -10052,6 +10256,213 @@
             <p:ph sz="quarter" idx="10"/>
           </p:nvPr>
         </p:nvSpPr>
+        <p:spPr/>
+        <p:txBody>
+          <a:bodyPr/>
+          <a:lstStyle/>
+          <a:p>
+            <a:pPr>
+              <a:buFont typeface="Wingdings" panose="05000000000000000000" pitchFamily="2" charset="2"/>
+              <a:buChar char="l"/>
+            </a:pPr>
+            <a:r>
+              <a:rPr lang="en-US" altLang="ja-JP" b="1" dirty="0" smtClean="0"/>
+              <a:t>Conductor check</a:t>
+            </a:r>
+            <a:r>
+              <a:rPr lang="ja-JP" altLang="en-US" b="1" dirty="0" smtClean="0"/>
+              <a:t>（</a:t>
+            </a:r>
+            <a:r>
+              <a:rPr lang="en-US" altLang="ja-JP" b="1" dirty="0"/>
+              <a:t>1</a:t>
+            </a:r>
+            <a:r>
+              <a:rPr lang="ja-JP" altLang="en-US" b="1" dirty="0" smtClean="0"/>
+              <a:t>）</a:t>
+            </a:r>
+            <a:r>
+              <a:rPr lang="en-US" altLang="ja-JP" b="1" dirty="0" smtClean="0"/>
+              <a:t/>
+            </a:r>
+            <a:br>
+              <a:rPr lang="en-US" altLang="ja-JP" b="1" dirty="0" smtClean="0"/>
+            </a:br>
+            <a:r>
+              <a:rPr lang="en-US" altLang="ja-JP" dirty="0" smtClean="0"/>
+              <a:t>In the “Conductor” Menu group -&gt; “Conductor list” menu -&gt;”List” Sub-menu, users can download the input/results data for each Conductor.</a:t>
+            </a:r>
+            <a:endParaRPr lang="ja-JP" altLang="en-US" dirty="0" smtClean="0"/>
+          </a:p>
+        </p:txBody>
+      </p:sp>
+      <p:sp>
+        <p:nvSpPr>
+          <p:cNvPr id="6" name="正方形/長方形 5"/>
+          <p:cNvSpPr/>
+          <p:nvPr/>
+        </p:nvSpPr>
+        <p:spPr bwMode="auto">
+          <a:xfrm>
+            <a:off x="395420" y="3789050"/>
+            <a:ext cx="792110" cy="196762"/>
+          </a:xfrm>
+          <a:prstGeom prst="rect">
+            <a:avLst/>
+          </a:prstGeom>
+          <a:noFill/>
+          <a:ln w="38100">
+            <a:solidFill>
+              <a:srgbClr val="FF0000"/>
+            </a:solidFill>
+          </a:ln>
+          <a:effectLst/>
+          <a:extLst/>
+        </p:spPr>
+        <p:txBody>
+          <a:bodyPr rot="0" spcFirstLastPara="0" vertOverflow="overflow" horzOverflow="overflow" vert="horz" wrap="none" lIns="72000" tIns="72000" rIns="72000" bIns="72000" numCol="1" spcCol="0" rtlCol="0" fromWordArt="0" anchor="ctr" anchorCtr="0" forceAA="0" compatLnSpc="1">
+            <a:prstTxWarp prst="textNoShape">
+              <a:avLst/>
+            </a:prstTxWarp>
+            <a:noAutofit/>
+          </a:bodyPr>
+          <a:lstStyle/>
+          <a:p>
+            <a:pPr algn="ctr"/>
+            <a:endParaRPr kumimoji="1" lang="ja-JP" altLang="en-US" b="1" dirty="0" smtClean="0">
+              <a:latin typeface="+mn-ea"/>
+            </a:endParaRPr>
+          </a:p>
+        </p:txBody>
+      </p:sp>
+      <p:sp>
+        <p:nvSpPr>
+          <p:cNvPr id="7" name="正方形/長方形 6"/>
+          <p:cNvSpPr/>
+          <p:nvPr/>
+        </p:nvSpPr>
+        <p:spPr bwMode="auto">
+          <a:xfrm>
+            <a:off x="5292100" y="4725180"/>
+            <a:ext cx="1440200" cy="504070"/>
+          </a:xfrm>
+          <a:prstGeom prst="rect">
+            <a:avLst/>
+          </a:prstGeom>
+          <a:noFill/>
+          <a:ln w="38100">
+            <a:solidFill>
+              <a:srgbClr val="FF0000"/>
+            </a:solidFill>
+          </a:ln>
+          <a:effectLst/>
+          <a:extLst/>
+        </p:spPr>
+        <p:txBody>
+          <a:bodyPr rot="0" spcFirstLastPara="0" vertOverflow="overflow" horzOverflow="overflow" vert="horz" wrap="none" lIns="72000" tIns="72000" rIns="72000" bIns="72000" numCol="1" spcCol="0" rtlCol="0" fromWordArt="0" anchor="ctr" anchorCtr="0" forceAA="0" compatLnSpc="1">
+            <a:prstTxWarp prst="textNoShape">
+              <a:avLst/>
+            </a:prstTxWarp>
+            <a:noAutofit/>
+          </a:bodyPr>
+          <a:lstStyle/>
+          <a:p>
+            <a:pPr algn="ctr"/>
+            <a:endParaRPr kumimoji="1" lang="ja-JP" altLang="en-US" b="1" dirty="0" smtClean="0">
+              <a:latin typeface="+mn-ea"/>
+            </a:endParaRPr>
+          </a:p>
+        </p:txBody>
+      </p:sp>
+    </p:spTree>
+    <p:extLst>
+      <p:ext uri="{BB962C8B-B14F-4D97-AF65-F5344CB8AC3E}">
+        <p14:creationId xmlns:p14="http://schemas.microsoft.com/office/powerpoint/2010/main" val="3863608527"/>
+      </p:ext>
+    </p:extLst>
+  </p:cSld>
+  <p:clrMapOvr>
+    <a:masterClrMapping/>
+  </p:clrMapOvr>
+</p:sld>
+</file>
+
+<file path=ppt/slides/slide16.xml><?xml version="1.0" encoding="utf-8"?>
+<p:sld xmlns:a="http://schemas.openxmlformats.org/drawingml/2006/main" xmlns:r="http://schemas.openxmlformats.org/officeDocument/2006/relationships" xmlns:p="http://schemas.openxmlformats.org/presentationml/2006/main">
+  <p:cSld>
+    <p:spTree>
+      <p:nvGrpSpPr>
+        <p:cNvPr id="1" name=""/>
+        <p:cNvGrpSpPr/>
+        <p:nvPr/>
+      </p:nvGrpSpPr>
+      <p:grpSpPr>
+        <a:xfrm>
+          <a:off x="0" y="0"/>
+          <a:ext cx="0" cy="0"/>
+          <a:chOff x="0" y="0"/>
+          <a:chExt cx="0" cy="0"/>
+        </a:xfrm>
+      </p:grpSpPr>
+      <p:sp>
+        <p:nvSpPr>
+          <p:cNvPr id="2" name="タイトル 1"/>
+          <p:cNvSpPr>
+            <a:spLocks noGrp="1"/>
+          </p:cNvSpPr>
+          <p:nvPr>
+            <p:ph type="title"/>
+          </p:nvPr>
+        </p:nvSpPr>
+        <p:spPr/>
+        <p:txBody>
+          <a:bodyPr>
+            <a:normAutofit/>
+          </a:bodyPr>
+          <a:lstStyle/>
+          <a:p>
+            <a:r>
+              <a:rPr lang="en-US" altLang="ja-JP" dirty="0"/>
+              <a:t>2.3</a:t>
+            </a:r>
+            <a:r>
+              <a:rPr lang="ja-JP" altLang="en-US" dirty="0"/>
+              <a:t>　</a:t>
+            </a:r>
+            <a:r>
+              <a:rPr lang="en-US" altLang="ja-JP" dirty="0" smtClean="0"/>
+              <a:t>Conductor Function Description</a:t>
+            </a:r>
+            <a:r>
+              <a:rPr lang="ja-JP" altLang="en-US" dirty="0"/>
+              <a:t>　</a:t>
+            </a:r>
+            <a:r>
+              <a:rPr lang="ja-JP" altLang="en-US" dirty="0" smtClean="0"/>
+              <a:t>（</a:t>
+            </a:r>
+            <a:r>
+              <a:rPr lang="en-US" altLang="ja-JP" dirty="0" smtClean="0"/>
+              <a:t>8/9</a:t>
+            </a:r>
+            <a:r>
+              <a:rPr lang="ja-JP" altLang="en-US" dirty="0" smtClean="0"/>
+              <a:t>）</a:t>
+            </a:r>
+            <a:endParaRPr kumimoji="1" lang="ja-JP" altLang="en-US" dirty="0"/>
+          </a:p>
+        </p:txBody>
+      </p:sp>
+      <p:sp>
+        <p:nvSpPr>
+          <p:cNvPr id="3" name="コンテンツ プレースホルダー 2"/>
+          <p:cNvSpPr>
+            <a:spLocks noGrp="1"/>
+          </p:cNvSpPr>
+          <p:nvPr>
+            <p:ph sz="quarter" idx="10"/>
+          </p:nvPr>
+        </p:nvSpPr>
         <p:spPr>
           <a:xfrm>
             <a:off x="179512" y="836712"/>
@@ -10068,7 +10479,7 @@
             </a:pPr>
             <a:r>
               <a:rPr lang="en-US" altLang="ja-JP" b="1" dirty="0" smtClean="0"/>
-              <a:t>Conductor Regularly execution</a:t>
+              <a:t>Conductor Routine Executions</a:t>
             </a:r>
             <a:r>
               <a:rPr lang="ja-JP" altLang="en-US" b="1" dirty="0" smtClean="0"/>
@@ -10096,11 +10507,11 @@
             </a:r>
             <a:r>
               <a:rPr lang="en-US" altLang="ja-JP" dirty="0"/>
-              <a:t>menu, manage </a:t>
+              <a:t>menu, </a:t>
             </a:r>
             <a:r>
               <a:rPr lang="en-US" altLang="ja-JP" dirty="0" smtClean="0"/>
-              <a:t>work schedule to be executed regularly.</a:t>
+              <a:t>users can manage regularly executed operations.</a:t>
             </a:r>
             <a:r>
               <a:rPr lang="en-US" altLang="ja-JP" b="1" dirty="0" smtClean="0"/>
@@ -10345,7 +10756,7 @@
           </a:lstStyle>
           <a:p>
             <a:r>
-              <a:rPr lang="en-US" altLang="ja-JP" sz="1600" b="1">
+              <a:rPr lang="en-US" altLang="ja-JP" sz="1600" b="1" dirty="0">
                 <a:latin typeface="+mn-ea"/>
               </a:rPr>
               <a:t>A detailed schedule can be </a:t>
@@ -10353,12 +10764,18 @@
           </a:p>
           <a:p>
             <a:r>
-              <a:rPr lang="en-US" altLang="ja-JP" sz="1600" b="1">
+              <a:rPr lang="en-US" altLang="ja-JP" sz="1600" b="1" dirty="0">
                 <a:latin typeface="+mn-ea"/>
               </a:rPr>
-              <a:t>set from the" Schedule Settings“.</a:t>
-            </a:r>
-            <a:endParaRPr kumimoji="1" lang="ja-JP" altLang="en-US" sz="1600" b="1">
+              <a:t>set from the" Schedule Settings</a:t>
+            </a:r>
+            <a:r>
+              <a:rPr lang="en-US" altLang="ja-JP" sz="1600" b="1" dirty="0" smtClean="0">
+                <a:latin typeface="+mn-ea"/>
+              </a:rPr>
+              <a:t>“ button.</a:t>
+            </a:r>
+            <a:endParaRPr kumimoji="1" lang="ja-JP" altLang="en-US" sz="1600" b="1" dirty="0">
               <a:latin typeface="+mn-ea"/>
             </a:endParaRPr>
           </a:p>
@@ -10384,7 +10801,7 @@
 </p:sld>
 </file>
 
-<file path=ppt/slides/slide16.xml><?xml version="1.0" encoding="utf-8"?>
+<file path=ppt/slides/slide17.xml><?xml version="1.0" encoding="utf-8"?>
 <p:sld xmlns:a="http://schemas.openxmlformats.org/drawingml/2006/main" xmlns:r="http://schemas.openxmlformats.org/officeDocument/2006/relationships" xmlns:p="http://schemas.openxmlformats.org/presentationml/2006/main">
   <p:cSld>
     <p:spTree>
@@ -10414,7 +10831,7 @@
         <p:spPr/>
         <p:txBody>
           <a:bodyPr>
-            <a:normAutofit fontScale="90000"/>
+            <a:normAutofit/>
           </a:bodyPr>
           <a:lstStyle/>
           <a:p>
@@ -10428,7 +10845,7 @@
             </a:r>
             <a:r>
               <a:rPr lang="en-US" altLang="ja-JP" dirty="0" smtClean="0"/>
-              <a:t>Description of the functions in Conductor Menu</a:t>
+              <a:t>Conductor Function Description</a:t>
             </a:r>
             <a:r>
               <a:rPr lang="ja-JP" altLang="en-US" dirty="0"/>
@@ -10471,7 +10888,7 @@
             </a:pPr>
             <a:r>
               <a:rPr lang="en-US" altLang="ja-JP" b="1" dirty="0" smtClean="0"/>
-              <a:t>Conductor Regularly execution</a:t>
+              <a:t>Conductor Routine Executions</a:t>
             </a:r>
             <a:r>
               <a:rPr lang="ja-JP" altLang="en-US" b="1" dirty="0" smtClean="0"/>
@@ -10523,9 +10940,12 @@
             </a:r>
             <a:r>
               <a:rPr lang="en-US" altLang="ja-JP" dirty="0"/>
-              <a:t>stopping work as shown below.</a:t>
-            </a:r>
-            <a:endParaRPr lang="en-US" altLang="ja-JP" dirty="0" smtClean="0"/>
+              <a:t>stopping </a:t>
+            </a:r>
+            <a:r>
+              <a:rPr lang="en-US" altLang="ja-JP" dirty="0" smtClean="0"/>
+              <a:t>work.</a:t>
+            </a:r>
           </a:p>
         </p:txBody>
       </p:sp>
@@ -10661,7 +11081,19 @@
               <a:rPr lang="en-US" altLang="ja-JP" sz="1600" b="1" dirty="0">
                 <a:latin typeface="+mn-ea"/>
               </a:rPr>
-              <a:t>Clicking it will display </a:t>
+              <a:t>Clicking </a:t>
+            </a:r>
+            <a:r>
+              <a:rPr lang="en-US" altLang="ja-JP" sz="1600" b="1" dirty="0" smtClean="0">
+                <a:latin typeface="+mn-ea"/>
+              </a:rPr>
+              <a:t>here </a:t>
+            </a:r>
+            <a:r>
+              <a:rPr lang="en-US" altLang="ja-JP" sz="1600" b="1" dirty="0">
+                <a:latin typeface="+mn-ea"/>
+              </a:rPr>
+              <a:t>will display </a:t>
             </a:r>
           </a:p>
           <a:p>
@@ -10824,7 +11256,7 @@
 </p:sld>
 </file>
 
-<file path=ppt/slides/slide17.xml><?xml version="1.0" encoding="utf-8"?>
+<file path=ppt/slides/slide18.xml><?xml version="1.0" encoding="utf-8"?>
 <p:sld xmlns:a="http://schemas.openxmlformats.org/drawingml/2006/main" xmlns:r="http://schemas.openxmlformats.org/officeDocument/2006/relationships" xmlns:p="http://schemas.openxmlformats.org/presentationml/2006/main">
   <p:cSld>
     <p:spTree>
@@ -11072,8 +11504,12 @@
               <a:buChar char="l"/>
             </a:pPr>
             <a:r>
+              <a:rPr lang="en-US" altLang="ja-JP" dirty="0" smtClean="0"/>
+              <a:t>The Conductor </a:t>
+            </a:r>
+            <a:r>
               <a:rPr lang="en-US" altLang="ja-JP" dirty="0"/>
-              <a:t>Conductor workflow is as follows.</a:t>
+              <a:t>workflow is as follows.</a:t>
             </a:r>
             <a:r>
               <a:rPr lang="en-US" altLang="ja-JP" dirty="0" smtClean="0"/>
@@ -11083,8 +11519,8 @@
               <a:rPr lang="en-US" altLang="ja-JP" dirty="0" smtClean="0"/>
             </a:br>
             <a:r>
-              <a:rPr lang="en-US" altLang="ja-JP" dirty="0"/>
-              <a:t>Actual operation is described in the training.</a:t>
+              <a:rPr lang="en-US" altLang="ja-JP" dirty="0" smtClean="0"/>
+              <a:t>Details can be found in the Practice document.</a:t>
             </a:r>
             <a:endParaRPr kumimoji="1" lang="ja-JP" altLang="en-US" dirty="0"/>
           </a:p>
@@ -11792,7 +12228,7 @@
                 </a:solidFill>
                 <a:latin typeface="+mn-ea"/>
               </a:rPr>
-              <a:t>menu</a:t>
+              <a:t>menus</a:t>
             </a:r>
             <a:endParaRPr kumimoji="1" lang="ja-JP" altLang="en-US" b="1" dirty="0" smtClean="0">
               <a:solidFill>
@@ -11905,7 +12341,7 @@
 </p:sld>
 </file>
 
-<file path=ppt/slides/slide18.xml><?xml version="1.0" encoding="utf-8"?>
+<file path=ppt/slides/slide19.xml><?xml version="1.0" encoding="utf-8"?>
 <p:sld xmlns:a="http://schemas.openxmlformats.org/drawingml/2006/main" xmlns:r="http://schemas.openxmlformats.org/officeDocument/2006/relationships" xmlns:p="http://schemas.openxmlformats.org/presentationml/2006/main">
   <p:cSld>
     <p:spTree>
@@ -12041,7 +12477,7 @@
             </a:pPr>
             <a:r>
               <a:rPr lang="en-US" altLang="ja-JP" sz="2000" dirty="0" smtClean="0"/>
-              <a:t>About this documents</a:t>
+              <a:t>About this document</a:t>
             </a:r>
           </a:p>
           <a:p>
@@ -12057,10 +12493,9 @@
               <a:buAutoNum type="arabicPeriod"/>
             </a:pPr>
             <a:r>
-              <a:rPr lang="en-US" altLang="ja-JP" sz="2000" dirty="0"/>
-              <a:t>About description of Conductor</a:t>
-            </a:r>
-            <a:endParaRPr lang="en-US" altLang="ja-JP" sz="2000" dirty="0" smtClean="0"/>
+              <a:rPr lang="en-US" altLang="ja-JP" sz="2000" dirty="0" smtClean="0"/>
+              <a:t>Conductor</a:t>
+            </a:r>
           </a:p>
           <a:p>
             <a:pPr marL="800100" lvl="1" indent="-342900">
@@ -12101,7 +12536,7 @@
             </a:pPr>
             <a:r>
               <a:rPr lang="en-US" altLang="ja-JP" sz="2000" dirty="0" smtClean="0"/>
-              <a:t>Description of the functions in Conductor Menu</a:t>
+              <a:t>Conductor Function Description</a:t>
             </a:r>
             <a:endParaRPr lang="ja-JP" altLang="en-US" sz="2000" dirty="0"/>
           </a:p>
@@ -12310,8 +12745,20 @@
               <a:buChar char="l"/>
             </a:pPr>
             <a:r>
+              <a:rPr lang="en-US" altLang="ja-JP" sz="1800" dirty="0" smtClean="0"/>
+              <a:t>The "Conductor" </a:t>
+            </a:r>
+            <a:r>
               <a:rPr lang="en-US" altLang="ja-JP" sz="1800" dirty="0"/>
-              <a:t>About the "Conductor" of menu group are explained in this </a:t>
+              <a:t>menu group </a:t>
+            </a:r>
+            <a:r>
+              <a:rPr lang="en-US" altLang="ja-JP" sz="1800" dirty="0" smtClean="0"/>
+              <a:t>is </a:t>
+            </a:r>
+            <a:r>
+              <a:rPr lang="en-US" altLang="ja-JP" sz="1800" dirty="0"/>
+              <a:t>explained in this </a:t>
             </a:r>
             <a:r>
               <a:rPr lang="en-US" altLang="ja-JP" sz="1800" dirty="0" smtClean="0"/>
@@ -12753,7 +13200,15 @@
             </a:r>
             <a:r>
               <a:rPr lang="en-US" altLang="ja-JP" dirty="0" smtClean="0"/>
-              <a:t>Description about Conductor</a:t>
+              <a:t>About</a:t>
+            </a:r>
+            <a:r>
+              <a:rPr lang="ja-JP" altLang="en-US" dirty="0" smtClean="0"/>
+              <a:t> </a:t>
+            </a:r>
+            <a:r>
+              <a:rPr lang="en-US" altLang="ja-JP" dirty="0" smtClean="0"/>
+              <a:t>Conductor</a:t>
             </a:r>
             <a:endParaRPr kumimoji="1" lang="ja-JP" altLang="en-US" dirty="0"/>
           </a:p>
@@ -12887,21 +13342,8 @@
             </a:pPr>
             <a:r>
               <a:rPr lang="en-US" altLang="ja-JP" dirty="0" smtClean="0"/>
-              <a:t>Conductor refers </a:t>
-            </a:r>
-            <a:r>
-              <a:rPr lang="en-US" altLang="ja-JP" dirty="0"/>
-              <a:t>to a single unit of a series of work in ITA and execute in association with the operation name. </a:t>
-            </a:r>
-            <a:r>
-              <a:rPr lang="en-US" altLang="ja-JP" dirty="0" smtClean="0"/>
-              <a:t>(workflow</a:t>
-            </a:r>
-            <a:r>
-              <a:rPr lang="en-US" altLang="ja-JP" dirty="0"/>
-              <a:t>)</a:t>
-            </a:r>
-            <a:endParaRPr lang="en-US" altLang="ja-JP" dirty="0" smtClean="0"/>
+              <a:t>Conductor specifies Movements into one sequence and links it to an operation before executing it.</a:t>
+            </a:r>
           </a:p>
           <a:p>
             <a:pPr marL="0" indent="0">
@@ -14598,25 +15040,10 @@
               <a:buChar char="l"/>
             </a:pPr>
             <a:r>
-              <a:rPr lang="en-US" altLang="ja-JP" dirty="0"/>
-              <a:t>In </a:t>
-            </a:r>
-            <a:r>
               <a:rPr lang="en-US" altLang="ja-JP" dirty="0" smtClean="0"/>
-              <a:t>conductor, users </a:t>
-            </a:r>
-            <a:r>
-              <a:rPr lang="en-US" altLang="ja-JP" dirty="0"/>
-              <a:t>can prepare work execution functions similar to the Symphony </a:t>
-            </a:r>
-            <a:r>
-              <a:rPr lang="en-US" altLang="ja-JP" dirty="0" smtClean="0"/>
-              <a:t>functions, as </a:t>
-            </a:r>
-            <a:r>
-              <a:rPr lang="en-US" altLang="ja-JP" dirty="0"/>
-              <a:t>well as the functions listed below.</a:t>
-            </a:r>
+              <a:t>Conductor is, in addition to being able to use similar functions that can be found in Symphony.</a:t>
+            </a:r>
+            <a:endParaRPr lang="en-US" altLang="ja-JP" dirty="0"/>
           </a:p>
           <a:p>
             <a:pPr>
@@ -14625,31 +15052,17 @@
             </a:pPr>
             <a:r>
               <a:rPr lang="en-US" altLang="ja-JP" sz="1800" dirty="0" smtClean="0"/>
-              <a:t>According to this Conductor </a:t>
-            </a:r>
-            <a:r>
-              <a:rPr lang="en-US" altLang="ja-JP" sz="1800" dirty="0"/>
-              <a:t>allows to perform more sophisticated </a:t>
+              <a:t>As a result, Conductor is able to execute more complicated </a:t>
+            </a:r>
+            <a:r>
+              <a:rPr lang="en-US" altLang="ja-JP" sz="1800" dirty="0" err="1" smtClean="0"/>
+              <a:t>jobflows</a:t>
             </a:r>
             <a:r>
               <a:rPr lang="en-US" altLang="ja-JP" sz="1800" dirty="0" smtClean="0"/>
-              <a:t>job follows.</a:t>
+              <a:t>.</a:t>
             </a:r>
             <a:endParaRPr lang="en-US" altLang="ja-JP" sz="1800" dirty="0"/>
-          </a:p>
-          <a:p>
-            <a:pPr lvl="1"/>
-            <a:r>
-              <a:rPr lang="en-US" altLang="ja-JP" sz="1800" b="1" dirty="0">
-                <a:solidFill>
-                  <a:schemeClr val="accent6">
-                    <a:lumMod val="90000"/>
-                    <a:lumOff val="10000"/>
-                  </a:schemeClr>
-                </a:solidFill>
-              </a:rPr>
-              <a:t>Parallel execution of movement</a:t>
-            </a:r>
           </a:p>
           <a:p>
             <a:pPr lvl="1"/>
@@ -14662,19 +15075,11 @@
                   </a:schemeClr>
                 </a:solidFill>
               </a:rPr>
-              <a:t>Call another </a:t>
-            </a:r>
-            <a:r>
-              <a:rPr lang="en-US" altLang="ja-JP" sz="1800" b="1" dirty="0">
-                <a:solidFill>
-                  <a:schemeClr val="accent6">
-                    <a:lumMod val="90000"/>
-                    <a:lumOff val="10000"/>
-                  </a:schemeClr>
-                </a:solidFill>
-              </a:rPr>
-              <a:t>job </a:t>
-            </a:r>
+              <a:t>Parallel movement executions</a:t>
+            </a:r>
+          </a:p>
+          <a:p>
+            <a:pPr lvl="1"/>
             <a:r>
               <a:rPr lang="en-US" altLang="ja-JP" sz="1800" b="1" dirty="0" smtClean="0">
                 <a:solidFill>
@@ -14684,8 +15089,27 @@
                   </a:schemeClr>
                 </a:solidFill>
               </a:rPr>
-              <a:t>flow</a:t>
-            </a:r>
+              <a:t>Ability to call other </a:t>
+            </a:r>
+            <a:r>
+              <a:rPr lang="en-US" altLang="ja-JP" sz="1800" b="1" dirty="0" err="1" smtClean="0">
+                <a:solidFill>
+                  <a:schemeClr val="accent6">
+                    <a:lumMod val="90000"/>
+                    <a:lumOff val="10000"/>
+                  </a:schemeClr>
+                </a:solidFill>
+              </a:rPr>
+              <a:t>jobflows</a:t>
+            </a:r>
+            <a:endParaRPr lang="en-US" altLang="ja-JP" sz="1800" b="1" dirty="0" smtClean="0">
+              <a:solidFill>
+                <a:schemeClr val="accent6">
+                  <a:lumMod val="90000"/>
+                  <a:lumOff val="10000"/>
+                </a:schemeClr>
+              </a:solidFill>
+            </a:endParaRPr>
           </a:p>
           <a:p>
             <a:pPr lvl="1"/>
@@ -16161,7 +16585,7 @@
         <p:spPr/>
         <p:txBody>
           <a:bodyPr>
-            <a:normAutofit fontScale="90000"/>
+            <a:normAutofit/>
           </a:bodyPr>
           <a:lstStyle/>
           <a:p>
@@ -16175,7 +16599,7 @@
             </a:r>
             <a:r>
               <a:rPr lang="en-US" altLang="ja-JP" dirty="0" smtClean="0"/>
-              <a:t>Description of the functions in Conductor Menu</a:t>
+              <a:t>Conductor Function Description</a:t>
             </a:r>
             <a:r>
               <a:rPr lang="ja-JP" altLang="en-US" dirty="0"/>
@@ -16202,7 +16626,7 @@
         <p:spPr>
           <a:xfrm>
             <a:off x="2691359" y="1531554"/>
-            <a:ext cx="6266310" cy="3231654"/>
+            <a:ext cx="6266310" cy="3477875"/>
           </a:xfrm>
           <a:prstGeom prst="rect">
             <a:avLst/>
@@ -16235,11 +16659,11 @@
             </a:r>
             <a:r>
               <a:rPr lang="en-US" altLang="ja-JP" sz="1600" dirty="0"/>
-              <a:t>Create an operation using the a created </a:t>
+              <a:t>Create an operation </a:t>
             </a:r>
             <a:r>
               <a:rPr lang="en-US" altLang="ja-JP" sz="1600" dirty="0" smtClean="0"/>
-              <a:t>movement.</a:t>
+              <a:t>using previously created movement.</a:t>
             </a:r>
             <a:br>
               <a:rPr lang="en-US" altLang="ja-JP" sz="1600" dirty="0" smtClean="0"/>
@@ -16270,12 +16694,8 @@
               <a:t>　</a:t>
             </a:r>
             <a:r>
-              <a:rPr lang="en-US" altLang="ja-JP" sz="1600" dirty="0"/>
-              <a:t>Executing the </a:t>
-            </a:r>
-            <a:r>
               <a:rPr lang="en-US" altLang="ja-JP" sz="1600" dirty="0" smtClean="0"/>
-              <a:t>operation.</a:t>
+              <a:t>Execute operations.</a:t>
             </a:r>
             <a:br>
               <a:rPr lang="en-US" altLang="ja-JP" sz="1600" dirty="0" smtClean="0"/>
@@ -16308,19 +16728,11 @@
             </a:r>
             <a:r>
               <a:rPr lang="en-US" altLang="ja-JP" sz="1600" dirty="0"/>
-              <a:t>Confirm the </a:t>
+              <a:t>Confirm </a:t>
             </a:r>
             <a:r>
               <a:rPr lang="en-US" altLang="ja-JP" sz="1600" dirty="0" smtClean="0"/>
-              <a:t>created operation</a:t>
-            </a:r>
-            <a:r>
-              <a:rPr lang="en-US" altLang="ja-JP" sz="1600" dirty="0"/>
-              <a:t>.</a:t>
-            </a:r>
-            <a:r>
-              <a:rPr lang="en-US" altLang="ja-JP" sz="1600" dirty="0" smtClean="0"/>
-              <a:t/>
+              <a:t>previously created operations.</a:t>
             </a:r>
             <a:br>
               <a:rPr lang="en-US" altLang="ja-JP" sz="1600" dirty="0" smtClean="0"/>
@@ -16348,8 +16760,27 @@
               <a:t>　</a:t>
             </a:r>
             <a:r>
+              <a:rPr lang="en-US" altLang="ja-JP" sz="1600" dirty="0" smtClean="0"/>
+              <a:t>Register operations </a:t>
+            </a:r>
+            <a:r>
               <a:rPr lang="en-US" altLang="ja-JP" sz="1600" dirty="0"/>
-              <a:t>Register an operation and performs  execution period</a:t>
+              <a:t>and </a:t>
+            </a:r>
+            <a:r>
+              <a:rPr lang="en-US" altLang="ja-JP" sz="1600" dirty="0" smtClean="0"/>
+              <a:t>configure regularly executed    </a:t>
+            </a:r>
+            <a:br>
+              <a:rPr lang="en-US" altLang="ja-JP" sz="1600" dirty="0" smtClean="0"/>
+            </a:br>
+            <a:r>
+              <a:rPr lang="en-US" altLang="ja-JP" sz="1600" dirty="0" smtClean="0"/>
+              <a:t>    </a:t>
+            </a:r>
+            <a:r>
+              <a:rPr lang="en-US" altLang="ja-JP" sz="1600" dirty="0" err="1" smtClean="0"/>
+              <a:t>jobflows</a:t>
             </a:r>
             <a:r>
               <a:rPr lang="en-US" altLang="ja-JP" sz="1600" dirty="0" smtClean="0"/>
@@ -16556,8 +16987,8 @@
               <a:buChar char="l"/>
             </a:pPr>
             <a:r>
-              <a:rPr lang="en-US" altLang="ja-JP" kern="0" dirty="0"/>
-              <a:t>Introduction of main functions in the Conductor Menu</a:t>
+              <a:rPr lang="en-US" altLang="ja-JP" kern="0" dirty="0" smtClean="0"/>
+              <a:t>The main menus and their functions in Conductor are as following.</a:t>
             </a:r>
             <a:endParaRPr lang="en-US" altLang="ja-JP" sz="1800" kern="0" dirty="0" smtClean="0"/>
           </a:p>
@@ -17203,7 +17634,7 @@
         <p:spPr/>
         <p:txBody>
           <a:bodyPr>
-            <a:normAutofit fontScale="90000"/>
+            <a:normAutofit/>
           </a:bodyPr>
           <a:lstStyle/>
           <a:p>
@@ -17217,7 +17648,7 @@
             </a:r>
             <a:r>
               <a:rPr lang="en-US" altLang="ja-JP" dirty="0" smtClean="0"/>
-              <a:t>Description of the functions in Conductor Menu</a:t>
+              <a:t>Conductor Function Description</a:t>
             </a:r>
             <a:r>
               <a:rPr lang="ja-JP" altLang="en-US" dirty="0"/>
@@ -17289,13 +17720,8 @@
             </a:r>
             <a:r>
               <a:rPr lang="en-US" altLang="ja-JP" dirty="0" smtClean="0"/>
-              <a:t>"Conductor class edit" </a:t>
-            </a:r>
-            <a:r>
-              <a:rPr lang="en-US" altLang="ja-JP" dirty="0"/>
-              <a:t>menu Movement and Functions that perform various controls can be added and deleted.</a:t>
-            </a:r>
-            <a:endParaRPr lang="en-US" altLang="ja-JP" dirty="0" smtClean="0"/>
+              <a:t>"Conductor class edit" menu, Movements and different functions can be added and deleted.</a:t>
+            </a:r>
           </a:p>
         </p:txBody>
       </p:sp>
@@ -17315,8 +17741,8 @@
         </p:blipFill>
         <p:spPr>
           <a:xfrm>
-            <a:off x="611450" y="1772770"/>
-            <a:ext cx="6762750" cy="4210050"/>
+            <a:off x="611450" y="1951100"/>
+            <a:ext cx="7128990" cy="4031719"/>
           </a:xfrm>
           <a:prstGeom prst="rect">
             <a:avLst/>
@@ -17428,28 +17854,12 @@
           </a:lstStyle>
           <a:p>
             <a:r>
-              <a:rPr lang="en-US" altLang="ja-JP" sz="1600" b="1">
+              <a:rPr lang="en-US" altLang="ja-JP" sz="1600" b="1" dirty="0" smtClean="0">
                 <a:latin typeface="+mn-ea"/>
               </a:rPr>
-              <a:t>Movements can be combined </a:t>
-            </a:r>
-          </a:p>
-          <a:p>
-            <a:r>
-              <a:rPr lang="en-US" altLang="ja-JP" sz="1600" b="1">
-                <a:latin typeface="+mn-ea"/>
-              </a:rPr>
-              <a:t>by dragging and dropping</a:t>
-            </a:r>
-          </a:p>
-          <a:p>
-            <a:r>
-              <a:rPr lang="en-US" altLang="ja-JP" sz="1600" b="1">
-                <a:latin typeface="+mn-ea"/>
-              </a:rPr>
-              <a:t>in/out for each movement.</a:t>
-            </a:r>
-            <a:endParaRPr kumimoji="1" lang="ja-JP" altLang="en-US" sz="1600" b="1">
+              <a:t>Movements can be linked by dragging a line between the “in”/”out” circles.</a:t>
+            </a:r>
+            <a:endParaRPr kumimoji="1" lang="ja-JP" altLang="en-US" sz="1600" b="1" dirty="0">
               <a:latin typeface="+mn-ea"/>
             </a:endParaRPr>
           </a:p>

--- a/asset/Learn/ITA-Conductor.pptx
+++ b/asset/Learn/ITA-Conductor.pptx
@@ -6,10 +6,10 @@
     <p:sldMasterId id="2147483703" r:id="rId2"/>
   </p:sldMasterIdLst>
   <p:notesMasterIdLst>
-    <p:notesMasterId r:id="rId22"/>
+    <p:notesMasterId r:id="rId23"/>
   </p:notesMasterIdLst>
   <p:handoutMasterIdLst>
-    <p:handoutMasterId r:id="rId23"/>
+    <p:handoutMasterId r:id="rId24"/>
   </p:handoutMasterIdLst>
   <p:sldIdLst>
     <p:sldId id="262" r:id="rId3"/>
@@ -22,15 +22,16 @@
     <p:sldId id="689" r:id="rId10"/>
     <p:sldId id="690" r:id="rId11"/>
     <p:sldId id="696" r:id="rId12"/>
-    <p:sldId id="697" r:id="rId13"/>
-    <p:sldId id="691" r:id="rId14"/>
-    <p:sldId id="692" r:id="rId15"/>
-    <p:sldId id="693" r:id="rId16"/>
-    <p:sldId id="698" r:id="rId17"/>
-    <p:sldId id="694" r:id="rId18"/>
-    <p:sldId id="695" r:id="rId19"/>
-    <p:sldId id="688" r:id="rId20"/>
-    <p:sldId id="318" r:id="rId21"/>
+    <p:sldId id="699" r:id="rId13"/>
+    <p:sldId id="697" r:id="rId14"/>
+    <p:sldId id="691" r:id="rId15"/>
+    <p:sldId id="692" r:id="rId16"/>
+    <p:sldId id="693" r:id="rId17"/>
+    <p:sldId id="698" r:id="rId18"/>
+    <p:sldId id="694" r:id="rId19"/>
+    <p:sldId id="695" r:id="rId20"/>
+    <p:sldId id="688" r:id="rId21"/>
+    <p:sldId id="318" r:id="rId22"/>
   </p:sldIdLst>
   <p:sldSz cx="9144000" cy="6858000" type="screen4x3"/>
   <p:notesSz cx="6807200" cy="9939338"/>
@@ -275,7 +276,7 @@
               <a:rPr kumimoji="1" lang="ja-JP" altLang="en-US" smtClean="0">
                 <a:ea typeface="メイリオ" panose="020B0604030504040204" pitchFamily="50" charset="-128"/>
               </a:rPr>
-              <a:t>2021/3/29</a:t>
+              <a:t>2021/6/18</a:t>
             </a:fld>
             <a:endParaRPr kumimoji="1" lang="ja-JP" altLang="en-US" dirty="0">
               <a:ea typeface="メイリオ" panose="020B0604030504040204" pitchFamily="50" charset="-128"/>
@@ -421,7 +422,7 @@
             <a:fld id="{4B26993D-C081-44EB-B0F5-A9F467792B62}" type="datetimeFigureOut">
               <a:rPr lang="ja-JP" altLang="en-US" smtClean="0"/>
               <a:pPr/>
-              <a:t>2021/3/29</a:t>
+              <a:t>2021/6/18</a:t>
             </a:fld>
             <a:endParaRPr lang="ja-JP" altLang="en-US" dirty="0"/>
           </a:p>
@@ -1044,7 +1045,7 @@
           <a:p>
             <a:fld id="{56F9016B-CCA6-43BE-8BEE-59565A35F4F7}" type="datetimeFigureOut">
               <a:rPr kumimoji="1" lang="ja-JP" altLang="en-US" smtClean="0"/>
-              <a:t>2021/3/29</a:t>
+              <a:t>2021/6/18</a:t>
             </a:fld>
             <a:endParaRPr kumimoji="1" lang="ja-JP" altLang="en-US"/>
           </a:p>
@@ -1246,7 +1247,7 @@
           <a:p>
             <a:fld id="{56F9016B-CCA6-43BE-8BEE-59565A35F4F7}" type="datetimeFigureOut">
               <a:rPr kumimoji="1" lang="ja-JP" altLang="en-US" smtClean="0"/>
-              <a:t>2021/3/29</a:t>
+              <a:t>2021/6/18</a:t>
             </a:fld>
             <a:endParaRPr kumimoji="1" lang="ja-JP" altLang="en-US"/>
           </a:p>
@@ -1492,7 +1493,7 @@
           <a:p>
             <a:fld id="{56F9016B-CCA6-43BE-8BEE-59565A35F4F7}" type="datetimeFigureOut">
               <a:rPr kumimoji="1" lang="ja-JP" altLang="en-US" smtClean="0"/>
-              <a:t>2021/3/29</a:t>
+              <a:t>2021/6/18</a:t>
             </a:fld>
             <a:endParaRPr kumimoji="1" lang="ja-JP" altLang="en-US"/>
           </a:p>
@@ -1788,7 +1789,7 @@
           <a:p>
             <a:fld id="{56F9016B-CCA6-43BE-8BEE-59565A35F4F7}" type="datetimeFigureOut">
               <a:rPr kumimoji="1" lang="ja-JP" altLang="en-US" smtClean="0"/>
-              <a:t>2021/3/29</a:t>
+              <a:t>2021/6/18</a:t>
             </a:fld>
             <a:endParaRPr kumimoji="1" lang="ja-JP" altLang="en-US"/>
           </a:p>
@@ -2219,7 +2220,7 @@
           <a:p>
             <a:fld id="{56F9016B-CCA6-43BE-8BEE-59565A35F4F7}" type="datetimeFigureOut">
               <a:rPr kumimoji="1" lang="ja-JP" altLang="en-US" smtClean="0"/>
-              <a:t>2021/3/29</a:t>
+              <a:t>2021/6/18</a:t>
             </a:fld>
             <a:endParaRPr kumimoji="1" lang="ja-JP" altLang="en-US"/>
           </a:p>
@@ -2337,7 +2338,7 @@
           <a:p>
             <a:fld id="{56F9016B-CCA6-43BE-8BEE-59565A35F4F7}" type="datetimeFigureOut">
               <a:rPr kumimoji="1" lang="ja-JP" altLang="en-US" smtClean="0"/>
-              <a:t>2021/3/29</a:t>
+              <a:t>2021/6/18</a:t>
             </a:fld>
             <a:endParaRPr kumimoji="1" lang="ja-JP" altLang="en-US"/>
           </a:p>
@@ -2432,7 +2433,7 @@
           <a:p>
             <a:fld id="{56F9016B-CCA6-43BE-8BEE-59565A35F4F7}" type="datetimeFigureOut">
               <a:rPr kumimoji="1" lang="ja-JP" altLang="en-US" smtClean="0"/>
-              <a:t>2021/3/29</a:t>
+              <a:t>2021/6/18</a:t>
             </a:fld>
             <a:endParaRPr kumimoji="1" lang="ja-JP" altLang="en-US"/>
           </a:p>
@@ -2741,7 +2742,7 @@
           <a:p>
             <a:fld id="{56F9016B-CCA6-43BE-8BEE-59565A35F4F7}" type="datetimeFigureOut">
               <a:rPr kumimoji="1" lang="ja-JP" altLang="en-US" smtClean="0"/>
-              <a:t>2021/3/29</a:t>
+              <a:t>2021/6/18</a:t>
             </a:fld>
             <a:endParaRPr kumimoji="1" lang="ja-JP" altLang="en-US"/>
           </a:p>
@@ -2994,7 +2995,7 @@
           <a:p>
             <a:fld id="{56F9016B-CCA6-43BE-8BEE-59565A35F4F7}" type="datetimeFigureOut">
               <a:rPr kumimoji="1" lang="ja-JP" altLang="en-US" smtClean="0"/>
-              <a:t>2021/3/29</a:t>
+              <a:t>2021/6/18</a:t>
             </a:fld>
             <a:endParaRPr kumimoji="1" lang="ja-JP" altLang="en-US"/>
           </a:p>
@@ -3271,7 +3272,7 @@
           <a:p>
             <a:fld id="{56F9016B-CCA6-43BE-8BEE-59565A35F4F7}" type="datetimeFigureOut">
               <a:rPr kumimoji="1" lang="ja-JP" altLang="en-US" smtClean="0"/>
-              <a:t>2021/3/29</a:t>
+              <a:t>2021/6/18</a:t>
             </a:fld>
             <a:endParaRPr kumimoji="1" lang="ja-JP" altLang="en-US"/>
           </a:p>
@@ -3483,7 +3484,7 @@
           <a:p>
             <a:fld id="{56F9016B-CCA6-43BE-8BEE-59565A35F4F7}" type="datetimeFigureOut">
               <a:rPr kumimoji="1" lang="ja-JP" altLang="en-US" smtClean="0"/>
-              <a:t>2021/3/29</a:t>
+              <a:t>2021/6/18</a:t>
             </a:fld>
             <a:endParaRPr kumimoji="1" lang="ja-JP" altLang="en-US"/>
           </a:p>
@@ -6542,7 +6543,7 @@
           <a:p>
             <a:fld id="{56F9016B-CCA6-43BE-8BEE-59565A35F4F7}" type="datetimeFigureOut">
               <a:rPr kumimoji="1" lang="ja-JP" altLang="en-US" smtClean="0"/>
-              <a:t>2021/3/29</a:t>
+              <a:t>2021/6/18</a:t>
             </a:fld>
             <a:endParaRPr kumimoji="1" lang="ja-JP" altLang="en-US"/>
           </a:p>
@@ -6976,8 +6977,13 @@
           <a:p>
             <a:r>
               <a:rPr lang="en-US" altLang="ja-JP" dirty="0" smtClean="0"/>
-              <a:t>Version 1.6.1</a:t>
-            </a:r>
+              <a:t>Version </a:t>
+            </a:r>
+            <a:r>
+              <a:rPr lang="en-US" altLang="ja-JP" dirty="0" smtClean="0"/>
+              <a:t>1.7.1</a:t>
+            </a:r>
+            <a:endParaRPr lang="en-US" altLang="ja-JP" dirty="0" smtClean="0"/>
           </a:p>
           <a:p>
             <a:r>
@@ -7522,7 +7528,7 @@
             </a:r>
             <a:r>
               <a:rPr lang="en-US" altLang="ja-JP" dirty="0" smtClean="0"/>
-              <a:t>3/9</a:t>
+              <a:t>3/11</a:t>
             </a:r>
             <a:r>
               <a:rPr lang="ja-JP" altLang="en-US" dirty="0" smtClean="0"/>
@@ -7560,12 +7566,8 @@
               <a:t>（</a:t>
             </a:r>
             <a:r>
-              <a:rPr lang="en-US" altLang="ja-JP" b="1" dirty="0"/>
-              <a:t>2</a:t>
-            </a:r>
-            <a:r>
               <a:rPr lang="en-US" altLang="ja-JP" b="1" dirty="0" smtClean="0"/>
-              <a:t>/3</a:t>
+              <a:t>2/4</a:t>
             </a:r>
             <a:r>
               <a:rPr lang="ja-JP" altLang="en-US" b="1" dirty="0" smtClean="0"/>
@@ -8283,6 +8285,3725 @@
           <a:chExt cx="0" cy="0"/>
         </a:xfrm>
       </p:grpSpPr>
+      <p:pic>
+        <p:nvPicPr>
+          <p:cNvPr id="5" name="図 4"/>
+          <p:cNvPicPr>
+            <a:picLocks noChangeAspect="1"/>
+          </p:cNvPicPr>
+          <p:nvPr/>
+        </p:nvPicPr>
+        <p:blipFill>
+          <a:blip r:embed="rId2"/>
+          <a:stretch>
+            <a:fillRect/>
+          </a:stretch>
+        </p:blipFill>
+        <p:spPr>
+          <a:xfrm>
+            <a:off x="1067026" y="4852025"/>
+            <a:ext cx="6473885" cy="1640402"/>
+          </a:xfrm>
+          <a:prstGeom prst="rect">
+            <a:avLst/>
+          </a:prstGeom>
+        </p:spPr>
+      </p:pic>
+      <p:pic>
+        <p:nvPicPr>
+          <p:cNvPr id="4" name="図 3"/>
+          <p:cNvPicPr>
+            <a:picLocks noChangeAspect="1"/>
+          </p:cNvPicPr>
+          <p:nvPr/>
+        </p:nvPicPr>
+        <p:blipFill>
+          <a:blip r:embed="rId3"/>
+          <a:stretch>
+            <a:fillRect/>
+          </a:stretch>
+        </p:blipFill>
+        <p:spPr>
+          <a:xfrm>
+            <a:off x="683460" y="2460345"/>
+            <a:ext cx="7031373" cy="2269607"/>
+          </a:xfrm>
+          <a:prstGeom prst="rect">
+            <a:avLst/>
+          </a:prstGeom>
+        </p:spPr>
+      </p:pic>
+      <p:sp>
+        <p:nvSpPr>
+          <p:cNvPr id="2" name="タイトル 1"/>
+          <p:cNvSpPr>
+            <a:spLocks noGrp="1"/>
+          </p:cNvSpPr>
+          <p:nvPr>
+            <p:ph type="title"/>
+          </p:nvPr>
+        </p:nvSpPr>
+        <p:spPr/>
+        <p:txBody>
+          <a:bodyPr/>
+          <a:lstStyle/>
+          <a:p>
+            <a:r>
+              <a:rPr lang="en-US" altLang="ja-JP" dirty="0"/>
+              <a:t>2.3</a:t>
+            </a:r>
+            <a:r>
+              <a:rPr lang="ja-JP" altLang="en-US" dirty="0"/>
+              <a:t>　</a:t>
+            </a:r>
+            <a:r>
+              <a:rPr lang="en-US" altLang="ja-JP" dirty="0" smtClean="0"/>
+              <a:t>Conductor</a:t>
+            </a:r>
+            <a:r>
+              <a:rPr lang="ja-JP" altLang="en-US" dirty="0" smtClean="0"/>
+              <a:t> </a:t>
+            </a:r>
+            <a:r>
+              <a:rPr lang="en-US" altLang="ja-JP" dirty="0" smtClean="0"/>
+              <a:t>function description</a:t>
+            </a:r>
+            <a:r>
+              <a:rPr lang="ja-JP" altLang="en-US" dirty="0"/>
+              <a:t>　</a:t>
+            </a:r>
+            <a:r>
+              <a:rPr lang="ja-JP" altLang="en-US" dirty="0" smtClean="0"/>
+              <a:t>（</a:t>
+            </a:r>
+            <a:r>
+              <a:rPr lang="en-US" altLang="ja-JP" dirty="0" smtClean="0"/>
+              <a:t>4/11</a:t>
+            </a:r>
+            <a:r>
+              <a:rPr lang="ja-JP" altLang="en-US" dirty="0" smtClean="0"/>
+              <a:t>）</a:t>
+            </a:r>
+            <a:endParaRPr kumimoji="1" lang="ja-JP" altLang="en-US" dirty="0"/>
+          </a:p>
+        </p:txBody>
+      </p:sp>
+      <p:sp>
+        <p:nvSpPr>
+          <p:cNvPr id="3" name="コンテンツ プレースホルダー 2"/>
+          <p:cNvSpPr>
+            <a:spLocks noGrp="1"/>
+          </p:cNvSpPr>
+          <p:nvPr>
+            <p:ph sz="quarter" idx="10"/>
+          </p:nvPr>
+        </p:nvSpPr>
+        <p:spPr/>
+        <p:txBody>
+          <a:bodyPr/>
+          <a:lstStyle/>
+          <a:p>
+            <a:pPr>
+              <a:buFont typeface="Wingdings" panose="05000000000000000000" pitchFamily="2" charset="2"/>
+              <a:buChar char="l"/>
+            </a:pPr>
+            <a:r>
+              <a:rPr lang="en-US" altLang="ja-JP" b="1" dirty="0" smtClean="0"/>
+              <a:t>Conductor</a:t>
+            </a:r>
+            <a:r>
+              <a:rPr lang="ja-JP" altLang="en-US" b="1" dirty="0"/>
+              <a:t> </a:t>
+            </a:r>
+            <a:r>
+              <a:rPr lang="en-US" altLang="ja-JP" b="1" dirty="0" smtClean="0"/>
+              <a:t>class edit</a:t>
+            </a:r>
+            <a:r>
+              <a:rPr lang="ja-JP" altLang="en-US" b="1" dirty="0" smtClean="0"/>
+              <a:t>（</a:t>
+            </a:r>
+            <a:r>
+              <a:rPr lang="en-US" altLang="ja-JP" b="1" dirty="0"/>
+              <a:t>3</a:t>
+            </a:r>
+            <a:r>
+              <a:rPr lang="en-US" altLang="ja-JP" b="1" dirty="0" smtClean="0"/>
+              <a:t>/4</a:t>
+            </a:r>
+            <a:r>
+              <a:rPr lang="ja-JP" altLang="en-US" b="1" dirty="0" smtClean="0"/>
+              <a:t>）</a:t>
+            </a:r>
+            <a:endParaRPr lang="en-US" altLang="ja-JP" b="1" dirty="0" smtClean="0"/>
+          </a:p>
+          <a:p>
+            <a:pPr lvl="1"/>
+            <a:r>
+              <a:rPr lang="en-US" altLang="ja-JP" dirty="0"/>
+              <a:t>By selecting multiple Nodes, users can use the buttons in the menu on the left to align the </a:t>
+            </a:r>
+            <a:r>
+              <a:rPr lang="en-US" altLang="ja-JP" dirty="0" smtClean="0"/>
+              <a:t>items. To </a:t>
+            </a:r>
+            <a:r>
+              <a:rPr lang="en-US" altLang="ja-JP" dirty="0"/>
+              <a:t>select multiple Nodes, drag the mouse while holding the mouse button and drag over the Nodes you want to select or hold the shift key and press the Nodes you want selected individually</a:t>
+            </a:r>
+            <a:r>
+              <a:rPr lang="en-US" altLang="ja-JP" dirty="0" smtClean="0"/>
+              <a:t>.</a:t>
+            </a:r>
+            <a:r>
+              <a:rPr lang="en-US" altLang="ja-JP" dirty="0"/>
+              <a:t/>
+            </a:r>
+            <a:br>
+              <a:rPr lang="en-US" altLang="ja-JP" dirty="0"/>
+            </a:br>
+            <a:r>
+              <a:rPr lang="en-US" altLang="ja-JP" dirty="0"/>
+              <a:t>For more information about the Node tab, please refer to </a:t>
+            </a:r>
+            <a:r>
+              <a:rPr lang="en-US" altLang="ja-JP" dirty="0">
+                <a:hlinkClick r:id="rId4"/>
+              </a:rPr>
+              <a:t>this manual.</a:t>
+            </a:r>
+            <a:endParaRPr lang="en-US" altLang="ja-JP" sz="1600" dirty="0"/>
+          </a:p>
+        </p:txBody>
+      </p:sp>
+      <p:sp>
+        <p:nvSpPr>
+          <p:cNvPr id="13" name="四角形吹き出し 15"/>
+          <p:cNvSpPr/>
+          <p:nvPr/>
+        </p:nvSpPr>
+        <p:spPr bwMode="auto">
+          <a:xfrm>
+            <a:off x="1043510" y="2608391"/>
+            <a:ext cx="3744520" cy="1123118"/>
+          </a:xfrm>
+          <a:custGeom>
+            <a:avLst/>
+            <a:gdLst>
+              <a:gd name="connsiteX0" fmla="*/ 0 w 3722561"/>
+              <a:gd name="connsiteY0" fmla="*/ 0 h 719868"/>
+              <a:gd name="connsiteX1" fmla="*/ 620427 w 3722561"/>
+              <a:gd name="connsiteY1" fmla="*/ 0 h 719868"/>
+              <a:gd name="connsiteX2" fmla="*/ 620427 w 3722561"/>
+              <a:gd name="connsiteY2" fmla="*/ 0 h 719868"/>
+              <a:gd name="connsiteX3" fmla="*/ 1551067 w 3722561"/>
+              <a:gd name="connsiteY3" fmla="*/ 0 h 719868"/>
+              <a:gd name="connsiteX4" fmla="*/ 3722561 w 3722561"/>
+              <a:gd name="connsiteY4" fmla="*/ 0 h 719868"/>
+              <a:gd name="connsiteX5" fmla="*/ 3722561 w 3722561"/>
+              <a:gd name="connsiteY5" fmla="*/ 419923 h 719868"/>
+              <a:gd name="connsiteX6" fmla="*/ 3722561 w 3722561"/>
+              <a:gd name="connsiteY6" fmla="*/ 419923 h 719868"/>
+              <a:gd name="connsiteX7" fmla="*/ 3722561 w 3722561"/>
+              <a:gd name="connsiteY7" fmla="*/ 599890 h 719868"/>
+              <a:gd name="connsiteX8" fmla="*/ 3722561 w 3722561"/>
+              <a:gd name="connsiteY8" fmla="*/ 719868 h 719868"/>
+              <a:gd name="connsiteX9" fmla="*/ 1551067 w 3722561"/>
+              <a:gd name="connsiteY9" fmla="*/ 719868 h 719868"/>
+              <a:gd name="connsiteX10" fmla="*/ 7706 w 3722561"/>
+              <a:gd name="connsiteY10" fmla="*/ 873495 h 719868"/>
+              <a:gd name="connsiteX11" fmla="*/ 620427 w 3722561"/>
+              <a:gd name="connsiteY11" fmla="*/ 719868 h 719868"/>
+              <a:gd name="connsiteX12" fmla="*/ 0 w 3722561"/>
+              <a:gd name="connsiteY12" fmla="*/ 719868 h 719868"/>
+              <a:gd name="connsiteX13" fmla="*/ 0 w 3722561"/>
+              <a:gd name="connsiteY13" fmla="*/ 599890 h 719868"/>
+              <a:gd name="connsiteX14" fmla="*/ 0 w 3722561"/>
+              <a:gd name="connsiteY14" fmla="*/ 419923 h 719868"/>
+              <a:gd name="connsiteX15" fmla="*/ 0 w 3722561"/>
+              <a:gd name="connsiteY15" fmla="*/ 419923 h 719868"/>
+              <a:gd name="connsiteX16" fmla="*/ 0 w 3722561"/>
+              <a:gd name="connsiteY16" fmla="*/ 0 h 719868"/>
+              <a:gd name="connsiteX0" fmla="*/ 0 w 3722561"/>
+              <a:gd name="connsiteY0" fmla="*/ 0 h 873495"/>
+              <a:gd name="connsiteX1" fmla="*/ 620427 w 3722561"/>
+              <a:gd name="connsiteY1" fmla="*/ 0 h 873495"/>
+              <a:gd name="connsiteX2" fmla="*/ 620427 w 3722561"/>
+              <a:gd name="connsiteY2" fmla="*/ 0 h 873495"/>
+              <a:gd name="connsiteX3" fmla="*/ 1551067 w 3722561"/>
+              <a:gd name="connsiteY3" fmla="*/ 0 h 873495"/>
+              <a:gd name="connsiteX4" fmla="*/ 3722561 w 3722561"/>
+              <a:gd name="connsiteY4" fmla="*/ 0 h 873495"/>
+              <a:gd name="connsiteX5" fmla="*/ 3722561 w 3722561"/>
+              <a:gd name="connsiteY5" fmla="*/ 419923 h 873495"/>
+              <a:gd name="connsiteX6" fmla="*/ 3722561 w 3722561"/>
+              <a:gd name="connsiteY6" fmla="*/ 419923 h 873495"/>
+              <a:gd name="connsiteX7" fmla="*/ 3722561 w 3722561"/>
+              <a:gd name="connsiteY7" fmla="*/ 599890 h 873495"/>
+              <a:gd name="connsiteX8" fmla="*/ 3722561 w 3722561"/>
+              <a:gd name="connsiteY8" fmla="*/ 719868 h 873495"/>
+              <a:gd name="connsiteX9" fmla="*/ 1046242 w 3722561"/>
+              <a:gd name="connsiteY9" fmla="*/ 748443 h 873495"/>
+              <a:gd name="connsiteX10" fmla="*/ 7706 w 3722561"/>
+              <a:gd name="connsiteY10" fmla="*/ 873495 h 873495"/>
+              <a:gd name="connsiteX11" fmla="*/ 620427 w 3722561"/>
+              <a:gd name="connsiteY11" fmla="*/ 719868 h 873495"/>
+              <a:gd name="connsiteX12" fmla="*/ 0 w 3722561"/>
+              <a:gd name="connsiteY12" fmla="*/ 719868 h 873495"/>
+              <a:gd name="connsiteX13" fmla="*/ 0 w 3722561"/>
+              <a:gd name="connsiteY13" fmla="*/ 599890 h 873495"/>
+              <a:gd name="connsiteX14" fmla="*/ 0 w 3722561"/>
+              <a:gd name="connsiteY14" fmla="*/ 419923 h 873495"/>
+              <a:gd name="connsiteX15" fmla="*/ 0 w 3722561"/>
+              <a:gd name="connsiteY15" fmla="*/ 419923 h 873495"/>
+              <a:gd name="connsiteX16" fmla="*/ 0 w 3722561"/>
+              <a:gd name="connsiteY16" fmla="*/ 0 h 873495"/>
+              <a:gd name="connsiteX0" fmla="*/ 0 w 3722561"/>
+              <a:gd name="connsiteY0" fmla="*/ 0 h 873495"/>
+              <a:gd name="connsiteX1" fmla="*/ 620427 w 3722561"/>
+              <a:gd name="connsiteY1" fmla="*/ 0 h 873495"/>
+              <a:gd name="connsiteX2" fmla="*/ 620427 w 3722561"/>
+              <a:gd name="connsiteY2" fmla="*/ 0 h 873495"/>
+              <a:gd name="connsiteX3" fmla="*/ 1551067 w 3722561"/>
+              <a:gd name="connsiteY3" fmla="*/ 0 h 873495"/>
+              <a:gd name="connsiteX4" fmla="*/ 3722561 w 3722561"/>
+              <a:gd name="connsiteY4" fmla="*/ 0 h 873495"/>
+              <a:gd name="connsiteX5" fmla="*/ 3722561 w 3722561"/>
+              <a:gd name="connsiteY5" fmla="*/ 419923 h 873495"/>
+              <a:gd name="connsiteX6" fmla="*/ 3722561 w 3722561"/>
+              <a:gd name="connsiteY6" fmla="*/ 419923 h 873495"/>
+              <a:gd name="connsiteX7" fmla="*/ 3722561 w 3722561"/>
+              <a:gd name="connsiteY7" fmla="*/ 599890 h 873495"/>
+              <a:gd name="connsiteX8" fmla="*/ 3722561 w 3722561"/>
+              <a:gd name="connsiteY8" fmla="*/ 719868 h 873495"/>
+              <a:gd name="connsiteX9" fmla="*/ 3475530 w 3722561"/>
+              <a:gd name="connsiteY9" fmla="*/ 718285 h 873495"/>
+              <a:gd name="connsiteX10" fmla="*/ 1046242 w 3722561"/>
+              <a:gd name="connsiteY10" fmla="*/ 748443 h 873495"/>
+              <a:gd name="connsiteX11" fmla="*/ 7706 w 3722561"/>
+              <a:gd name="connsiteY11" fmla="*/ 873495 h 873495"/>
+              <a:gd name="connsiteX12" fmla="*/ 620427 w 3722561"/>
+              <a:gd name="connsiteY12" fmla="*/ 719868 h 873495"/>
+              <a:gd name="connsiteX13" fmla="*/ 0 w 3722561"/>
+              <a:gd name="connsiteY13" fmla="*/ 719868 h 873495"/>
+              <a:gd name="connsiteX14" fmla="*/ 0 w 3722561"/>
+              <a:gd name="connsiteY14" fmla="*/ 599890 h 873495"/>
+              <a:gd name="connsiteX15" fmla="*/ 0 w 3722561"/>
+              <a:gd name="connsiteY15" fmla="*/ 419923 h 873495"/>
+              <a:gd name="connsiteX16" fmla="*/ 0 w 3722561"/>
+              <a:gd name="connsiteY16" fmla="*/ 419923 h 873495"/>
+              <a:gd name="connsiteX17" fmla="*/ 0 w 3722561"/>
+              <a:gd name="connsiteY17" fmla="*/ 0 h 873495"/>
+              <a:gd name="connsiteX0" fmla="*/ 0 w 3722561"/>
+              <a:gd name="connsiteY0" fmla="*/ 0 h 873495"/>
+              <a:gd name="connsiteX1" fmla="*/ 620427 w 3722561"/>
+              <a:gd name="connsiteY1" fmla="*/ 0 h 873495"/>
+              <a:gd name="connsiteX2" fmla="*/ 620427 w 3722561"/>
+              <a:gd name="connsiteY2" fmla="*/ 0 h 873495"/>
+              <a:gd name="connsiteX3" fmla="*/ 1551067 w 3722561"/>
+              <a:gd name="connsiteY3" fmla="*/ 0 h 873495"/>
+              <a:gd name="connsiteX4" fmla="*/ 3722561 w 3722561"/>
+              <a:gd name="connsiteY4" fmla="*/ 0 h 873495"/>
+              <a:gd name="connsiteX5" fmla="*/ 3722561 w 3722561"/>
+              <a:gd name="connsiteY5" fmla="*/ 419923 h 873495"/>
+              <a:gd name="connsiteX6" fmla="*/ 3722561 w 3722561"/>
+              <a:gd name="connsiteY6" fmla="*/ 419923 h 873495"/>
+              <a:gd name="connsiteX7" fmla="*/ 3722561 w 3722561"/>
+              <a:gd name="connsiteY7" fmla="*/ 599890 h 873495"/>
+              <a:gd name="connsiteX8" fmla="*/ 3722561 w 3722561"/>
+              <a:gd name="connsiteY8" fmla="*/ 719868 h 873495"/>
+              <a:gd name="connsiteX9" fmla="*/ 3475530 w 3722561"/>
+              <a:gd name="connsiteY9" fmla="*/ 718285 h 873495"/>
+              <a:gd name="connsiteX10" fmla="*/ 2989755 w 3722561"/>
+              <a:gd name="connsiteY10" fmla="*/ 727913 h 873495"/>
+              <a:gd name="connsiteX11" fmla="*/ 1046242 w 3722561"/>
+              <a:gd name="connsiteY11" fmla="*/ 748443 h 873495"/>
+              <a:gd name="connsiteX12" fmla="*/ 7706 w 3722561"/>
+              <a:gd name="connsiteY12" fmla="*/ 873495 h 873495"/>
+              <a:gd name="connsiteX13" fmla="*/ 620427 w 3722561"/>
+              <a:gd name="connsiteY13" fmla="*/ 719868 h 873495"/>
+              <a:gd name="connsiteX14" fmla="*/ 0 w 3722561"/>
+              <a:gd name="connsiteY14" fmla="*/ 719868 h 873495"/>
+              <a:gd name="connsiteX15" fmla="*/ 0 w 3722561"/>
+              <a:gd name="connsiteY15" fmla="*/ 599890 h 873495"/>
+              <a:gd name="connsiteX16" fmla="*/ 0 w 3722561"/>
+              <a:gd name="connsiteY16" fmla="*/ 419923 h 873495"/>
+              <a:gd name="connsiteX17" fmla="*/ 0 w 3722561"/>
+              <a:gd name="connsiteY17" fmla="*/ 419923 h 873495"/>
+              <a:gd name="connsiteX18" fmla="*/ 0 w 3722561"/>
+              <a:gd name="connsiteY18" fmla="*/ 0 h 873495"/>
+              <a:gd name="connsiteX0" fmla="*/ 0 w 3722561"/>
+              <a:gd name="connsiteY0" fmla="*/ 0 h 873495"/>
+              <a:gd name="connsiteX1" fmla="*/ 620427 w 3722561"/>
+              <a:gd name="connsiteY1" fmla="*/ 0 h 873495"/>
+              <a:gd name="connsiteX2" fmla="*/ 620427 w 3722561"/>
+              <a:gd name="connsiteY2" fmla="*/ 0 h 873495"/>
+              <a:gd name="connsiteX3" fmla="*/ 1551067 w 3722561"/>
+              <a:gd name="connsiteY3" fmla="*/ 0 h 873495"/>
+              <a:gd name="connsiteX4" fmla="*/ 3722561 w 3722561"/>
+              <a:gd name="connsiteY4" fmla="*/ 0 h 873495"/>
+              <a:gd name="connsiteX5" fmla="*/ 3722561 w 3722561"/>
+              <a:gd name="connsiteY5" fmla="*/ 419923 h 873495"/>
+              <a:gd name="connsiteX6" fmla="*/ 3722561 w 3722561"/>
+              <a:gd name="connsiteY6" fmla="*/ 419923 h 873495"/>
+              <a:gd name="connsiteX7" fmla="*/ 3722561 w 3722561"/>
+              <a:gd name="connsiteY7" fmla="*/ 599890 h 873495"/>
+              <a:gd name="connsiteX8" fmla="*/ 3722561 w 3722561"/>
+              <a:gd name="connsiteY8" fmla="*/ 719868 h 873495"/>
+              <a:gd name="connsiteX9" fmla="*/ 3475530 w 3722561"/>
+              <a:gd name="connsiteY9" fmla="*/ 718285 h 873495"/>
+              <a:gd name="connsiteX10" fmla="*/ 2989755 w 3722561"/>
+              <a:gd name="connsiteY10" fmla="*/ 727913 h 873495"/>
+              <a:gd name="connsiteX11" fmla="*/ 2665905 w 3722561"/>
+              <a:gd name="connsiteY11" fmla="*/ 747170 h 873495"/>
+              <a:gd name="connsiteX12" fmla="*/ 1046242 w 3722561"/>
+              <a:gd name="connsiteY12" fmla="*/ 748443 h 873495"/>
+              <a:gd name="connsiteX13" fmla="*/ 7706 w 3722561"/>
+              <a:gd name="connsiteY13" fmla="*/ 873495 h 873495"/>
+              <a:gd name="connsiteX14" fmla="*/ 620427 w 3722561"/>
+              <a:gd name="connsiteY14" fmla="*/ 719868 h 873495"/>
+              <a:gd name="connsiteX15" fmla="*/ 0 w 3722561"/>
+              <a:gd name="connsiteY15" fmla="*/ 719868 h 873495"/>
+              <a:gd name="connsiteX16" fmla="*/ 0 w 3722561"/>
+              <a:gd name="connsiteY16" fmla="*/ 599890 h 873495"/>
+              <a:gd name="connsiteX17" fmla="*/ 0 w 3722561"/>
+              <a:gd name="connsiteY17" fmla="*/ 419923 h 873495"/>
+              <a:gd name="connsiteX18" fmla="*/ 0 w 3722561"/>
+              <a:gd name="connsiteY18" fmla="*/ 419923 h 873495"/>
+              <a:gd name="connsiteX19" fmla="*/ 0 w 3722561"/>
+              <a:gd name="connsiteY19" fmla="*/ 0 h 873495"/>
+              <a:gd name="connsiteX0" fmla="*/ 0 w 3722561"/>
+              <a:gd name="connsiteY0" fmla="*/ 0 h 873495"/>
+              <a:gd name="connsiteX1" fmla="*/ 620427 w 3722561"/>
+              <a:gd name="connsiteY1" fmla="*/ 0 h 873495"/>
+              <a:gd name="connsiteX2" fmla="*/ 620427 w 3722561"/>
+              <a:gd name="connsiteY2" fmla="*/ 0 h 873495"/>
+              <a:gd name="connsiteX3" fmla="*/ 1551067 w 3722561"/>
+              <a:gd name="connsiteY3" fmla="*/ 0 h 873495"/>
+              <a:gd name="connsiteX4" fmla="*/ 3722561 w 3722561"/>
+              <a:gd name="connsiteY4" fmla="*/ 0 h 873495"/>
+              <a:gd name="connsiteX5" fmla="*/ 3722561 w 3722561"/>
+              <a:gd name="connsiteY5" fmla="*/ 419923 h 873495"/>
+              <a:gd name="connsiteX6" fmla="*/ 3722561 w 3722561"/>
+              <a:gd name="connsiteY6" fmla="*/ 419923 h 873495"/>
+              <a:gd name="connsiteX7" fmla="*/ 3722561 w 3722561"/>
+              <a:gd name="connsiteY7" fmla="*/ 599890 h 873495"/>
+              <a:gd name="connsiteX8" fmla="*/ 3722561 w 3722561"/>
+              <a:gd name="connsiteY8" fmla="*/ 719868 h 873495"/>
+              <a:gd name="connsiteX9" fmla="*/ 3475530 w 3722561"/>
+              <a:gd name="connsiteY9" fmla="*/ 718285 h 873495"/>
+              <a:gd name="connsiteX10" fmla="*/ 2989755 w 3722561"/>
+              <a:gd name="connsiteY10" fmla="*/ 727913 h 873495"/>
+              <a:gd name="connsiteX11" fmla="*/ 2665905 w 3722561"/>
+              <a:gd name="connsiteY11" fmla="*/ 747170 h 873495"/>
+              <a:gd name="connsiteX12" fmla="*/ 1913430 w 3722561"/>
+              <a:gd name="connsiteY12" fmla="*/ 737542 h 873495"/>
+              <a:gd name="connsiteX13" fmla="*/ 1046242 w 3722561"/>
+              <a:gd name="connsiteY13" fmla="*/ 748443 h 873495"/>
+              <a:gd name="connsiteX14" fmla="*/ 7706 w 3722561"/>
+              <a:gd name="connsiteY14" fmla="*/ 873495 h 873495"/>
+              <a:gd name="connsiteX15" fmla="*/ 620427 w 3722561"/>
+              <a:gd name="connsiteY15" fmla="*/ 719868 h 873495"/>
+              <a:gd name="connsiteX16" fmla="*/ 0 w 3722561"/>
+              <a:gd name="connsiteY16" fmla="*/ 719868 h 873495"/>
+              <a:gd name="connsiteX17" fmla="*/ 0 w 3722561"/>
+              <a:gd name="connsiteY17" fmla="*/ 599890 h 873495"/>
+              <a:gd name="connsiteX18" fmla="*/ 0 w 3722561"/>
+              <a:gd name="connsiteY18" fmla="*/ 419923 h 873495"/>
+              <a:gd name="connsiteX19" fmla="*/ 0 w 3722561"/>
+              <a:gd name="connsiteY19" fmla="*/ 419923 h 873495"/>
+              <a:gd name="connsiteX20" fmla="*/ 0 w 3722561"/>
+              <a:gd name="connsiteY20" fmla="*/ 0 h 873495"/>
+              <a:gd name="connsiteX0" fmla="*/ 0 w 3722561"/>
+              <a:gd name="connsiteY0" fmla="*/ 0 h 873495"/>
+              <a:gd name="connsiteX1" fmla="*/ 620427 w 3722561"/>
+              <a:gd name="connsiteY1" fmla="*/ 0 h 873495"/>
+              <a:gd name="connsiteX2" fmla="*/ 620427 w 3722561"/>
+              <a:gd name="connsiteY2" fmla="*/ 0 h 873495"/>
+              <a:gd name="connsiteX3" fmla="*/ 1551067 w 3722561"/>
+              <a:gd name="connsiteY3" fmla="*/ 0 h 873495"/>
+              <a:gd name="connsiteX4" fmla="*/ 3722561 w 3722561"/>
+              <a:gd name="connsiteY4" fmla="*/ 0 h 873495"/>
+              <a:gd name="connsiteX5" fmla="*/ 3722561 w 3722561"/>
+              <a:gd name="connsiteY5" fmla="*/ 419923 h 873495"/>
+              <a:gd name="connsiteX6" fmla="*/ 3722561 w 3722561"/>
+              <a:gd name="connsiteY6" fmla="*/ 419923 h 873495"/>
+              <a:gd name="connsiteX7" fmla="*/ 3722561 w 3722561"/>
+              <a:gd name="connsiteY7" fmla="*/ 599890 h 873495"/>
+              <a:gd name="connsiteX8" fmla="*/ 3722561 w 3722561"/>
+              <a:gd name="connsiteY8" fmla="*/ 719868 h 873495"/>
+              <a:gd name="connsiteX9" fmla="*/ 3475530 w 3722561"/>
+              <a:gd name="connsiteY9" fmla="*/ 718285 h 873495"/>
+              <a:gd name="connsiteX10" fmla="*/ 2989755 w 3722561"/>
+              <a:gd name="connsiteY10" fmla="*/ 727913 h 873495"/>
+              <a:gd name="connsiteX11" fmla="*/ 2665905 w 3722561"/>
+              <a:gd name="connsiteY11" fmla="*/ 747170 h 873495"/>
+              <a:gd name="connsiteX12" fmla="*/ 2094405 w 3722561"/>
+              <a:gd name="connsiteY12" fmla="*/ 747170 h 873495"/>
+              <a:gd name="connsiteX13" fmla="*/ 1913430 w 3722561"/>
+              <a:gd name="connsiteY13" fmla="*/ 737542 h 873495"/>
+              <a:gd name="connsiteX14" fmla="*/ 1046242 w 3722561"/>
+              <a:gd name="connsiteY14" fmla="*/ 748443 h 873495"/>
+              <a:gd name="connsiteX15" fmla="*/ 7706 w 3722561"/>
+              <a:gd name="connsiteY15" fmla="*/ 873495 h 873495"/>
+              <a:gd name="connsiteX16" fmla="*/ 620427 w 3722561"/>
+              <a:gd name="connsiteY16" fmla="*/ 719868 h 873495"/>
+              <a:gd name="connsiteX17" fmla="*/ 0 w 3722561"/>
+              <a:gd name="connsiteY17" fmla="*/ 719868 h 873495"/>
+              <a:gd name="connsiteX18" fmla="*/ 0 w 3722561"/>
+              <a:gd name="connsiteY18" fmla="*/ 599890 h 873495"/>
+              <a:gd name="connsiteX19" fmla="*/ 0 w 3722561"/>
+              <a:gd name="connsiteY19" fmla="*/ 419923 h 873495"/>
+              <a:gd name="connsiteX20" fmla="*/ 0 w 3722561"/>
+              <a:gd name="connsiteY20" fmla="*/ 419923 h 873495"/>
+              <a:gd name="connsiteX21" fmla="*/ 0 w 3722561"/>
+              <a:gd name="connsiteY21" fmla="*/ 0 h 873495"/>
+              <a:gd name="connsiteX0" fmla="*/ 0 w 3722561"/>
+              <a:gd name="connsiteY0" fmla="*/ 0 h 873495"/>
+              <a:gd name="connsiteX1" fmla="*/ 620427 w 3722561"/>
+              <a:gd name="connsiteY1" fmla="*/ 0 h 873495"/>
+              <a:gd name="connsiteX2" fmla="*/ 620427 w 3722561"/>
+              <a:gd name="connsiteY2" fmla="*/ 0 h 873495"/>
+              <a:gd name="connsiteX3" fmla="*/ 1551067 w 3722561"/>
+              <a:gd name="connsiteY3" fmla="*/ 0 h 873495"/>
+              <a:gd name="connsiteX4" fmla="*/ 3722561 w 3722561"/>
+              <a:gd name="connsiteY4" fmla="*/ 0 h 873495"/>
+              <a:gd name="connsiteX5" fmla="*/ 3722561 w 3722561"/>
+              <a:gd name="connsiteY5" fmla="*/ 419923 h 873495"/>
+              <a:gd name="connsiteX6" fmla="*/ 3722561 w 3722561"/>
+              <a:gd name="connsiteY6" fmla="*/ 419923 h 873495"/>
+              <a:gd name="connsiteX7" fmla="*/ 3722561 w 3722561"/>
+              <a:gd name="connsiteY7" fmla="*/ 599890 h 873495"/>
+              <a:gd name="connsiteX8" fmla="*/ 3722561 w 3722561"/>
+              <a:gd name="connsiteY8" fmla="*/ 719868 h 873495"/>
+              <a:gd name="connsiteX9" fmla="*/ 3475530 w 3722561"/>
+              <a:gd name="connsiteY9" fmla="*/ 718285 h 873495"/>
+              <a:gd name="connsiteX10" fmla="*/ 2989755 w 3722561"/>
+              <a:gd name="connsiteY10" fmla="*/ 727913 h 873495"/>
+              <a:gd name="connsiteX11" fmla="*/ 2665905 w 3722561"/>
+              <a:gd name="connsiteY11" fmla="*/ 747170 h 873495"/>
+              <a:gd name="connsiteX12" fmla="*/ 2094405 w 3722561"/>
+              <a:gd name="connsiteY12" fmla="*/ 747170 h 873495"/>
+              <a:gd name="connsiteX13" fmla="*/ 1913430 w 3722561"/>
+              <a:gd name="connsiteY13" fmla="*/ 737542 h 873495"/>
+              <a:gd name="connsiteX14" fmla="*/ 1589580 w 3722561"/>
+              <a:gd name="connsiteY14" fmla="*/ 737542 h 873495"/>
+              <a:gd name="connsiteX15" fmla="*/ 1046242 w 3722561"/>
+              <a:gd name="connsiteY15" fmla="*/ 748443 h 873495"/>
+              <a:gd name="connsiteX16" fmla="*/ 7706 w 3722561"/>
+              <a:gd name="connsiteY16" fmla="*/ 873495 h 873495"/>
+              <a:gd name="connsiteX17" fmla="*/ 620427 w 3722561"/>
+              <a:gd name="connsiteY17" fmla="*/ 719868 h 873495"/>
+              <a:gd name="connsiteX18" fmla="*/ 0 w 3722561"/>
+              <a:gd name="connsiteY18" fmla="*/ 719868 h 873495"/>
+              <a:gd name="connsiteX19" fmla="*/ 0 w 3722561"/>
+              <a:gd name="connsiteY19" fmla="*/ 599890 h 873495"/>
+              <a:gd name="connsiteX20" fmla="*/ 0 w 3722561"/>
+              <a:gd name="connsiteY20" fmla="*/ 419923 h 873495"/>
+              <a:gd name="connsiteX21" fmla="*/ 0 w 3722561"/>
+              <a:gd name="connsiteY21" fmla="*/ 419923 h 873495"/>
+              <a:gd name="connsiteX22" fmla="*/ 0 w 3722561"/>
+              <a:gd name="connsiteY22" fmla="*/ 0 h 873495"/>
+              <a:gd name="connsiteX0" fmla="*/ 0 w 3722561"/>
+              <a:gd name="connsiteY0" fmla="*/ 0 h 873495"/>
+              <a:gd name="connsiteX1" fmla="*/ 620427 w 3722561"/>
+              <a:gd name="connsiteY1" fmla="*/ 0 h 873495"/>
+              <a:gd name="connsiteX2" fmla="*/ 620427 w 3722561"/>
+              <a:gd name="connsiteY2" fmla="*/ 0 h 873495"/>
+              <a:gd name="connsiteX3" fmla="*/ 1551067 w 3722561"/>
+              <a:gd name="connsiteY3" fmla="*/ 0 h 873495"/>
+              <a:gd name="connsiteX4" fmla="*/ 3722561 w 3722561"/>
+              <a:gd name="connsiteY4" fmla="*/ 0 h 873495"/>
+              <a:gd name="connsiteX5" fmla="*/ 3722561 w 3722561"/>
+              <a:gd name="connsiteY5" fmla="*/ 419923 h 873495"/>
+              <a:gd name="connsiteX6" fmla="*/ 3722561 w 3722561"/>
+              <a:gd name="connsiteY6" fmla="*/ 419923 h 873495"/>
+              <a:gd name="connsiteX7" fmla="*/ 3722561 w 3722561"/>
+              <a:gd name="connsiteY7" fmla="*/ 599890 h 873495"/>
+              <a:gd name="connsiteX8" fmla="*/ 3722561 w 3722561"/>
+              <a:gd name="connsiteY8" fmla="*/ 719868 h 873495"/>
+              <a:gd name="connsiteX9" fmla="*/ 3475530 w 3722561"/>
+              <a:gd name="connsiteY9" fmla="*/ 718285 h 873495"/>
+              <a:gd name="connsiteX10" fmla="*/ 2989755 w 3722561"/>
+              <a:gd name="connsiteY10" fmla="*/ 727913 h 873495"/>
+              <a:gd name="connsiteX11" fmla="*/ 2665905 w 3722561"/>
+              <a:gd name="connsiteY11" fmla="*/ 747170 h 873495"/>
+              <a:gd name="connsiteX12" fmla="*/ 2389680 w 3722561"/>
+              <a:gd name="connsiteY12" fmla="*/ 747170 h 873495"/>
+              <a:gd name="connsiteX13" fmla="*/ 2094405 w 3722561"/>
+              <a:gd name="connsiteY13" fmla="*/ 747170 h 873495"/>
+              <a:gd name="connsiteX14" fmla="*/ 1913430 w 3722561"/>
+              <a:gd name="connsiteY14" fmla="*/ 737542 h 873495"/>
+              <a:gd name="connsiteX15" fmla="*/ 1589580 w 3722561"/>
+              <a:gd name="connsiteY15" fmla="*/ 737542 h 873495"/>
+              <a:gd name="connsiteX16" fmla="*/ 1046242 w 3722561"/>
+              <a:gd name="connsiteY16" fmla="*/ 748443 h 873495"/>
+              <a:gd name="connsiteX17" fmla="*/ 7706 w 3722561"/>
+              <a:gd name="connsiteY17" fmla="*/ 873495 h 873495"/>
+              <a:gd name="connsiteX18" fmla="*/ 620427 w 3722561"/>
+              <a:gd name="connsiteY18" fmla="*/ 719868 h 873495"/>
+              <a:gd name="connsiteX19" fmla="*/ 0 w 3722561"/>
+              <a:gd name="connsiteY19" fmla="*/ 719868 h 873495"/>
+              <a:gd name="connsiteX20" fmla="*/ 0 w 3722561"/>
+              <a:gd name="connsiteY20" fmla="*/ 599890 h 873495"/>
+              <a:gd name="connsiteX21" fmla="*/ 0 w 3722561"/>
+              <a:gd name="connsiteY21" fmla="*/ 419923 h 873495"/>
+              <a:gd name="connsiteX22" fmla="*/ 0 w 3722561"/>
+              <a:gd name="connsiteY22" fmla="*/ 419923 h 873495"/>
+              <a:gd name="connsiteX23" fmla="*/ 0 w 3722561"/>
+              <a:gd name="connsiteY23" fmla="*/ 0 h 873495"/>
+              <a:gd name="connsiteX0" fmla="*/ 0 w 3722561"/>
+              <a:gd name="connsiteY0" fmla="*/ 0 h 958994"/>
+              <a:gd name="connsiteX1" fmla="*/ 620427 w 3722561"/>
+              <a:gd name="connsiteY1" fmla="*/ 0 h 958994"/>
+              <a:gd name="connsiteX2" fmla="*/ 620427 w 3722561"/>
+              <a:gd name="connsiteY2" fmla="*/ 0 h 958994"/>
+              <a:gd name="connsiteX3" fmla="*/ 1551067 w 3722561"/>
+              <a:gd name="connsiteY3" fmla="*/ 0 h 958994"/>
+              <a:gd name="connsiteX4" fmla="*/ 3722561 w 3722561"/>
+              <a:gd name="connsiteY4" fmla="*/ 0 h 958994"/>
+              <a:gd name="connsiteX5" fmla="*/ 3722561 w 3722561"/>
+              <a:gd name="connsiteY5" fmla="*/ 419923 h 958994"/>
+              <a:gd name="connsiteX6" fmla="*/ 3722561 w 3722561"/>
+              <a:gd name="connsiteY6" fmla="*/ 419923 h 958994"/>
+              <a:gd name="connsiteX7" fmla="*/ 3722561 w 3722561"/>
+              <a:gd name="connsiteY7" fmla="*/ 599890 h 958994"/>
+              <a:gd name="connsiteX8" fmla="*/ 3722561 w 3722561"/>
+              <a:gd name="connsiteY8" fmla="*/ 719868 h 958994"/>
+              <a:gd name="connsiteX9" fmla="*/ 3475530 w 3722561"/>
+              <a:gd name="connsiteY9" fmla="*/ 718285 h 958994"/>
+              <a:gd name="connsiteX10" fmla="*/ 2989755 w 3722561"/>
+              <a:gd name="connsiteY10" fmla="*/ 727913 h 958994"/>
+              <a:gd name="connsiteX11" fmla="*/ 2665905 w 3722561"/>
+              <a:gd name="connsiteY11" fmla="*/ 747170 h 958994"/>
+              <a:gd name="connsiteX12" fmla="*/ 2389680 w 3722561"/>
+              <a:gd name="connsiteY12" fmla="*/ 747170 h 958994"/>
+              <a:gd name="connsiteX13" fmla="*/ 2142030 w 3722561"/>
+              <a:gd name="connsiteY13" fmla="*/ 958994 h 958994"/>
+              <a:gd name="connsiteX14" fmla="*/ 1913430 w 3722561"/>
+              <a:gd name="connsiteY14" fmla="*/ 737542 h 958994"/>
+              <a:gd name="connsiteX15" fmla="*/ 1589580 w 3722561"/>
+              <a:gd name="connsiteY15" fmla="*/ 737542 h 958994"/>
+              <a:gd name="connsiteX16" fmla="*/ 1046242 w 3722561"/>
+              <a:gd name="connsiteY16" fmla="*/ 748443 h 958994"/>
+              <a:gd name="connsiteX17" fmla="*/ 7706 w 3722561"/>
+              <a:gd name="connsiteY17" fmla="*/ 873495 h 958994"/>
+              <a:gd name="connsiteX18" fmla="*/ 620427 w 3722561"/>
+              <a:gd name="connsiteY18" fmla="*/ 719868 h 958994"/>
+              <a:gd name="connsiteX19" fmla="*/ 0 w 3722561"/>
+              <a:gd name="connsiteY19" fmla="*/ 719868 h 958994"/>
+              <a:gd name="connsiteX20" fmla="*/ 0 w 3722561"/>
+              <a:gd name="connsiteY20" fmla="*/ 599890 h 958994"/>
+              <a:gd name="connsiteX21" fmla="*/ 0 w 3722561"/>
+              <a:gd name="connsiteY21" fmla="*/ 419923 h 958994"/>
+              <a:gd name="connsiteX22" fmla="*/ 0 w 3722561"/>
+              <a:gd name="connsiteY22" fmla="*/ 419923 h 958994"/>
+              <a:gd name="connsiteX23" fmla="*/ 0 w 3722561"/>
+              <a:gd name="connsiteY23" fmla="*/ 0 h 958994"/>
+              <a:gd name="connsiteX0" fmla="*/ 0 w 3722561"/>
+              <a:gd name="connsiteY0" fmla="*/ 0 h 958994"/>
+              <a:gd name="connsiteX1" fmla="*/ 620427 w 3722561"/>
+              <a:gd name="connsiteY1" fmla="*/ 0 h 958994"/>
+              <a:gd name="connsiteX2" fmla="*/ 620427 w 3722561"/>
+              <a:gd name="connsiteY2" fmla="*/ 0 h 958994"/>
+              <a:gd name="connsiteX3" fmla="*/ 1551067 w 3722561"/>
+              <a:gd name="connsiteY3" fmla="*/ 0 h 958994"/>
+              <a:gd name="connsiteX4" fmla="*/ 3722561 w 3722561"/>
+              <a:gd name="connsiteY4" fmla="*/ 0 h 958994"/>
+              <a:gd name="connsiteX5" fmla="*/ 3722561 w 3722561"/>
+              <a:gd name="connsiteY5" fmla="*/ 419923 h 958994"/>
+              <a:gd name="connsiteX6" fmla="*/ 3722561 w 3722561"/>
+              <a:gd name="connsiteY6" fmla="*/ 419923 h 958994"/>
+              <a:gd name="connsiteX7" fmla="*/ 3722561 w 3722561"/>
+              <a:gd name="connsiteY7" fmla="*/ 599890 h 958994"/>
+              <a:gd name="connsiteX8" fmla="*/ 3722561 w 3722561"/>
+              <a:gd name="connsiteY8" fmla="*/ 719868 h 958994"/>
+              <a:gd name="connsiteX9" fmla="*/ 3475530 w 3722561"/>
+              <a:gd name="connsiteY9" fmla="*/ 718285 h 958994"/>
+              <a:gd name="connsiteX10" fmla="*/ 2989755 w 3722561"/>
+              <a:gd name="connsiteY10" fmla="*/ 727913 h 958994"/>
+              <a:gd name="connsiteX11" fmla="*/ 2665905 w 3722561"/>
+              <a:gd name="connsiteY11" fmla="*/ 747170 h 958994"/>
+              <a:gd name="connsiteX12" fmla="*/ 2199180 w 3722561"/>
+              <a:gd name="connsiteY12" fmla="*/ 737542 h 958994"/>
+              <a:gd name="connsiteX13" fmla="*/ 2142030 w 3722561"/>
+              <a:gd name="connsiteY13" fmla="*/ 958994 h 958994"/>
+              <a:gd name="connsiteX14" fmla="*/ 1913430 w 3722561"/>
+              <a:gd name="connsiteY14" fmla="*/ 737542 h 958994"/>
+              <a:gd name="connsiteX15" fmla="*/ 1589580 w 3722561"/>
+              <a:gd name="connsiteY15" fmla="*/ 737542 h 958994"/>
+              <a:gd name="connsiteX16" fmla="*/ 1046242 w 3722561"/>
+              <a:gd name="connsiteY16" fmla="*/ 748443 h 958994"/>
+              <a:gd name="connsiteX17" fmla="*/ 7706 w 3722561"/>
+              <a:gd name="connsiteY17" fmla="*/ 873495 h 958994"/>
+              <a:gd name="connsiteX18" fmla="*/ 620427 w 3722561"/>
+              <a:gd name="connsiteY18" fmla="*/ 719868 h 958994"/>
+              <a:gd name="connsiteX19" fmla="*/ 0 w 3722561"/>
+              <a:gd name="connsiteY19" fmla="*/ 719868 h 958994"/>
+              <a:gd name="connsiteX20" fmla="*/ 0 w 3722561"/>
+              <a:gd name="connsiteY20" fmla="*/ 599890 h 958994"/>
+              <a:gd name="connsiteX21" fmla="*/ 0 w 3722561"/>
+              <a:gd name="connsiteY21" fmla="*/ 419923 h 958994"/>
+              <a:gd name="connsiteX22" fmla="*/ 0 w 3722561"/>
+              <a:gd name="connsiteY22" fmla="*/ 419923 h 958994"/>
+              <a:gd name="connsiteX23" fmla="*/ 0 w 3722561"/>
+              <a:gd name="connsiteY23" fmla="*/ 0 h 958994"/>
+              <a:gd name="connsiteX0" fmla="*/ 0 w 3722561"/>
+              <a:gd name="connsiteY0" fmla="*/ 0 h 958994"/>
+              <a:gd name="connsiteX1" fmla="*/ 620427 w 3722561"/>
+              <a:gd name="connsiteY1" fmla="*/ 0 h 958994"/>
+              <a:gd name="connsiteX2" fmla="*/ 620427 w 3722561"/>
+              <a:gd name="connsiteY2" fmla="*/ 0 h 958994"/>
+              <a:gd name="connsiteX3" fmla="*/ 1551067 w 3722561"/>
+              <a:gd name="connsiteY3" fmla="*/ 0 h 958994"/>
+              <a:gd name="connsiteX4" fmla="*/ 3722561 w 3722561"/>
+              <a:gd name="connsiteY4" fmla="*/ 0 h 958994"/>
+              <a:gd name="connsiteX5" fmla="*/ 3722561 w 3722561"/>
+              <a:gd name="connsiteY5" fmla="*/ 419923 h 958994"/>
+              <a:gd name="connsiteX6" fmla="*/ 3722561 w 3722561"/>
+              <a:gd name="connsiteY6" fmla="*/ 419923 h 958994"/>
+              <a:gd name="connsiteX7" fmla="*/ 3722561 w 3722561"/>
+              <a:gd name="connsiteY7" fmla="*/ 599890 h 958994"/>
+              <a:gd name="connsiteX8" fmla="*/ 3722561 w 3722561"/>
+              <a:gd name="connsiteY8" fmla="*/ 719868 h 958994"/>
+              <a:gd name="connsiteX9" fmla="*/ 3475530 w 3722561"/>
+              <a:gd name="connsiteY9" fmla="*/ 718285 h 958994"/>
+              <a:gd name="connsiteX10" fmla="*/ 2989755 w 3722561"/>
+              <a:gd name="connsiteY10" fmla="*/ 727913 h 958994"/>
+              <a:gd name="connsiteX11" fmla="*/ 2665905 w 3722561"/>
+              <a:gd name="connsiteY11" fmla="*/ 747170 h 958994"/>
+              <a:gd name="connsiteX12" fmla="*/ 2199180 w 3722561"/>
+              <a:gd name="connsiteY12" fmla="*/ 737542 h 958994"/>
+              <a:gd name="connsiteX13" fmla="*/ 2142030 w 3722561"/>
+              <a:gd name="connsiteY13" fmla="*/ 958994 h 958994"/>
+              <a:gd name="connsiteX14" fmla="*/ 2018205 w 3722561"/>
+              <a:gd name="connsiteY14" fmla="*/ 756799 h 958994"/>
+              <a:gd name="connsiteX15" fmla="*/ 1589580 w 3722561"/>
+              <a:gd name="connsiteY15" fmla="*/ 737542 h 958994"/>
+              <a:gd name="connsiteX16" fmla="*/ 1046242 w 3722561"/>
+              <a:gd name="connsiteY16" fmla="*/ 748443 h 958994"/>
+              <a:gd name="connsiteX17" fmla="*/ 7706 w 3722561"/>
+              <a:gd name="connsiteY17" fmla="*/ 873495 h 958994"/>
+              <a:gd name="connsiteX18" fmla="*/ 620427 w 3722561"/>
+              <a:gd name="connsiteY18" fmla="*/ 719868 h 958994"/>
+              <a:gd name="connsiteX19" fmla="*/ 0 w 3722561"/>
+              <a:gd name="connsiteY19" fmla="*/ 719868 h 958994"/>
+              <a:gd name="connsiteX20" fmla="*/ 0 w 3722561"/>
+              <a:gd name="connsiteY20" fmla="*/ 599890 h 958994"/>
+              <a:gd name="connsiteX21" fmla="*/ 0 w 3722561"/>
+              <a:gd name="connsiteY21" fmla="*/ 419923 h 958994"/>
+              <a:gd name="connsiteX22" fmla="*/ 0 w 3722561"/>
+              <a:gd name="connsiteY22" fmla="*/ 419923 h 958994"/>
+              <a:gd name="connsiteX23" fmla="*/ 0 w 3722561"/>
+              <a:gd name="connsiteY23" fmla="*/ 0 h 958994"/>
+              <a:gd name="connsiteX0" fmla="*/ 0 w 3722561"/>
+              <a:gd name="connsiteY0" fmla="*/ 0 h 958994"/>
+              <a:gd name="connsiteX1" fmla="*/ 620427 w 3722561"/>
+              <a:gd name="connsiteY1" fmla="*/ 0 h 958994"/>
+              <a:gd name="connsiteX2" fmla="*/ 620427 w 3722561"/>
+              <a:gd name="connsiteY2" fmla="*/ 0 h 958994"/>
+              <a:gd name="connsiteX3" fmla="*/ 1551067 w 3722561"/>
+              <a:gd name="connsiteY3" fmla="*/ 0 h 958994"/>
+              <a:gd name="connsiteX4" fmla="*/ 3722561 w 3722561"/>
+              <a:gd name="connsiteY4" fmla="*/ 0 h 958994"/>
+              <a:gd name="connsiteX5" fmla="*/ 3722561 w 3722561"/>
+              <a:gd name="connsiteY5" fmla="*/ 419923 h 958994"/>
+              <a:gd name="connsiteX6" fmla="*/ 3722561 w 3722561"/>
+              <a:gd name="connsiteY6" fmla="*/ 419923 h 958994"/>
+              <a:gd name="connsiteX7" fmla="*/ 3722561 w 3722561"/>
+              <a:gd name="connsiteY7" fmla="*/ 599890 h 958994"/>
+              <a:gd name="connsiteX8" fmla="*/ 3722561 w 3722561"/>
+              <a:gd name="connsiteY8" fmla="*/ 719868 h 958994"/>
+              <a:gd name="connsiteX9" fmla="*/ 3475530 w 3722561"/>
+              <a:gd name="connsiteY9" fmla="*/ 718285 h 958994"/>
+              <a:gd name="connsiteX10" fmla="*/ 3246930 w 3722561"/>
+              <a:gd name="connsiteY10" fmla="*/ 708656 h 958994"/>
+              <a:gd name="connsiteX11" fmla="*/ 2989755 w 3722561"/>
+              <a:gd name="connsiteY11" fmla="*/ 727913 h 958994"/>
+              <a:gd name="connsiteX12" fmla="*/ 2665905 w 3722561"/>
+              <a:gd name="connsiteY12" fmla="*/ 747170 h 958994"/>
+              <a:gd name="connsiteX13" fmla="*/ 2199180 w 3722561"/>
+              <a:gd name="connsiteY13" fmla="*/ 737542 h 958994"/>
+              <a:gd name="connsiteX14" fmla="*/ 2142030 w 3722561"/>
+              <a:gd name="connsiteY14" fmla="*/ 958994 h 958994"/>
+              <a:gd name="connsiteX15" fmla="*/ 2018205 w 3722561"/>
+              <a:gd name="connsiteY15" fmla="*/ 756799 h 958994"/>
+              <a:gd name="connsiteX16" fmla="*/ 1589580 w 3722561"/>
+              <a:gd name="connsiteY16" fmla="*/ 737542 h 958994"/>
+              <a:gd name="connsiteX17" fmla="*/ 1046242 w 3722561"/>
+              <a:gd name="connsiteY17" fmla="*/ 748443 h 958994"/>
+              <a:gd name="connsiteX18" fmla="*/ 7706 w 3722561"/>
+              <a:gd name="connsiteY18" fmla="*/ 873495 h 958994"/>
+              <a:gd name="connsiteX19" fmla="*/ 620427 w 3722561"/>
+              <a:gd name="connsiteY19" fmla="*/ 719868 h 958994"/>
+              <a:gd name="connsiteX20" fmla="*/ 0 w 3722561"/>
+              <a:gd name="connsiteY20" fmla="*/ 719868 h 958994"/>
+              <a:gd name="connsiteX21" fmla="*/ 0 w 3722561"/>
+              <a:gd name="connsiteY21" fmla="*/ 599890 h 958994"/>
+              <a:gd name="connsiteX22" fmla="*/ 0 w 3722561"/>
+              <a:gd name="connsiteY22" fmla="*/ 419923 h 958994"/>
+              <a:gd name="connsiteX23" fmla="*/ 0 w 3722561"/>
+              <a:gd name="connsiteY23" fmla="*/ 419923 h 958994"/>
+              <a:gd name="connsiteX24" fmla="*/ 0 w 3722561"/>
+              <a:gd name="connsiteY24" fmla="*/ 0 h 958994"/>
+              <a:gd name="connsiteX0" fmla="*/ 0 w 3722561"/>
+              <a:gd name="connsiteY0" fmla="*/ 0 h 978250"/>
+              <a:gd name="connsiteX1" fmla="*/ 620427 w 3722561"/>
+              <a:gd name="connsiteY1" fmla="*/ 0 h 978250"/>
+              <a:gd name="connsiteX2" fmla="*/ 620427 w 3722561"/>
+              <a:gd name="connsiteY2" fmla="*/ 0 h 978250"/>
+              <a:gd name="connsiteX3" fmla="*/ 1551067 w 3722561"/>
+              <a:gd name="connsiteY3" fmla="*/ 0 h 978250"/>
+              <a:gd name="connsiteX4" fmla="*/ 3722561 w 3722561"/>
+              <a:gd name="connsiteY4" fmla="*/ 0 h 978250"/>
+              <a:gd name="connsiteX5" fmla="*/ 3722561 w 3722561"/>
+              <a:gd name="connsiteY5" fmla="*/ 419923 h 978250"/>
+              <a:gd name="connsiteX6" fmla="*/ 3722561 w 3722561"/>
+              <a:gd name="connsiteY6" fmla="*/ 419923 h 978250"/>
+              <a:gd name="connsiteX7" fmla="*/ 3722561 w 3722561"/>
+              <a:gd name="connsiteY7" fmla="*/ 599890 h 978250"/>
+              <a:gd name="connsiteX8" fmla="*/ 3722561 w 3722561"/>
+              <a:gd name="connsiteY8" fmla="*/ 719868 h 978250"/>
+              <a:gd name="connsiteX9" fmla="*/ 3475530 w 3722561"/>
+              <a:gd name="connsiteY9" fmla="*/ 718285 h 978250"/>
+              <a:gd name="connsiteX10" fmla="*/ 3342180 w 3722561"/>
+              <a:gd name="connsiteY10" fmla="*/ 978250 h 978250"/>
+              <a:gd name="connsiteX11" fmla="*/ 2989755 w 3722561"/>
+              <a:gd name="connsiteY11" fmla="*/ 727913 h 978250"/>
+              <a:gd name="connsiteX12" fmla="*/ 2665905 w 3722561"/>
+              <a:gd name="connsiteY12" fmla="*/ 747170 h 978250"/>
+              <a:gd name="connsiteX13" fmla="*/ 2199180 w 3722561"/>
+              <a:gd name="connsiteY13" fmla="*/ 737542 h 978250"/>
+              <a:gd name="connsiteX14" fmla="*/ 2142030 w 3722561"/>
+              <a:gd name="connsiteY14" fmla="*/ 958994 h 978250"/>
+              <a:gd name="connsiteX15" fmla="*/ 2018205 w 3722561"/>
+              <a:gd name="connsiteY15" fmla="*/ 756799 h 978250"/>
+              <a:gd name="connsiteX16" fmla="*/ 1589580 w 3722561"/>
+              <a:gd name="connsiteY16" fmla="*/ 737542 h 978250"/>
+              <a:gd name="connsiteX17" fmla="*/ 1046242 w 3722561"/>
+              <a:gd name="connsiteY17" fmla="*/ 748443 h 978250"/>
+              <a:gd name="connsiteX18" fmla="*/ 7706 w 3722561"/>
+              <a:gd name="connsiteY18" fmla="*/ 873495 h 978250"/>
+              <a:gd name="connsiteX19" fmla="*/ 620427 w 3722561"/>
+              <a:gd name="connsiteY19" fmla="*/ 719868 h 978250"/>
+              <a:gd name="connsiteX20" fmla="*/ 0 w 3722561"/>
+              <a:gd name="connsiteY20" fmla="*/ 719868 h 978250"/>
+              <a:gd name="connsiteX21" fmla="*/ 0 w 3722561"/>
+              <a:gd name="connsiteY21" fmla="*/ 599890 h 978250"/>
+              <a:gd name="connsiteX22" fmla="*/ 0 w 3722561"/>
+              <a:gd name="connsiteY22" fmla="*/ 419923 h 978250"/>
+              <a:gd name="connsiteX23" fmla="*/ 0 w 3722561"/>
+              <a:gd name="connsiteY23" fmla="*/ 419923 h 978250"/>
+              <a:gd name="connsiteX24" fmla="*/ 0 w 3722561"/>
+              <a:gd name="connsiteY24" fmla="*/ 0 h 978250"/>
+              <a:gd name="connsiteX0" fmla="*/ 0 w 3722561"/>
+              <a:gd name="connsiteY0" fmla="*/ 0 h 978250"/>
+              <a:gd name="connsiteX1" fmla="*/ 620427 w 3722561"/>
+              <a:gd name="connsiteY1" fmla="*/ 0 h 978250"/>
+              <a:gd name="connsiteX2" fmla="*/ 620427 w 3722561"/>
+              <a:gd name="connsiteY2" fmla="*/ 0 h 978250"/>
+              <a:gd name="connsiteX3" fmla="*/ 1551067 w 3722561"/>
+              <a:gd name="connsiteY3" fmla="*/ 0 h 978250"/>
+              <a:gd name="connsiteX4" fmla="*/ 3722561 w 3722561"/>
+              <a:gd name="connsiteY4" fmla="*/ 0 h 978250"/>
+              <a:gd name="connsiteX5" fmla="*/ 3722561 w 3722561"/>
+              <a:gd name="connsiteY5" fmla="*/ 419923 h 978250"/>
+              <a:gd name="connsiteX6" fmla="*/ 3722561 w 3722561"/>
+              <a:gd name="connsiteY6" fmla="*/ 419923 h 978250"/>
+              <a:gd name="connsiteX7" fmla="*/ 3722561 w 3722561"/>
+              <a:gd name="connsiteY7" fmla="*/ 599890 h 978250"/>
+              <a:gd name="connsiteX8" fmla="*/ 3722561 w 3722561"/>
+              <a:gd name="connsiteY8" fmla="*/ 719868 h 978250"/>
+              <a:gd name="connsiteX9" fmla="*/ 3256455 w 3722561"/>
+              <a:gd name="connsiteY9" fmla="*/ 737542 h 978250"/>
+              <a:gd name="connsiteX10" fmla="*/ 3342180 w 3722561"/>
+              <a:gd name="connsiteY10" fmla="*/ 978250 h 978250"/>
+              <a:gd name="connsiteX11" fmla="*/ 2989755 w 3722561"/>
+              <a:gd name="connsiteY11" fmla="*/ 727913 h 978250"/>
+              <a:gd name="connsiteX12" fmla="*/ 2665905 w 3722561"/>
+              <a:gd name="connsiteY12" fmla="*/ 747170 h 978250"/>
+              <a:gd name="connsiteX13" fmla="*/ 2199180 w 3722561"/>
+              <a:gd name="connsiteY13" fmla="*/ 737542 h 978250"/>
+              <a:gd name="connsiteX14" fmla="*/ 2142030 w 3722561"/>
+              <a:gd name="connsiteY14" fmla="*/ 958994 h 978250"/>
+              <a:gd name="connsiteX15" fmla="*/ 2018205 w 3722561"/>
+              <a:gd name="connsiteY15" fmla="*/ 756799 h 978250"/>
+              <a:gd name="connsiteX16" fmla="*/ 1589580 w 3722561"/>
+              <a:gd name="connsiteY16" fmla="*/ 737542 h 978250"/>
+              <a:gd name="connsiteX17" fmla="*/ 1046242 w 3722561"/>
+              <a:gd name="connsiteY17" fmla="*/ 748443 h 978250"/>
+              <a:gd name="connsiteX18" fmla="*/ 7706 w 3722561"/>
+              <a:gd name="connsiteY18" fmla="*/ 873495 h 978250"/>
+              <a:gd name="connsiteX19" fmla="*/ 620427 w 3722561"/>
+              <a:gd name="connsiteY19" fmla="*/ 719868 h 978250"/>
+              <a:gd name="connsiteX20" fmla="*/ 0 w 3722561"/>
+              <a:gd name="connsiteY20" fmla="*/ 719868 h 978250"/>
+              <a:gd name="connsiteX21" fmla="*/ 0 w 3722561"/>
+              <a:gd name="connsiteY21" fmla="*/ 599890 h 978250"/>
+              <a:gd name="connsiteX22" fmla="*/ 0 w 3722561"/>
+              <a:gd name="connsiteY22" fmla="*/ 419923 h 978250"/>
+              <a:gd name="connsiteX23" fmla="*/ 0 w 3722561"/>
+              <a:gd name="connsiteY23" fmla="*/ 419923 h 978250"/>
+              <a:gd name="connsiteX24" fmla="*/ 0 w 3722561"/>
+              <a:gd name="connsiteY24" fmla="*/ 0 h 978250"/>
+              <a:gd name="connsiteX0" fmla="*/ 0 w 3722561"/>
+              <a:gd name="connsiteY0" fmla="*/ 0 h 978250"/>
+              <a:gd name="connsiteX1" fmla="*/ 620427 w 3722561"/>
+              <a:gd name="connsiteY1" fmla="*/ 0 h 978250"/>
+              <a:gd name="connsiteX2" fmla="*/ 620427 w 3722561"/>
+              <a:gd name="connsiteY2" fmla="*/ 0 h 978250"/>
+              <a:gd name="connsiteX3" fmla="*/ 1551067 w 3722561"/>
+              <a:gd name="connsiteY3" fmla="*/ 0 h 978250"/>
+              <a:gd name="connsiteX4" fmla="*/ 3722561 w 3722561"/>
+              <a:gd name="connsiteY4" fmla="*/ 0 h 978250"/>
+              <a:gd name="connsiteX5" fmla="*/ 3722561 w 3722561"/>
+              <a:gd name="connsiteY5" fmla="*/ 419923 h 978250"/>
+              <a:gd name="connsiteX6" fmla="*/ 3722561 w 3722561"/>
+              <a:gd name="connsiteY6" fmla="*/ 419923 h 978250"/>
+              <a:gd name="connsiteX7" fmla="*/ 3722561 w 3722561"/>
+              <a:gd name="connsiteY7" fmla="*/ 599890 h 978250"/>
+              <a:gd name="connsiteX8" fmla="*/ 3722561 w 3722561"/>
+              <a:gd name="connsiteY8" fmla="*/ 719868 h 978250"/>
+              <a:gd name="connsiteX9" fmla="*/ 3342180 w 3722561"/>
+              <a:gd name="connsiteY9" fmla="*/ 737542 h 978250"/>
+              <a:gd name="connsiteX10" fmla="*/ 3342180 w 3722561"/>
+              <a:gd name="connsiteY10" fmla="*/ 978250 h 978250"/>
+              <a:gd name="connsiteX11" fmla="*/ 2989755 w 3722561"/>
+              <a:gd name="connsiteY11" fmla="*/ 727913 h 978250"/>
+              <a:gd name="connsiteX12" fmla="*/ 2665905 w 3722561"/>
+              <a:gd name="connsiteY12" fmla="*/ 747170 h 978250"/>
+              <a:gd name="connsiteX13" fmla="*/ 2199180 w 3722561"/>
+              <a:gd name="connsiteY13" fmla="*/ 737542 h 978250"/>
+              <a:gd name="connsiteX14" fmla="*/ 2142030 w 3722561"/>
+              <a:gd name="connsiteY14" fmla="*/ 958994 h 978250"/>
+              <a:gd name="connsiteX15" fmla="*/ 2018205 w 3722561"/>
+              <a:gd name="connsiteY15" fmla="*/ 756799 h 978250"/>
+              <a:gd name="connsiteX16" fmla="*/ 1589580 w 3722561"/>
+              <a:gd name="connsiteY16" fmla="*/ 737542 h 978250"/>
+              <a:gd name="connsiteX17" fmla="*/ 1046242 w 3722561"/>
+              <a:gd name="connsiteY17" fmla="*/ 748443 h 978250"/>
+              <a:gd name="connsiteX18" fmla="*/ 7706 w 3722561"/>
+              <a:gd name="connsiteY18" fmla="*/ 873495 h 978250"/>
+              <a:gd name="connsiteX19" fmla="*/ 620427 w 3722561"/>
+              <a:gd name="connsiteY19" fmla="*/ 719868 h 978250"/>
+              <a:gd name="connsiteX20" fmla="*/ 0 w 3722561"/>
+              <a:gd name="connsiteY20" fmla="*/ 719868 h 978250"/>
+              <a:gd name="connsiteX21" fmla="*/ 0 w 3722561"/>
+              <a:gd name="connsiteY21" fmla="*/ 599890 h 978250"/>
+              <a:gd name="connsiteX22" fmla="*/ 0 w 3722561"/>
+              <a:gd name="connsiteY22" fmla="*/ 419923 h 978250"/>
+              <a:gd name="connsiteX23" fmla="*/ 0 w 3722561"/>
+              <a:gd name="connsiteY23" fmla="*/ 419923 h 978250"/>
+              <a:gd name="connsiteX24" fmla="*/ 0 w 3722561"/>
+              <a:gd name="connsiteY24" fmla="*/ 0 h 978250"/>
+              <a:gd name="connsiteX0" fmla="*/ 0 w 3722561"/>
+              <a:gd name="connsiteY0" fmla="*/ 0 h 978250"/>
+              <a:gd name="connsiteX1" fmla="*/ 620427 w 3722561"/>
+              <a:gd name="connsiteY1" fmla="*/ 0 h 978250"/>
+              <a:gd name="connsiteX2" fmla="*/ 620427 w 3722561"/>
+              <a:gd name="connsiteY2" fmla="*/ 0 h 978250"/>
+              <a:gd name="connsiteX3" fmla="*/ 1551067 w 3722561"/>
+              <a:gd name="connsiteY3" fmla="*/ 0 h 978250"/>
+              <a:gd name="connsiteX4" fmla="*/ 3722561 w 3722561"/>
+              <a:gd name="connsiteY4" fmla="*/ 0 h 978250"/>
+              <a:gd name="connsiteX5" fmla="*/ 3722561 w 3722561"/>
+              <a:gd name="connsiteY5" fmla="*/ 419923 h 978250"/>
+              <a:gd name="connsiteX6" fmla="*/ 3722561 w 3722561"/>
+              <a:gd name="connsiteY6" fmla="*/ 419923 h 978250"/>
+              <a:gd name="connsiteX7" fmla="*/ 3722561 w 3722561"/>
+              <a:gd name="connsiteY7" fmla="*/ 599890 h 978250"/>
+              <a:gd name="connsiteX8" fmla="*/ 3722561 w 3722561"/>
+              <a:gd name="connsiteY8" fmla="*/ 719868 h 978250"/>
+              <a:gd name="connsiteX9" fmla="*/ 3342180 w 3722561"/>
+              <a:gd name="connsiteY9" fmla="*/ 737542 h 978250"/>
+              <a:gd name="connsiteX10" fmla="*/ 3342180 w 3722561"/>
+              <a:gd name="connsiteY10" fmla="*/ 978250 h 978250"/>
+              <a:gd name="connsiteX11" fmla="*/ 3199305 w 3722561"/>
+              <a:gd name="connsiteY11" fmla="*/ 747169 h 978250"/>
+              <a:gd name="connsiteX12" fmla="*/ 2665905 w 3722561"/>
+              <a:gd name="connsiteY12" fmla="*/ 747170 h 978250"/>
+              <a:gd name="connsiteX13" fmla="*/ 2199180 w 3722561"/>
+              <a:gd name="connsiteY13" fmla="*/ 737542 h 978250"/>
+              <a:gd name="connsiteX14" fmla="*/ 2142030 w 3722561"/>
+              <a:gd name="connsiteY14" fmla="*/ 958994 h 978250"/>
+              <a:gd name="connsiteX15" fmla="*/ 2018205 w 3722561"/>
+              <a:gd name="connsiteY15" fmla="*/ 756799 h 978250"/>
+              <a:gd name="connsiteX16" fmla="*/ 1589580 w 3722561"/>
+              <a:gd name="connsiteY16" fmla="*/ 737542 h 978250"/>
+              <a:gd name="connsiteX17" fmla="*/ 1046242 w 3722561"/>
+              <a:gd name="connsiteY17" fmla="*/ 748443 h 978250"/>
+              <a:gd name="connsiteX18" fmla="*/ 7706 w 3722561"/>
+              <a:gd name="connsiteY18" fmla="*/ 873495 h 978250"/>
+              <a:gd name="connsiteX19" fmla="*/ 620427 w 3722561"/>
+              <a:gd name="connsiteY19" fmla="*/ 719868 h 978250"/>
+              <a:gd name="connsiteX20" fmla="*/ 0 w 3722561"/>
+              <a:gd name="connsiteY20" fmla="*/ 719868 h 978250"/>
+              <a:gd name="connsiteX21" fmla="*/ 0 w 3722561"/>
+              <a:gd name="connsiteY21" fmla="*/ 599890 h 978250"/>
+              <a:gd name="connsiteX22" fmla="*/ 0 w 3722561"/>
+              <a:gd name="connsiteY22" fmla="*/ 419923 h 978250"/>
+              <a:gd name="connsiteX23" fmla="*/ 0 w 3722561"/>
+              <a:gd name="connsiteY23" fmla="*/ 419923 h 978250"/>
+              <a:gd name="connsiteX24" fmla="*/ 0 w 3722561"/>
+              <a:gd name="connsiteY24" fmla="*/ 0 h 978250"/>
+              <a:gd name="connsiteX0" fmla="*/ 0 w 3722561"/>
+              <a:gd name="connsiteY0" fmla="*/ 0 h 978250"/>
+              <a:gd name="connsiteX1" fmla="*/ 620427 w 3722561"/>
+              <a:gd name="connsiteY1" fmla="*/ 0 h 978250"/>
+              <a:gd name="connsiteX2" fmla="*/ 620427 w 3722561"/>
+              <a:gd name="connsiteY2" fmla="*/ 0 h 978250"/>
+              <a:gd name="connsiteX3" fmla="*/ 1551067 w 3722561"/>
+              <a:gd name="connsiteY3" fmla="*/ 0 h 978250"/>
+              <a:gd name="connsiteX4" fmla="*/ 3722561 w 3722561"/>
+              <a:gd name="connsiteY4" fmla="*/ 0 h 978250"/>
+              <a:gd name="connsiteX5" fmla="*/ 3722561 w 3722561"/>
+              <a:gd name="connsiteY5" fmla="*/ 419923 h 978250"/>
+              <a:gd name="connsiteX6" fmla="*/ 3722561 w 3722561"/>
+              <a:gd name="connsiteY6" fmla="*/ 419923 h 978250"/>
+              <a:gd name="connsiteX7" fmla="*/ 3722561 w 3722561"/>
+              <a:gd name="connsiteY7" fmla="*/ 599890 h 978250"/>
+              <a:gd name="connsiteX8" fmla="*/ 3722561 w 3722561"/>
+              <a:gd name="connsiteY8" fmla="*/ 719868 h 978250"/>
+              <a:gd name="connsiteX9" fmla="*/ 3342180 w 3722561"/>
+              <a:gd name="connsiteY9" fmla="*/ 737542 h 978250"/>
+              <a:gd name="connsiteX10" fmla="*/ 3342180 w 3722561"/>
+              <a:gd name="connsiteY10" fmla="*/ 978250 h 978250"/>
+              <a:gd name="connsiteX11" fmla="*/ 3199305 w 3722561"/>
+              <a:gd name="connsiteY11" fmla="*/ 747169 h 978250"/>
+              <a:gd name="connsiteX12" fmla="*/ 2665905 w 3722561"/>
+              <a:gd name="connsiteY12" fmla="*/ 747170 h 978250"/>
+              <a:gd name="connsiteX13" fmla="*/ 2199180 w 3722561"/>
+              <a:gd name="connsiteY13" fmla="*/ 737542 h 978250"/>
+              <a:gd name="connsiteX14" fmla="*/ 2142030 w 3722561"/>
+              <a:gd name="connsiteY14" fmla="*/ 958994 h 978250"/>
+              <a:gd name="connsiteX15" fmla="*/ 2018205 w 3722561"/>
+              <a:gd name="connsiteY15" fmla="*/ 756799 h 978250"/>
+              <a:gd name="connsiteX16" fmla="*/ 1589580 w 3722561"/>
+              <a:gd name="connsiteY16" fmla="*/ 737542 h 978250"/>
+              <a:gd name="connsiteX17" fmla="*/ 1046242 w 3722561"/>
+              <a:gd name="connsiteY17" fmla="*/ 748443 h 978250"/>
+              <a:gd name="connsiteX18" fmla="*/ 455381 w 3722561"/>
+              <a:gd name="connsiteY18" fmla="*/ 950522 h 978250"/>
+              <a:gd name="connsiteX19" fmla="*/ 620427 w 3722561"/>
+              <a:gd name="connsiteY19" fmla="*/ 719868 h 978250"/>
+              <a:gd name="connsiteX20" fmla="*/ 0 w 3722561"/>
+              <a:gd name="connsiteY20" fmla="*/ 719868 h 978250"/>
+              <a:gd name="connsiteX21" fmla="*/ 0 w 3722561"/>
+              <a:gd name="connsiteY21" fmla="*/ 599890 h 978250"/>
+              <a:gd name="connsiteX22" fmla="*/ 0 w 3722561"/>
+              <a:gd name="connsiteY22" fmla="*/ 419923 h 978250"/>
+              <a:gd name="connsiteX23" fmla="*/ 0 w 3722561"/>
+              <a:gd name="connsiteY23" fmla="*/ 419923 h 978250"/>
+              <a:gd name="connsiteX24" fmla="*/ 0 w 3722561"/>
+              <a:gd name="connsiteY24" fmla="*/ 0 h 978250"/>
+              <a:gd name="connsiteX0" fmla="*/ 0 w 3722561"/>
+              <a:gd name="connsiteY0" fmla="*/ 0 h 978250"/>
+              <a:gd name="connsiteX1" fmla="*/ 620427 w 3722561"/>
+              <a:gd name="connsiteY1" fmla="*/ 0 h 978250"/>
+              <a:gd name="connsiteX2" fmla="*/ 620427 w 3722561"/>
+              <a:gd name="connsiteY2" fmla="*/ 0 h 978250"/>
+              <a:gd name="connsiteX3" fmla="*/ 1551067 w 3722561"/>
+              <a:gd name="connsiteY3" fmla="*/ 0 h 978250"/>
+              <a:gd name="connsiteX4" fmla="*/ 3722561 w 3722561"/>
+              <a:gd name="connsiteY4" fmla="*/ 0 h 978250"/>
+              <a:gd name="connsiteX5" fmla="*/ 3722561 w 3722561"/>
+              <a:gd name="connsiteY5" fmla="*/ 419923 h 978250"/>
+              <a:gd name="connsiteX6" fmla="*/ 3722561 w 3722561"/>
+              <a:gd name="connsiteY6" fmla="*/ 419923 h 978250"/>
+              <a:gd name="connsiteX7" fmla="*/ 3722561 w 3722561"/>
+              <a:gd name="connsiteY7" fmla="*/ 599890 h 978250"/>
+              <a:gd name="connsiteX8" fmla="*/ 3722561 w 3722561"/>
+              <a:gd name="connsiteY8" fmla="*/ 719868 h 978250"/>
+              <a:gd name="connsiteX9" fmla="*/ 3342180 w 3722561"/>
+              <a:gd name="connsiteY9" fmla="*/ 737542 h 978250"/>
+              <a:gd name="connsiteX10" fmla="*/ 3342180 w 3722561"/>
+              <a:gd name="connsiteY10" fmla="*/ 978250 h 978250"/>
+              <a:gd name="connsiteX11" fmla="*/ 3199305 w 3722561"/>
+              <a:gd name="connsiteY11" fmla="*/ 747169 h 978250"/>
+              <a:gd name="connsiteX12" fmla="*/ 2665905 w 3722561"/>
+              <a:gd name="connsiteY12" fmla="*/ 747170 h 978250"/>
+              <a:gd name="connsiteX13" fmla="*/ 2199180 w 3722561"/>
+              <a:gd name="connsiteY13" fmla="*/ 737542 h 978250"/>
+              <a:gd name="connsiteX14" fmla="*/ 2142030 w 3722561"/>
+              <a:gd name="connsiteY14" fmla="*/ 958994 h 978250"/>
+              <a:gd name="connsiteX15" fmla="*/ 2018205 w 3722561"/>
+              <a:gd name="connsiteY15" fmla="*/ 756799 h 978250"/>
+              <a:gd name="connsiteX16" fmla="*/ 1589580 w 3722561"/>
+              <a:gd name="connsiteY16" fmla="*/ 737542 h 978250"/>
+              <a:gd name="connsiteX17" fmla="*/ 1046242 w 3722561"/>
+              <a:gd name="connsiteY17" fmla="*/ 748443 h 978250"/>
+              <a:gd name="connsiteX18" fmla="*/ 626831 w 3722561"/>
+              <a:gd name="connsiteY18" fmla="*/ 950522 h 978250"/>
+              <a:gd name="connsiteX19" fmla="*/ 620427 w 3722561"/>
+              <a:gd name="connsiteY19" fmla="*/ 719868 h 978250"/>
+              <a:gd name="connsiteX20" fmla="*/ 0 w 3722561"/>
+              <a:gd name="connsiteY20" fmla="*/ 719868 h 978250"/>
+              <a:gd name="connsiteX21" fmla="*/ 0 w 3722561"/>
+              <a:gd name="connsiteY21" fmla="*/ 599890 h 978250"/>
+              <a:gd name="connsiteX22" fmla="*/ 0 w 3722561"/>
+              <a:gd name="connsiteY22" fmla="*/ 419923 h 978250"/>
+              <a:gd name="connsiteX23" fmla="*/ 0 w 3722561"/>
+              <a:gd name="connsiteY23" fmla="*/ 419923 h 978250"/>
+              <a:gd name="connsiteX24" fmla="*/ 0 w 3722561"/>
+              <a:gd name="connsiteY24" fmla="*/ 0 h 978250"/>
+              <a:gd name="connsiteX0" fmla="*/ 0 w 3722561"/>
+              <a:gd name="connsiteY0" fmla="*/ 0 h 978250"/>
+              <a:gd name="connsiteX1" fmla="*/ 620427 w 3722561"/>
+              <a:gd name="connsiteY1" fmla="*/ 0 h 978250"/>
+              <a:gd name="connsiteX2" fmla="*/ 620427 w 3722561"/>
+              <a:gd name="connsiteY2" fmla="*/ 0 h 978250"/>
+              <a:gd name="connsiteX3" fmla="*/ 1551067 w 3722561"/>
+              <a:gd name="connsiteY3" fmla="*/ 0 h 978250"/>
+              <a:gd name="connsiteX4" fmla="*/ 3722561 w 3722561"/>
+              <a:gd name="connsiteY4" fmla="*/ 0 h 978250"/>
+              <a:gd name="connsiteX5" fmla="*/ 3722561 w 3722561"/>
+              <a:gd name="connsiteY5" fmla="*/ 419923 h 978250"/>
+              <a:gd name="connsiteX6" fmla="*/ 3722561 w 3722561"/>
+              <a:gd name="connsiteY6" fmla="*/ 419923 h 978250"/>
+              <a:gd name="connsiteX7" fmla="*/ 3722561 w 3722561"/>
+              <a:gd name="connsiteY7" fmla="*/ 599890 h 978250"/>
+              <a:gd name="connsiteX8" fmla="*/ 3722561 w 3722561"/>
+              <a:gd name="connsiteY8" fmla="*/ 719868 h 978250"/>
+              <a:gd name="connsiteX9" fmla="*/ 3342180 w 3722561"/>
+              <a:gd name="connsiteY9" fmla="*/ 737542 h 978250"/>
+              <a:gd name="connsiteX10" fmla="*/ 3342180 w 3722561"/>
+              <a:gd name="connsiteY10" fmla="*/ 978250 h 978250"/>
+              <a:gd name="connsiteX11" fmla="*/ 3199305 w 3722561"/>
+              <a:gd name="connsiteY11" fmla="*/ 747169 h 978250"/>
+              <a:gd name="connsiteX12" fmla="*/ 2665905 w 3722561"/>
+              <a:gd name="connsiteY12" fmla="*/ 747170 h 978250"/>
+              <a:gd name="connsiteX13" fmla="*/ 2199180 w 3722561"/>
+              <a:gd name="connsiteY13" fmla="*/ 737542 h 978250"/>
+              <a:gd name="connsiteX14" fmla="*/ 2142030 w 3722561"/>
+              <a:gd name="connsiteY14" fmla="*/ 958994 h 978250"/>
+              <a:gd name="connsiteX15" fmla="*/ 2018205 w 3722561"/>
+              <a:gd name="connsiteY15" fmla="*/ 756799 h 978250"/>
+              <a:gd name="connsiteX16" fmla="*/ 1589580 w 3722561"/>
+              <a:gd name="connsiteY16" fmla="*/ 737542 h 978250"/>
+              <a:gd name="connsiteX17" fmla="*/ 893842 w 3722561"/>
+              <a:gd name="connsiteY17" fmla="*/ 748443 h 978250"/>
+              <a:gd name="connsiteX18" fmla="*/ 626831 w 3722561"/>
+              <a:gd name="connsiteY18" fmla="*/ 950522 h 978250"/>
+              <a:gd name="connsiteX19" fmla="*/ 620427 w 3722561"/>
+              <a:gd name="connsiteY19" fmla="*/ 719868 h 978250"/>
+              <a:gd name="connsiteX20" fmla="*/ 0 w 3722561"/>
+              <a:gd name="connsiteY20" fmla="*/ 719868 h 978250"/>
+              <a:gd name="connsiteX21" fmla="*/ 0 w 3722561"/>
+              <a:gd name="connsiteY21" fmla="*/ 599890 h 978250"/>
+              <a:gd name="connsiteX22" fmla="*/ 0 w 3722561"/>
+              <a:gd name="connsiteY22" fmla="*/ 419923 h 978250"/>
+              <a:gd name="connsiteX23" fmla="*/ 0 w 3722561"/>
+              <a:gd name="connsiteY23" fmla="*/ 419923 h 978250"/>
+              <a:gd name="connsiteX24" fmla="*/ 0 w 3722561"/>
+              <a:gd name="connsiteY24" fmla="*/ 0 h 978250"/>
+              <a:gd name="connsiteX0" fmla="*/ 0 w 3722561"/>
+              <a:gd name="connsiteY0" fmla="*/ 0 h 978250"/>
+              <a:gd name="connsiteX1" fmla="*/ 620427 w 3722561"/>
+              <a:gd name="connsiteY1" fmla="*/ 0 h 978250"/>
+              <a:gd name="connsiteX2" fmla="*/ 620427 w 3722561"/>
+              <a:gd name="connsiteY2" fmla="*/ 0 h 978250"/>
+              <a:gd name="connsiteX3" fmla="*/ 1551067 w 3722561"/>
+              <a:gd name="connsiteY3" fmla="*/ 0 h 978250"/>
+              <a:gd name="connsiteX4" fmla="*/ 3722561 w 3722561"/>
+              <a:gd name="connsiteY4" fmla="*/ 0 h 978250"/>
+              <a:gd name="connsiteX5" fmla="*/ 3722561 w 3722561"/>
+              <a:gd name="connsiteY5" fmla="*/ 419923 h 978250"/>
+              <a:gd name="connsiteX6" fmla="*/ 3722561 w 3722561"/>
+              <a:gd name="connsiteY6" fmla="*/ 419923 h 978250"/>
+              <a:gd name="connsiteX7" fmla="*/ 3722561 w 3722561"/>
+              <a:gd name="connsiteY7" fmla="*/ 599890 h 978250"/>
+              <a:gd name="connsiteX8" fmla="*/ 3722561 w 3722561"/>
+              <a:gd name="connsiteY8" fmla="*/ 719868 h 978250"/>
+              <a:gd name="connsiteX9" fmla="*/ 3342180 w 3722561"/>
+              <a:gd name="connsiteY9" fmla="*/ 737542 h 978250"/>
+              <a:gd name="connsiteX10" fmla="*/ 3342180 w 3722561"/>
+              <a:gd name="connsiteY10" fmla="*/ 978250 h 978250"/>
+              <a:gd name="connsiteX11" fmla="*/ 3199305 w 3722561"/>
+              <a:gd name="connsiteY11" fmla="*/ 747169 h 978250"/>
+              <a:gd name="connsiteX12" fmla="*/ 2665905 w 3722561"/>
+              <a:gd name="connsiteY12" fmla="*/ 747170 h 978250"/>
+              <a:gd name="connsiteX13" fmla="*/ 2199180 w 3722561"/>
+              <a:gd name="connsiteY13" fmla="*/ 737542 h 978250"/>
+              <a:gd name="connsiteX14" fmla="*/ 2142030 w 3722561"/>
+              <a:gd name="connsiteY14" fmla="*/ 958994 h 978250"/>
+              <a:gd name="connsiteX15" fmla="*/ 2018205 w 3722561"/>
+              <a:gd name="connsiteY15" fmla="*/ 756799 h 978250"/>
+              <a:gd name="connsiteX16" fmla="*/ 1589580 w 3722561"/>
+              <a:gd name="connsiteY16" fmla="*/ 737542 h 978250"/>
+              <a:gd name="connsiteX17" fmla="*/ 789067 w 3722561"/>
+              <a:gd name="connsiteY17" fmla="*/ 758071 h 978250"/>
+              <a:gd name="connsiteX18" fmla="*/ 626831 w 3722561"/>
+              <a:gd name="connsiteY18" fmla="*/ 950522 h 978250"/>
+              <a:gd name="connsiteX19" fmla="*/ 620427 w 3722561"/>
+              <a:gd name="connsiteY19" fmla="*/ 719868 h 978250"/>
+              <a:gd name="connsiteX20" fmla="*/ 0 w 3722561"/>
+              <a:gd name="connsiteY20" fmla="*/ 719868 h 978250"/>
+              <a:gd name="connsiteX21" fmla="*/ 0 w 3722561"/>
+              <a:gd name="connsiteY21" fmla="*/ 599890 h 978250"/>
+              <a:gd name="connsiteX22" fmla="*/ 0 w 3722561"/>
+              <a:gd name="connsiteY22" fmla="*/ 419923 h 978250"/>
+              <a:gd name="connsiteX23" fmla="*/ 0 w 3722561"/>
+              <a:gd name="connsiteY23" fmla="*/ 419923 h 978250"/>
+              <a:gd name="connsiteX24" fmla="*/ 0 w 3722561"/>
+              <a:gd name="connsiteY24" fmla="*/ 0 h 978250"/>
+              <a:gd name="connsiteX0" fmla="*/ 0 w 3722561"/>
+              <a:gd name="connsiteY0" fmla="*/ 0 h 978250"/>
+              <a:gd name="connsiteX1" fmla="*/ 620427 w 3722561"/>
+              <a:gd name="connsiteY1" fmla="*/ 0 h 978250"/>
+              <a:gd name="connsiteX2" fmla="*/ 620427 w 3722561"/>
+              <a:gd name="connsiteY2" fmla="*/ 0 h 978250"/>
+              <a:gd name="connsiteX3" fmla="*/ 1551067 w 3722561"/>
+              <a:gd name="connsiteY3" fmla="*/ 0 h 978250"/>
+              <a:gd name="connsiteX4" fmla="*/ 3722561 w 3722561"/>
+              <a:gd name="connsiteY4" fmla="*/ 0 h 978250"/>
+              <a:gd name="connsiteX5" fmla="*/ 3722561 w 3722561"/>
+              <a:gd name="connsiteY5" fmla="*/ 419923 h 978250"/>
+              <a:gd name="connsiteX6" fmla="*/ 3722561 w 3722561"/>
+              <a:gd name="connsiteY6" fmla="*/ 419923 h 978250"/>
+              <a:gd name="connsiteX7" fmla="*/ 3722561 w 3722561"/>
+              <a:gd name="connsiteY7" fmla="*/ 599890 h 978250"/>
+              <a:gd name="connsiteX8" fmla="*/ 3722561 w 3722561"/>
+              <a:gd name="connsiteY8" fmla="*/ 719868 h 978250"/>
+              <a:gd name="connsiteX9" fmla="*/ 3342180 w 3722561"/>
+              <a:gd name="connsiteY9" fmla="*/ 737542 h 978250"/>
+              <a:gd name="connsiteX10" fmla="*/ 3342180 w 3722561"/>
+              <a:gd name="connsiteY10" fmla="*/ 978250 h 978250"/>
+              <a:gd name="connsiteX11" fmla="*/ 3199305 w 3722561"/>
+              <a:gd name="connsiteY11" fmla="*/ 747169 h 978250"/>
+              <a:gd name="connsiteX12" fmla="*/ 2665905 w 3722561"/>
+              <a:gd name="connsiteY12" fmla="*/ 747170 h 978250"/>
+              <a:gd name="connsiteX13" fmla="*/ 2199180 w 3722561"/>
+              <a:gd name="connsiteY13" fmla="*/ 737542 h 978250"/>
+              <a:gd name="connsiteX14" fmla="*/ 2142030 w 3722561"/>
+              <a:gd name="connsiteY14" fmla="*/ 958994 h 978250"/>
+              <a:gd name="connsiteX15" fmla="*/ 2018205 w 3722561"/>
+              <a:gd name="connsiteY15" fmla="*/ 756799 h 978250"/>
+              <a:gd name="connsiteX16" fmla="*/ 1589580 w 3722561"/>
+              <a:gd name="connsiteY16" fmla="*/ 737542 h 978250"/>
+              <a:gd name="connsiteX17" fmla="*/ 770017 w 3722561"/>
+              <a:gd name="connsiteY17" fmla="*/ 719558 h 978250"/>
+              <a:gd name="connsiteX18" fmla="*/ 626831 w 3722561"/>
+              <a:gd name="connsiteY18" fmla="*/ 950522 h 978250"/>
+              <a:gd name="connsiteX19" fmla="*/ 620427 w 3722561"/>
+              <a:gd name="connsiteY19" fmla="*/ 719868 h 978250"/>
+              <a:gd name="connsiteX20" fmla="*/ 0 w 3722561"/>
+              <a:gd name="connsiteY20" fmla="*/ 719868 h 978250"/>
+              <a:gd name="connsiteX21" fmla="*/ 0 w 3722561"/>
+              <a:gd name="connsiteY21" fmla="*/ 599890 h 978250"/>
+              <a:gd name="connsiteX22" fmla="*/ 0 w 3722561"/>
+              <a:gd name="connsiteY22" fmla="*/ 419923 h 978250"/>
+              <a:gd name="connsiteX23" fmla="*/ 0 w 3722561"/>
+              <a:gd name="connsiteY23" fmla="*/ 419923 h 978250"/>
+              <a:gd name="connsiteX24" fmla="*/ 0 w 3722561"/>
+              <a:gd name="connsiteY24" fmla="*/ 0 h 978250"/>
+              <a:gd name="connsiteX0" fmla="*/ 0 w 3722561"/>
+              <a:gd name="connsiteY0" fmla="*/ 0 h 978250"/>
+              <a:gd name="connsiteX1" fmla="*/ 620427 w 3722561"/>
+              <a:gd name="connsiteY1" fmla="*/ 0 h 978250"/>
+              <a:gd name="connsiteX2" fmla="*/ 620427 w 3722561"/>
+              <a:gd name="connsiteY2" fmla="*/ 0 h 978250"/>
+              <a:gd name="connsiteX3" fmla="*/ 1551067 w 3722561"/>
+              <a:gd name="connsiteY3" fmla="*/ 0 h 978250"/>
+              <a:gd name="connsiteX4" fmla="*/ 3722561 w 3722561"/>
+              <a:gd name="connsiteY4" fmla="*/ 0 h 978250"/>
+              <a:gd name="connsiteX5" fmla="*/ 3722561 w 3722561"/>
+              <a:gd name="connsiteY5" fmla="*/ 419923 h 978250"/>
+              <a:gd name="connsiteX6" fmla="*/ 3722561 w 3722561"/>
+              <a:gd name="connsiteY6" fmla="*/ 419923 h 978250"/>
+              <a:gd name="connsiteX7" fmla="*/ 3722561 w 3722561"/>
+              <a:gd name="connsiteY7" fmla="*/ 599890 h 978250"/>
+              <a:gd name="connsiteX8" fmla="*/ 3722561 w 3722561"/>
+              <a:gd name="connsiteY8" fmla="*/ 719868 h 978250"/>
+              <a:gd name="connsiteX9" fmla="*/ 3342180 w 3722561"/>
+              <a:gd name="connsiteY9" fmla="*/ 737542 h 978250"/>
+              <a:gd name="connsiteX10" fmla="*/ 3342180 w 3722561"/>
+              <a:gd name="connsiteY10" fmla="*/ 978250 h 978250"/>
+              <a:gd name="connsiteX11" fmla="*/ 3199305 w 3722561"/>
+              <a:gd name="connsiteY11" fmla="*/ 747169 h 978250"/>
+              <a:gd name="connsiteX12" fmla="*/ 2665905 w 3722561"/>
+              <a:gd name="connsiteY12" fmla="*/ 747170 h 978250"/>
+              <a:gd name="connsiteX13" fmla="*/ 2199180 w 3722561"/>
+              <a:gd name="connsiteY13" fmla="*/ 737542 h 978250"/>
+              <a:gd name="connsiteX14" fmla="*/ 2142030 w 3722561"/>
+              <a:gd name="connsiteY14" fmla="*/ 958994 h 978250"/>
+              <a:gd name="connsiteX15" fmla="*/ 2018205 w 3722561"/>
+              <a:gd name="connsiteY15" fmla="*/ 756799 h 978250"/>
+              <a:gd name="connsiteX16" fmla="*/ 1589580 w 3722561"/>
+              <a:gd name="connsiteY16" fmla="*/ 708657 h 978250"/>
+              <a:gd name="connsiteX17" fmla="*/ 770017 w 3722561"/>
+              <a:gd name="connsiteY17" fmla="*/ 719558 h 978250"/>
+              <a:gd name="connsiteX18" fmla="*/ 626831 w 3722561"/>
+              <a:gd name="connsiteY18" fmla="*/ 950522 h 978250"/>
+              <a:gd name="connsiteX19" fmla="*/ 620427 w 3722561"/>
+              <a:gd name="connsiteY19" fmla="*/ 719868 h 978250"/>
+              <a:gd name="connsiteX20" fmla="*/ 0 w 3722561"/>
+              <a:gd name="connsiteY20" fmla="*/ 719868 h 978250"/>
+              <a:gd name="connsiteX21" fmla="*/ 0 w 3722561"/>
+              <a:gd name="connsiteY21" fmla="*/ 599890 h 978250"/>
+              <a:gd name="connsiteX22" fmla="*/ 0 w 3722561"/>
+              <a:gd name="connsiteY22" fmla="*/ 419923 h 978250"/>
+              <a:gd name="connsiteX23" fmla="*/ 0 w 3722561"/>
+              <a:gd name="connsiteY23" fmla="*/ 419923 h 978250"/>
+              <a:gd name="connsiteX24" fmla="*/ 0 w 3722561"/>
+              <a:gd name="connsiteY24" fmla="*/ 0 h 978250"/>
+              <a:gd name="connsiteX0" fmla="*/ 0 w 3722561"/>
+              <a:gd name="connsiteY0" fmla="*/ 0 h 978250"/>
+              <a:gd name="connsiteX1" fmla="*/ 620427 w 3722561"/>
+              <a:gd name="connsiteY1" fmla="*/ 0 h 978250"/>
+              <a:gd name="connsiteX2" fmla="*/ 620427 w 3722561"/>
+              <a:gd name="connsiteY2" fmla="*/ 0 h 978250"/>
+              <a:gd name="connsiteX3" fmla="*/ 1551067 w 3722561"/>
+              <a:gd name="connsiteY3" fmla="*/ 0 h 978250"/>
+              <a:gd name="connsiteX4" fmla="*/ 3722561 w 3722561"/>
+              <a:gd name="connsiteY4" fmla="*/ 0 h 978250"/>
+              <a:gd name="connsiteX5" fmla="*/ 3722561 w 3722561"/>
+              <a:gd name="connsiteY5" fmla="*/ 419923 h 978250"/>
+              <a:gd name="connsiteX6" fmla="*/ 3722561 w 3722561"/>
+              <a:gd name="connsiteY6" fmla="*/ 419923 h 978250"/>
+              <a:gd name="connsiteX7" fmla="*/ 3722561 w 3722561"/>
+              <a:gd name="connsiteY7" fmla="*/ 599890 h 978250"/>
+              <a:gd name="connsiteX8" fmla="*/ 3722561 w 3722561"/>
+              <a:gd name="connsiteY8" fmla="*/ 719868 h 978250"/>
+              <a:gd name="connsiteX9" fmla="*/ 3342180 w 3722561"/>
+              <a:gd name="connsiteY9" fmla="*/ 737542 h 978250"/>
+              <a:gd name="connsiteX10" fmla="*/ 3342180 w 3722561"/>
+              <a:gd name="connsiteY10" fmla="*/ 978250 h 978250"/>
+              <a:gd name="connsiteX11" fmla="*/ 3199305 w 3722561"/>
+              <a:gd name="connsiteY11" fmla="*/ 747169 h 978250"/>
+              <a:gd name="connsiteX12" fmla="*/ 2665905 w 3722561"/>
+              <a:gd name="connsiteY12" fmla="*/ 747170 h 978250"/>
+              <a:gd name="connsiteX13" fmla="*/ 2199180 w 3722561"/>
+              <a:gd name="connsiteY13" fmla="*/ 737542 h 978250"/>
+              <a:gd name="connsiteX14" fmla="*/ 2142030 w 3722561"/>
+              <a:gd name="connsiteY14" fmla="*/ 958994 h 978250"/>
+              <a:gd name="connsiteX15" fmla="*/ 2018205 w 3722561"/>
+              <a:gd name="connsiteY15" fmla="*/ 737542 h 978250"/>
+              <a:gd name="connsiteX16" fmla="*/ 1589580 w 3722561"/>
+              <a:gd name="connsiteY16" fmla="*/ 708657 h 978250"/>
+              <a:gd name="connsiteX17" fmla="*/ 770017 w 3722561"/>
+              <a:gd name="connsiteY17" fmla="*/ 719558 h 978250"/>
+              <a:gd name="connsiteX18" fmla="*/ 626831 w 3722561"/>
+              <a:gd name="connsiteY18" fmla="*/ 950522 h 978250"/>
+              <a:gd name="connsiteX19" fmla="*/ 620427 w 3722561"/>
+              <a:gd name="connsiteY19" fmla="*/ 719868 h 978250"/>
+              <a:gd name="connsiteX20" fmla="*/ 0 w 3722561"/>
+              <a:gd name="connsiteY20" fmla="*/ 719868 h 978250"/>
+              <a:gd name="connsiteX21" fmla="*/ 0 w 3722561"/>
+              <a:gd name="connsiteY21" fmla="*/ 599890 h 978250"/>
+              <a:gd name="connsiteX22" fmla="*/ 0 w 3722561"/>
+              <a:gd name="connsiteY22" fmla="*/ 419923 h 978250"/>
+              <a:gd name="connsiteX23" fmla="*/ 0 w 3722561"/>
+              <a:gd name="connsiteY23" fmla="*/ 419923 h 978250"/>
+              <a:gd name="connsiteX24" fmla="*/ 0 w 3722561"/>
+              <a:gd name="connsiteY24" fmla="*/ 0 h 978250"/>
+              <a:gd name="connsiteX0" fmla="*/ 0 w 3722561"/>
+              <a:gd name="connsiteY0" fmla="*/ 0 h 978250"/>
+              <a:gd name="connsiteX1" fmla="*/ 620427 w 3722561"/>
+              <a:gd name="connsiteY1" fmla="*/ 0 h 978250"/>
+              <a:gd name="connsiteX2" fmla="*/ 620427 w 3722561"/>
+              <a:gd name="connsiteY2" fmla="*/ 0 h 978250"/>
+              <a:gd name="connsiteX3" fmla="*/ 1551067 w 3722561"/>
+              <a:gd name="connsiteY3" fmla="*/ 0 h 978250"/>
+              <a:gd name="connsiteX4" fmla="*/ 3722561 w 3722561"/>
+              <a:gd name="connsiteY4" fmla="*/ 0 h 978250"/>
+              <a:gd name="connsiteX5" fmla="*/ 3722561 w 3722561"/>
+              <a:gd name="connsiteY5" fmla="*/ 419923 h 978250"/>
+              <a:gd name="connsiteX6" fmla="*/ 3722561 w 3722561"/>
+              <a:gd name="connsiteY6" fmla="*/ 419923 h 978250"/>
+              <a:gd name="connsiteX7" fmla="*/ 3722561 w 3722561"/>
+              <a:gd name="connsiteY7" fmla="*/ 599890 h 978250"/>
+              <a:gd name="connsiteX8" fmla="*/ 3722561 w 3722561"/>
+              <a:gd name="connsiteY8" fmla="*/ 719868 h 978250"/>
+              <a:gd name="connsiteX9" fmla="*/ 3342180 w 3722561"/>
+              <a:gd name="connsiteY9" fmla="*/ 737542 h 978250"/>
+              <a:gd name="connsiteX10" fmla="*/ 3342180 w 3722561"/>
+              <a:gd name="connsiteY10" fmla="*/ 978250 h 978250"/>
+              <a:gd name="connsiteX11" fmla="*/ 3199305 w 3722561"/>
+              <a:gd name="connsiteY11" fmla="*/ 747169 h 978250"/>
+              <a:gd name="connsiteX12" fmla="*/ 2665905 w 3722561"/>
+              <a:gd name="connsiteY12" fmla="*/ 747170 h 978250"/>
+              <a:gd name="connsiteX13" fmla="*/ 2199180 w 3722561"/>
+              <a:gd name="connsiteY13" fmla="*/ 737542 h 978250"/>
+              <a:gd name="connsiteX14" fmla="*/ 2142030 w 3722561"/>
+              <a:gd name="connsiteY14" fmla="*/ 958994 h 978250"/>
+              <a:gd name="connsiteX15" fmla="*/ 2027730 w 3722561"/>
+              <a:gd name="connsiteY15" fmla="*/ 699029 h 978250"/>
+              <a:gd name="connsiteX16" fmla="*/ 1589580 w 3722561"/>
+              <a:gd name="connsiteY16" fmla="*/ 708657 h 978250"/>
+              <a:gd name="connsiteX17" fmla="*/ 770017 w 3722561"/>
+              <a:gd name="connsiteY17" fmla="*/ 719558 h 978250"/>
+              <a:gd name="connsiteX18" fmla="*/ 626831 w 3722561"/>
+              <a:gd name="connsiteY18" fmla="*/ 950522 h 978250"/>
+              <a:gd name="connsiteX19" fmla="*/ 620427 w 3722561"/>
+              <a:gd name="connsiteY19" fmla="*/ 719868 h 978250"/>
+              <a:gd name="connsiteX20" fmla="*/ 0 w 3722561"/>
+              <a:gd name="connsiteY20" fmla="*/ 719868 h 978250"/>
+              <a:gd name="connsiteX21" fmla="*/ 0 w 3722561"/>
+              <a:gd name="connsiteY21" fmla="*/ 599890 h 978250"/>
+              <a:gd name="connsiteX22" fmla="*/ 0 w 3722561"/>
+              <a:gd name="connsiteY22" fmla="*/ 419923 h 978250"/>
+              <a:gd name="connsiteX23" fmla="*/ 0 w 3722561"/>
+              <a:gd name="connsiteY23" fmla="*/ 419923 h 978250"/>
+              <a:gd name="connsiteX24" fmla="*/ 0 w 3722561"/>
+              <a:gd name="connsiteY24" fmla="*/ 0 h 978250"/>
+              <a:gd name="connsiteX0" fmla="*/ 0 w 3722561"/>
+              <a:gd name="connsiteY0" fmla="*/ 0 h 978250"/>
+              <a:gd name="connsiteX1" fmla="*/ 620427 w 3722561"/>
+              <a:gd name="connsiteY1" fmla="*/ 0 h 978250"/>
+              <a:gd name="connsiteX2" fmla="*/ 620427 w 3722561"/>
+              <a:gd name="connsiteY2" fmla="*/ 0 h 978250"/>
+              <a:gd name="connsiteX3" fmla="*/ 1551067 w 3722561"/>
+              <a:gd name="connsiteY3" fmla="*/ 0 h 978250"/>
+              <a:gd name="connsiteX4" fmla="*/ 3722561 w 3722561"/>
+              <a:gd name="connsiteY4" fmla="*/ 0 h 978250"/>
+              <a:gd name="connsiteX5" fmla="*/ 3722561 w 3722561"/>
+              <a:gd name="connsiteY5" fmla="*/ 419923 h 978250"/>
+              <a:gd name="connsiteX6" fmla="*/ 3722561 w 3722561"/>
+              <a:gd name="connsiteY6" fmla="*/ 419923 h 978250"/>
+              <a:gd name="connsiteX7" fmla="*/ 3722561 w 3722561"/>
+              <a:gd name="connsiteY7" fmla="*/ 599890 h 978250"/>
+              <a:gd name="connsiteX8" fmla="*/ 3722561 w 3722561"/>
+              <a:gd name="connsiteY8" fmla="*/ 719868 h 978250"/>
+              <a:gd name="connsiteX9" fmla="*/ 3342180 w 3722561"/>
+              <a:gd name="connsiteY9" fmla="*/ 737542 h 978250"/>
+              <a:gd name="connsiteX10" fmla="*/ 3342180 w 3722561"/>
+              <a:gd name="connsiteY10" fmla="*/ 978250 h 978250"/>
+              <a:gd name="connsiteX11" fmla="*/ 3199305 w 3722561"/>
+              <a:gd name="connsiteY11" fmla="*/ 747169 h 978250"/>
+              <a:gd name="connsiteX12" fmla="*/ 2665905 w 3722561"/>
+              <a:gd name="connsiteY12" fmla="*/ 747170 h 978250"/>
+              <a:gd name="connsiteX13" fmla="*/ 2199180 w 3722561"/>
+              <a:gd name="connsiteY13" fmla="*/ 737542 h 978250"/>
+              <a:gd name="connsiteX14" fmla="*/ 2142030 w 3722561"/>
+              <a:gd name="connsiteY14" fmla="*/ 958994 h 978250"/>
+              <a:gd name="connsiteX15" fmla="*/ 2027730 w 3722561"/>
+              <a:gd name="connsiteY15" fmla="*/ 718285 h 978250"/>
+              <a:gd name="connsiteX16" fmla="*/ 1589580 w 3722561"/>
+              <a:gd name="connsiteY16" fmla="*/ 708657 h 978250"/>
+              <a:gd name="connsiteX17" fmla="*/ 770017 w 3722561"/>
+              <a:gd name="connsiteY17" fmla="*/ 719558 h 978250"/>
+              <a:gd name="connsiteX18" fmla="*/ 626831 w 3722561"/>
+              <a:gd name="connsiteY18" fmla="*/ 950522 h 978250"/>
+              <a:gd name="connsiteX19" fmla="*/ 620427 w 3722561"/>
+              <a:gd name="connsiteY19" fmla="*/ 719868 h 978250"/>
+              <a:gd name="connsiteX20" fmla="*/ 0 w 3722561"/>
+              <a:gd name="connsiteY20" fmla="*/ 719868 h 978250"/>
+              <a:gd name="connsiteX21" fmla="*/ 0 w 3722561"/>
+              <a:gd name="connsiteY21" fmla="*/ 599890 h 978250"/>
+              <a:gd name="connsiteX22" fmla="*/ 0 w 3722561"/>
+              <a:gd name="connsiteY22" fmla="*/ 419923 h 978250"/>
+              <a:gd name="connsiteX23" fmla="*/ 0 w 3722561"/>
+              <a:gd name="connsiteY23" fmla="*/ 419923 h 978250"/>
+              <a:gd name="connsiteX24" fmla="*/ 0 w 3722561"/>
+              <a:gd name="connsiteY24" fmla="*/ 0 h 978250"/>
+              <a:gd name="connsiteX0" fmla="*/ 0 w 3722561"/>
+              <a:gd name="connsiteY0" fmla="*/ 0 h 978250"/>
+              <a:gd name="connsiteX1" fmla="*/ 620427 w 3722561"/>
+              <a:gd name="connsiteY1" fmla="*/ 0 h 978250"/>
+              <a:gd name="connsiteX2" fmla="*/ 620427 w 3722561"/>
+              <a:gd name="connsiteY2" fmla="*/ 0 h 978250"/>
+              <a:gd name="connsiteX3" fmla="*/ 1551067 w 3722561"/>
+              <a:gd name="connsiteY3" fmla="*/ 0 h 978250"/>
+              <a:gd name="connsiteX4" fmla="*/ 3722561 w 3722561"/>
+              <a:gd name="connsiteY4" fmla="*/ 0 h 978250"/>
+              <a:gd name="connsiteX5" fmla="*/ 3722561 w 3722561"/>
+              <a:gd name="connsiteY5" fmla="*/ 419923 h 978250"/>
+              <a:gd name="connsiteX6" fmla="*/ 3722561 w 3722561"/>
+              <a:gd name="connsiteY6" fmla="*/ 419923 h 978250"/>
+              <a:gd name="connsiteX7" fmla="*/ 3722561 w 3722561"/>
+              <a:gd name="connsiteY7" fmla="*/ 599890 h 978250"/>
+              <a:gd name="connsiteX8" fmla="*/ 3722561 w 3722561"/>
+              <a:gd name="connsiteY8" fmla="*/ 719868 h 978250"/>
+              <a:gd name="connsiteX9" fmla="*/ 3342180 w 3722561"/>
+              <a:gd name="connsiteY9" fmla="*/ 737542 h 978250"/>
+              <a:gd name="connsiteX10" fmla="*/ 3342180 w 3722561"/>
+              <a:gd name="connsiteY10" fmla="*/ 978250 h 978250"/>
+              <a:gd name="connsiteX11" fmla="*/ 3199305 w 3722561"/>
+              <a:gd name="connsiteY11" fmla="*/ 747169 h 978250"/>
+              <a:gd name="connsiteX12" fmla="*/ 2665905 w 3722561"/>
+              <a:gd name="connsiteY12" fmla="*/ 747170 h 978250"/>
+              <a:gd name="connsiteX13" fmla="*/ 2199180 w 3722561"/>
+              <a:gd name="connsiteY13" fmla="*/ 737542 h 978250"/>
+              <a:gd name="connsiteX14" fmla="*/ 2142030 w 3722561"/>
+              <a:gd name="connsiteY14" fmla="*/ 958994 h 978250"/>
+              <a:gd name="connsiteX15" fmla="*/ 2018205 w 3722561"/>
+              <a:gd name="connsiteY15" fmla="*/ 699029 h 978250"/>
+              <a:gd name="connsiteX16" fmla="*/ 1589580 w 3722561"/>
+              <a:gd name="connsiteY16" fmla="*/ 708657 h 978250"/>
+              <a:gd name="connsiteX17" fmla="*/ 770017 w 3722561"/>
+              <a:gd name="connsiteY17" fmla="*/ 719558 h 978250"/>
+              <a:gd name="connsiteX18" fmla="*/ 626831 w 3722561"/>
+              <a:gd name="connsiteY18" fmla="*/ 950522 h 978250"/>
+              <a:gd name="connsiteX19" fmla="*/ 620427 w 3722561"/>
+              <a:gd name="connsiteY19" fmla="*/ 719868 h 978250"/>
+              <a:gd name="connsiteX20" fmla="*/ 0 w 3722561"/>
+              <a:gd name="connsiteY20" fmla="*/ 719868 h 978250"/>
+              <a:gd name="connsiteX21" fmla="*/ 0 w 3722561"/>
+              <a:gd name="connsiteY21" fmla="*/ 599890 h 978250"/>
+              <a:gd name="connsiteX22" fmla="*/ 0 w 3722561"/>
+              <a:gd name="connsiteY22" fmla="*/ 419923 h 978250"/>
+              <a:gd name="connsiteX23" fmla="*/ 0 w 3722561"/>
+              <a:gd name="connsiteY23" fmla="*/ 419923 h 978250"/>
+              <a:gd name="connsiteX24" fmla="*/ 0 w 3722561"/>
+              <a:gd name="connsiteY24" fmla="*/ 0 h 978250"/>
+              <a:gd name="connsiteX0" fmla="*/ 0 w 3722561"/>
+              <a:gd name="connsiteY0" fmla="*/ 0 h 978250"/>
+              <a:gd name="connsiteX1" fmla="*/ 620427 w 3722561"/>
+              <a:gd name="connsiteY1" fmla="*/ 0 h 978250"/>
+              <a:gd name="connsiteX2" fmla="*/ 620427 w 3722561"/>
+              <a:gd name="connsiteY2" fmla="*/ 0 h 978250"/>
+              <a:gd name="connsiteX3" fmla="*/ 1551067 w 3722561"/>
+              <a:gd name="connsiteY3" fmla="*/ 0 h 978250"/>
+              <a:gd name="connsiteX4" fmla="*/ 3722561 w 3722561"/>
+              <a:gd name="connsiteY4" fmla="*/ 0 h 978250"/>
+              <a:gd name="connsiteX5" fmla="*/ 3722561 w 3722561"/>
+              <a:gd name="connsiteY5" fmla="*/ 419923 h 978250"/>
+              <a:gd name="connsiteX6" fmla="*/ 3722561 w 3722561"/>
+              <a:gd name="connsiteY6" fmla="*/ 419923 h 978250"/>
+              <a:gd name="connsiteX7" fmla="*/ 3722561 w 3722561"/>
+              <a:gd name="connsiteY7" fmla="*/ 599890 h 978250"/>
+              <a:gd name="connsiteX8" fmla="*/ 3722561 w 3722561"/>
+              <a:gd name="connsiteY8" fmla="*/ 719868 h 978250"/>
+              <a:gd name="connsiteX9" fmla="*/ 3342180 w 3722561"/>
+              <a:gd name="connsiteY9" fmla="*/ 737542 h 978250"/>
+              <a:gd name="connsiteX10" fmla="*/ 3342180 w 3722561"/>
+              <a:gd name="connsiteY10" fmla="*/ 978250 h 978250"/>
+              <a:gd name="connsiteX11" fmla="*/ 3199305 w 3722561"/>
+              <a:gd name="connsiteY11" fmla="*/ 747169 h 978250"/>
+              <a:gd name="connsiteX12" fmla="*/ 2665905 w 3722561"/>
+              <a:gd name="connsiteY12" fmla="*/ 747170 h 978250"/>
+              <a:gd name="connsiteX13" fmla="*/ 2199180 w 3722561"/>
+              <a:gd name="connsiteY13" fmla="*/ 737542 h 978250"/>
+              <a:gd name="connsiteX14" fmla="*/ 2142030 w 3722561"/>
+              <a:gd name="connsiteY14" fmla="*/ 958994 h 978250"/>
+              <a:gd name="connsiteX15" fmla="*/ 2018205 w 3722561"/>
+              <a:gd name="connsiteY15" fmla="*/ 708657 h 978250"/>
+              <a:gd name="connsiteX16" fmla="*/ 1589580 w 3722561"/>
+              <a:gd name="connsiteY16" fmla="*/ 708657 h 978250"/>
+              <a:gd name="connsiteX17" fmla="*/ 770017 w 3722561"/>
+              <a:gd name="connsiteY17" fmla="*/ 719558 h 978250"/>
+              <a:gd name="connsiteX18" fmla="*/ 626831 w 3722561"/>
+              <a:gd name="connsiteY18" fmla="*/ 950522 h 978250"/>
+              <a:gd name="connsiteX19" fmla="*/ 620427 w 3722561"/>
+              <a:gd name="connsiteY19" fmla="*/ 719868 h 978250"/>
+              <a:gd name="connsiteX20" fmla="*/ 0 w 3722561"/>
+              <a:gd name="connsiteY20" fmla="*/ 719868 h 978250"/>
+              <a:gd name="connsiteX21" fmla="*/ 0 w 3722561"/>
+              <a:gd name="connsiteY21" fmla="*/ 599890 h 978250"/>
+              <a:gd name="connsiteX22" fmla="*/ 0 w 3722561"/>
+              <a:gd name="connsiteY22" fmla="*/ 419923 h 978250"/>
+              <a:gd name="connsiteX23" fmla="*/ 0 w 3722561"/>
+              <a:gd name="connsiteY23" fmla="*/ 419923 h 978250"/>
+              <a:gd name="connsiteX24" fmla="*/ 0 w 3722561"/>
+              <a:gd name="connsiteY24" fmla="*/ 0 h 978250"/>
+              <a:gd name="connsiteX0" fmla="*/ 0 w 3722561"/>
+              <a:gd name="connsiteY0" fmla="*/ 0 h 978250"/>
+              <a:gd name="connsiteX1" fmla="*/ 620427 w 3722561"/>
+              <a:gd name="connsiteY1" fmla="*/ 0 h 978250"/>
+              <a:gd name="connsiteX2" fmla="*/ 620427 w 3722561"/>
+              <a:gd name="connsiteY2" fmla="*/ 0 h 978250"/>
+              <a:gd name="connsiteX3" fmla="*/ 1551067 w 3722561"/>
+              <a:gd name="connsiteY3" fmla="*/ 0 h 978250"/>
+              <a:gd name="connsiteX4" fmla="*/ 3722561 w 3722561"/>
+              <a:gd name="connsiteY4" fmla="*/ 0 h 978250"/>
+              <a:gd name="connsiteX5" fmla="*/ 3722561 w 3722561"/>
+              <a:gd name="connsiteY5" fmla="*/ 419923 h 978250"/>
+              <a:gd name="connsiteX6" fmla="*/ 3722561 w 3722561"/>
+              <a:gd name="connsiteY6" fmla="*/ 419923 h 978250"/>
+              <a:gd name="connsiteX7" fmla="*/ 3722561 w 3722561"/>
+              <a:gd name="connsiteY7" fmla="*/ 599890 h 978250"/>
+              <a:gd name="connsiteX8" fmla="*/ 3722561 w 3722561"/>
+              <a:gd name="connsiteY8" fmla="*/ 719868 h 978250"/>
+              <a:gd name="connsiteX9" fmla="*/ 3342180 w 3722561"/>
+              <a:gd name="connsiteY9" fmla="*/ 737542 h 978250"/>
+              <a:gd name="connsiteX10" fmla="*/ 3342180 w 3722561"/>
+              <a:gd name="connsiteY10" fmla="*/ 978250 h 978250"/>
+              <a:gd name="connsiteX11" fmla="*/ 3199305 w 3722561"/>
+              <a:gd name="connsiteY11" fmla="*/ 747169 h 978250"/>
+              <a:gd name="connsiteX12" fmla="*/ 2665905 w 3722561"/>
+              <a:gd name="connsiteY12" fmla="*/ 747170 h 978250"/>
+              <a:gd name="connsiteX13" fmla="*/ 2180130 w 3722561"/>
+              <a:gd name="connsiteY13" fmla="*/ 699029 h 978250"/>
+              <a:gd name="connsiteX14" fmla="*/ 2142030 w 3722561"/>
+              <a:gd name="connsiteY14" fmla="*/ 958994 h 978250"/>
+              <a:gd name="connsiteX15" fmla="*/ 2018205 w 3722561"/>
+              <a:gd name="connsiteY15" fmla="*/ 708657 h 978250"/>
+              <a:gd name="connsiteX16" fmla="*/ 1589580 w 3722561"/>
+              <a:gd name="connsiteY16" fmla="*/ 708657 h 978250"/>
+              <a:gd name="connsiteX17" fmla="*/ 770017 w 3722561"/>
+              <a:gd name="connsiteY17" fmla="*/ 719558 h 978250"/>
+              <a:gd name="connsiteX18" fmla="*/ 626831 w 3722561"/>
+              <a:gd name="connsiteY18" fmla="*/ 950522 h 978250"/>
+              <a:gd name="connsiteX19" fmla="*/ 620427 w 3722561"/>
+              <a:gd name="connsiteY19" fmla="*/ 719868 h 978250"/>
+              <a:gd name="connsiteX20" fmla="*/ 0 w 3722561"/>
+              <a:gd name="connsiteY20" fmla="*/ 719868 h 978250"/>
+              <a:gd name="connsiteX21" fmla="*/ 0 w 3722561"/>
+              <a:gd name="connsiteY21" fmla="*/ 599890 h 978250"/>
+              <a:gd name="connsiteX22" fmla="*/ 0 w 3722561"/>
+              <a:gd name="connsiteY22" fmla="*/ 419923 h 978250"/>
+              <a:gd name="connsiteX23" fmla="*/ 0 w 3722561"/>
+              <a:gd name="connsiteY23" fmla="*/ 419923 h 978250"/>
+              <a:gd name="connsiteX24" fmla="*/ 0 w 3722561"/>
+              <a:gd name="connsiteY24" fmla="*/ 0 h 978250"/>
+              <a:gd name="connsiteX0" fmla="*/ 0 w 3722561"/>
+              <a:gd name="connsiteY0" fmla="*/ 0 h 978250"/>
+              <a:gd name="connsiteX1" fmla="*/ 620427 w 3722561"/>
+              <a:gd name="connsiteY1" fmla="*/ 0 h 978250"/>
+              <a:gd name="connsiteX2" fmla="*/ 620427 w 3722561"/>
+              <a:gd name="connsiteY2" fmla="*/ 0 h 978250"/>
+              <a:gd name="connsiteX3" fmla="*/ 1551067 w 3722561"/>
+              <a:gd name="connsiteY3" fmla="*/ 0 h 978250"/>
+              <a:gd name="connsiteX4" fmla="*/ 3722561 w 3722561"/>
+              <a:gd name="connsiteY4" fmla="*/ 0 h 978250"/>
+              <a:gd name="connsiteX5" fmla="*/ 3722561 w 3722561"/>
+              <a:gd name="connsiteY5" fmla="*/ 419923 h 978250"/>
+              <a:gd name="connsiteX6" fmla="*/ 3722561 w 3722561"/>
+              <a:gd name="connsiteY6" fmla="*/ 419923 h 978250"/>
+              <a:gd name="connsiteX7" fmla="*/ 3722561 w 3722561"/>
+              <a:gd name="connsiteY7" fmla="*/ 599890 h 978250"/>
+              <a:gd name="connsiteX8" fmla="*/ 3722561 w 3722561"/>
+              <a:gd name="connsiteY8" fmla="*/ 719868 h 978250"/>
+              <a:gd name="connsiteX9" fmla="*/ 3342180 w 3722561"/>
+              <a:gd name="connsiteY9" fmla="*/ 737542 h 978250"/>
+              <a:gd name="connsiteX10" fmla="*/ 3342180 w 3722561"/>
+              <a:gd name="connsiteY10" fmla="*/ 978250 h 978250"/>
+              <a:gd name="connsiteX11" fmla="*/ 3199305 w 3722561"/>
+              <a:gd name="connsiteY11" fmla="*/ 747169 h 978250"/>
+              <a:gd name="connsiteX12" fmla="*/ 2656380 w 3722561"/>
+              <a:gd name="connsiteY12" fmla="*/ 708657 h 978250"/>
+              <a:gd name="connsiteX13" fmla="*/ 2180130 w 3722561"/>
+              <a:gd name="connsiteY13" fmla="*/ 699029 h 978250"/>
+              <a:gd name="connsiteX14" fmla="*/ 2142030 w 3722561"/>
+              <a:gd name="connsiteY14" fmla="*/ 958994 h 978250"/>
+              <a:gd name="connsiteX15" fmla="*/ 2018205 w 3722561"/>
+              <a:gd name="connsiteY15" fmla="*/ 708657 h 978250"/>
+              <a:gd name="connsiteX16" fmla="*/ 1589580 w 3722561"/>
+              <a:gd name="connsiteY16" fmla="*/ 708657 h 978250"/>
+              <a:gd name="connsiteX17" fmla="*/ 770017 w 3722561"/>
+              <a:gd name="connsiteY17" fmla="*/ 719558 h 978250"/>
+              <a:gd name="connsiteX18" fmla="*/ 626831 w 3722561"/>
+              <a:gd name="connsiteY18" fmla="*/ 950522 h 978250"/>
+              <a:gd name="connsiteX19" fmla="*/ 620427 w 3722561"/>
+              <a:gd name="connsiteY19" fmla="*/ 719868 h 978250"/>
+              <a:gd name="connsiteX20" fmla="*/ 0 w 3722561"/>
+              <a:gd name="connsiteY20" fmla="*/ 719868 h 978250"/>
+              <a:gd name="connsiteX21" fmla="*/ 0 w 3722561"/>
+              <a:gd name="connsiteY21" fmla="*/ 599890 h 978250"/>
+              <a:gd name="connsiteX22" fmla="*/ 0 w 3722561"/>
+              <a:gd name="connsiteY22" fmla="*/ 419923 h 978250"/>
+              <a:gd name="connsiteX23" fmla="*/ 0 w 3722561"/>
+              <a:gd name="connsiteY23" fmla="*/ 419923 h 978250"/>
+              <a:gd name="connsiteX24" fmla="*/ 0 w 3722561"/>
+              <a:gd name="connsiteY24" fmla="*/ 0 h 978250"/>
+              <a:gd name="connsiteX0" fmla="*/ 0 w 3722561"/>
+              <a:gd name="connsiteY0" fmla="*/ 0 h 978250"/>
+              <a:gd name="connsiteX1" fmla="*/ 620427 w 3722561"/>
+              <a:gd name="connsiteY1" fmla="*/ 0 h 978250"/>
+              <a:gd name="connsiteX2" fmla="*/ 620427 w 3722561"/>
+              <a:gd name="connsiteY2" fmla="*/ 0 h 978250"/>
+              <a:gd name="connsiteX3" fmla="*/ 1551067 w 3722561"/>
+              <a:gd name="connsiteY3" fmla="*/ 0 h 978250"/>
+              <a:gd name="connsiteX4" fmla="*/ 3722561 w 3722561"/>
+              <a:gd name="connsiteY4" fmla="*/ 0 h 978250"/>
+              <a:gd name="connsiteX5" fmla="*/ 3722561 w 3722561"/>
+              <a:gd name="connsiteY5" fmla="*/ 419923 h 978250"/>
+              <a:gd name="connsiteX6" fmla="*/ 3722561 w 3722561"/>
+              <a:gd name="connsiteY6" fmla="*/ 419923 h 978250"/>
+              <a:gd name="connsiteX7" fmla="*/ 3722561 w 3722561"/>
+              <a:gd name="connsiteY7" fmla="*/ 599890 h 978250"/>
+              <a:gd name="connsiteX8" fmla="*/ 3722561 w 3722561"/>
+              <a:gd name="connsiteY8" fmla="*/ 719868 h 978250"/>
+              <a:gd name="connsiteX9" fmla="*/ 3342180 w 3722561"/>
+              <a:gd name="connsiteY9" fmla="*/ 737542 h 978250"/>
+              <a:gd name="connsiteX10" fmla="*/ 3342180 w 3722561"/>
+              <a:gd name="connsiteY10" fmla="*/ 978250 h 978250"/>
+              <a:gd name="connsiteX11" fmla="*/ 3180255 w 3722561"/>
+              <a:gd name="connsiteY11" fmla="*/ 718284 h 978250"/>
+              <a:gd name="connsiteX12" fmla="*/ 2656380 w 3722561"/>
+              <a:gd name="connsiteY12" fmla="*/ 708657 h 978250"/>
+              <a:gd name="connsiteX13" fmla="*/ 2180130 w 3722561"/>
+              <a:gd name="connsiteY13" fmla="*/ 699029 h 978250"/>
+              <a:gd name="connsiteX14" fmla="*/ 2142030 w 3722561"/>
+              <a:gd name="connsiteY14" fmla="*/ 958994 h 978250"/>
+              <a:gd name="connsiteX15" fmla="*/ 2018205 w 3722561"/>
+              <a:gd name="connsiteY15" fmla="*/ 708657 h 978250"/>
+              <a:gd name="connsiteX16" fmla="*/ 1589580 w 3722561"/>
+              <a:gd name="connsiteY16" fmla="*/ 708657 h 978250"/>
+              <a:gd name="connsiteX17" fmla="*/ 770017 w 3722561"/>
+              <a:gd name="connsiteY17" fmla="*/ 719558 h 978250"/>
+              <a:gd name="connsiteX18" fmla="*/ 626831 w 3722561"/>
+              <a:gd name="connsiteY18" fmla="*/ 950522 h 978250"/>
+              <a:gd name="connsiteX19" fmla="*/ 620427 w 3722561"/>
+              <a:gd name="connsiteY19" fmla="*/ 719868 h 978250"/>
+              <a:gd name="connsiteX20" fmla="*/ 0 w 3722561"/>
+              <a:gd name="connsiteY20" fmla="*/ 719868 h 978250"/>
+              <a:gd name="connsiteX21" fmla="*/ 0 w 3722561"/>
+              <a:gd name="connsiteY21" fmla="*/ 599890 h 978250"/>
+              <a:gd name="connsiteX22" fmla="*/ 0 w 3722561"/>
+              <a:gd name="connsiteY22" fmla="*/ 419923 h 978250"/>
+              <a:gd name="connsiteX23" fmla="*/ 0 w 3722561"/>
+              <a:gd name="connsiteY23" fmla="*/ 419923 h 978250"/>
+              <a:gd name="connsiteX24" fmla="*/ 0 w 3722561"/>
+              <a:gd name="connsiteY24" fmla="*/ 0 h 978250"/>
+              <a:gd name="connsiteX0" fmla="*/ 0 w 3722561"/>
+              <a:gd name="connsiteY0" fmla="*/ 0 h 978250"/>
+              <a:gd name="connsiteX1" fmla="*/ 620427 w 3722561"/>
+              <a:gd name="connsiteY1" fmla="*/ 0 h 978250"/>
+              <a:gd name="connsiteX2" fmla="*/ 620427 w 3722561"/>
+              <a:gd name="connsiteY2" fmla="*/ 0 h 978250"/>
+              <a:gd name="connsiteX3" fmla="*/ 1551067 w 3722561"/>
+              <a:gd name="connsiteY3" fmla="*/ 0 h 978250"/>
+              <a:gd name="connsiteX4" fmla="*/ 3722561 w 3722561"/>
+              <a:gd name="connsiteY4" fmla="*/ 0 h 978250"/>
+              <a:gd name="connsiteX5" fmla="*/ 3722561 w 3722561"/>
+              <a:gd name="connsiteY5" fmla="*/ 419923 h 978250"/>
+              <a:gd name="connsiteX6" fmla="*/ 3722561 w 3722561"/>
+              <a:gd name="connsiteY6" fmla="*/ 419923 h 978250"/>
+              <a:gd name="connsiteX7" fmla="*/ 3722561 w 3722561"/>
+              <a:gd name="connsiteY7" fmla="*/ 599890 h 978250"/>
+              <a:gd name="connsiteX8" fmla="*/ 3722561 w 3722561"/>
+              <a:gd name="connsiteY8" fmla="*/ 719868 h 978250"/>
+              <a:gd name="connsiteX9" fmla="*/ 3361230 w 3722561"/>
+              <a:gd name="connsiteY9" fmla="*/ 699029 h 978250"/>
+              <a:gd name="connsiteX10" fmla="*/ 3342180 w 3722561"/>
+              <a:gd name="connsiteY10" fmla="*/ 978250 h 978250"/>
+              <a:gd name="connsiteX11" fmla="*/ 3180255 w 3722561"/>
+              <a:gd name="connsiteY11" fmla="*/ 718284 h 978250"/>
+              <a:gd name="connsiteX12" fmla="*/ 2656380 w 3722561"/>
+              <a:gd name="connsiteY12" fmla="*/ 708657 h 978250"/>
+              <a:gd name="connsiteX13" fmla="*/ 2180130 w 3722561"/>
+              <a:gd name="connsiteY13" fmla="*/ 699029 h 978250"/>
+              <a:gd name="connsiteX14" fmla="*/ 2142030 w 3722561"/>
+              <a:gd name="connsiteY14" fmla="*/ 958994 h 978250"/>
+              <a:gd name="connsiteX15" fmla="*/ 2018205 w 3722561"/>
+              <a:gd name="connsiteY15" fmla="*/ 708657 h 978250"/>
+              <a:gd name="connsiteX16" fmla="*/ 1589580 w 3722561"/>
+              <a:gd name="connsiteY16" fmla="*/ 708657 h 978250"/>
+              <a:gd name="connsiteX17" fmla="*/ 770017 w 3722561"/>
+              <a:gd name="connsiteY17" fmla="*/ 719558 h 978250"/>
+              <a:gd name="connsiteX18" fmla="*/ 626831 w 3722561"/>
+              <a:gd name="connsiteY18" fmla="*/ 950522 h 978250"/>
+              <a:gd name="connsiteX19" fmla="*/ 620427 w 3722561"/>
+              <a:gd name="connsiteY19" fmla="*/ 719868 h 978250"/>
+              <a:gd name="connsiteX20" fmla="*/ 0 w 3722561"/>
+              <a:gd name="connsiteY20" fmla="*/ 719868 h 978250"/>
+              <a:gd name="connsiteX21" fmla="*/ 0 w 3722561"/>
+              <a:gd name="connsiteY21" fmla="*/ 599890 h 978250"/>
+              <a:gd name="connsiteX22" fmla="*/ 0 w 3722561"/>
+              <a:gd name="connsiteY22" fmla="*/ 419923 h 978250"/>
+              <a:gd name="connsiteX23" fmla="*/ 0 w 3722561"/>
+              <a:gd name="connsiteY23" fmla="*/ 419923 h 978250"/>
+              <a:gd name="connsiteX24" fmla="*/ 0 w 3722561"/>
+              <a:gd name="connsiteY24" fmla="*/ 0 h 978250"/>
+              <a:gd name="connsiteX0" fmla="*/ 0 w 3722561"/>
+              <a:gd name="connsiteY0" fmla="*/ 0 h 978250"/>
+              <a:gd name="connsiteX1" fmla="*/ 620427 w 3722561"/>
+              <a:gd name="connsiteY1" fmla="*/ 0 h 978250"/>
+              <a:gd name="connsiteX2" fmla="*/ 620427 w 3722561"/>
+              <a:gd name="connsiteY2" fmla="*/ 0 h 978250"/>
+              <a:gd name="connsiteX3" fmla="*/ 1551067 w 3722561"/>
+              <a:gd name="connsiteY3" fmla="*/ 0 h 978250"/>
+              <a:gd name="connsiteX4" fmla="*/ 3722561 w 3722561"/>
+              <a:gd name="connsiteY4" fmla="*/ 0 h 978250"/>
+              <a:gd name="connsiteX5" fmla="*/ 3722561 w 3722561"/>
+              <a:gd name="connsiteY5" fmla="*/ 419923 h 978250"/>
+              <a:gd name="connsiteX6" fmla="*/ 3722561 w 3722561"/>
+              <a:gd name="connsiteY6" fmla="*/ 419923 h 978250"/>
+              <a:gd name="connsiteX7" fmla="*/ 3722561 w 3722561"/>
+              <a:gd name="connsiteY7" fmla="*/ 599890 h 978250"/>
+              <a:gd name="connsiteX8" fmla="*/ 3722561 w 3722561"/>
+              <a:gd name="connsiteY8" fmla="*/ 719868 h 978250"/>
+              <a:gd name="connsiteX9" fmla="*/ 3361230 w 3722561"/>
+              <a:gd name="connsiteY9" fmla="*/ 718285 h 978250"/>
+              <a:gd name="connsiteX10" fmla="*/ 3342180 w 3722561"/>
+              <a:gd name="connsiteY10" fmla="*/ 978250 h 978250"/>
+              <a:gd name="connsiteX11" fmla="*/ 3180255 w 3722561"/>
+              <a:gd name="connsiteY11" fmla="*/ 718284 h 978250"/>
+              <a:gd name="connsiteX12" fmla="*/ 2656380 w 3722561"/>
+              <a:gd name="connsiteY12" fmla="*/ 708657 h 978250"/>
+              <a:gd name="connsiteX13" fmla="*/ 2180130 w 3722561"/>
+              <a:gd name="connsiteY13" fmla="*/ 699029 h 978250"/>
+              <a:gd name="connsiteX14" fmla="*/ 2142030 w 3722561"/>
+              <a:gd name="connsiteY14" fmla="*/ 958994 h 978250"/>
+              <a:gd name="connsiteX15" fmla="*/ 2018205 w 3722561"/>
+              <a:gd name="connsiteY15" fmla="*/ 708657 h 978250"/>
+              <a:gd name="connsiteX16" fmla="*/ 1589580 w 3722561"/>
+              <a:gd name="connsiteY16" fmla="*/ 708657 h 978250"/>
+              <a:gd name="connsiteX17" fmla="*/ 770017 w 3722561"/>
+              <a:gd name="connsiteY17" fmla="*/ 719558 h 978250"/>
+              <a:gd name="connsiteX18" fmla="*/ 626831 w 3722561"/>
+              <a:gd name="connsiteY18" fmla="*/ 950522 h 978250"/>
+              <a:gd name="connsiteX19" fmla="*/ 620427 w 3722561"/>
+              <a:gd name="connsiteY19" fmla="*/ 719868 h 978250"/>
+              <a:gd name="connsiteX20" fmla="*/ 0 w 3722561"/>
+              <a:gd name="connsiteY20" fmla="*/ 719868 h 978250"/>
+              <a:gd name="connsiteX21" fmla="*/ 0 w 3722561"/>
+              <a:gd name="connsiteY21" fmla="*/ 599890 h 978250"/>
+              <a:gd name="connsiteX22" fmla="*/ 0 w 3722561"/>
+              <a:gd name="connsiteY22" fmla="*/ 419923 h 978250"/>
+              <a:gd name="connsiteX23" fmla="*/ 0 w 3722561"/>
+              <a:gd name="connsiteY23" fmla="*/ 419923 h 978250"/>
+              <a:gd name="connsiteX24" fmla="*/ 0 w 3722561"/>
+              <a:gd name="connsiteY24" fmla="*/ 0 h 978250"/>
+              <a:gd name="connsiteX0" fmla="*/ 0 w 3722561"/>
+              <a:gd name="connsiteY0" fmla="*/ 0 h 978250"/>
+              <a:gd name="connsiteX1" fmla="*/ 620427 w 3722561"/>
+              <a:gd name="connsiteY1" fmla="*/ 0 h 978250"/>
+              <a:gd name="connsiteX2" fmla="*/ 620427 w 3722561"/>
+              <a:gd name="connsiteY2" fmla="*/ 0 h 978250"/>
+              <a:gd name="connsiteX3" fmla="*/ 1551067 w 3722561"/>
+              <a:gd name="connsiteY3" fmla="*/ 0 h 978250"/>
+              <a:gd name="connsiteX4" fmla="*/ 3722561 w 3722561"/>
+              <a:gd name="connsiteY4" fmla="*/ 0 h 978250"/>
+              <a:gd name="connsiteX5" fmla="*/ 3722561 w 3722561"/>
+              <a:gd name="connsiteY5" fmla="*/ 419923 h 978250"/>
+              <a:gd name="connsiteX6" fmla="*/ 3722561 w 3722561"/>
+              <a:gd name="connsiteY6" fmla="*/ 419923 h 978250"/>
+              <a:gd name="connsiteX7" fmla="*/ 3722561 w 3722561"/>
+              <a:gd name="connsiteY7" fmla="*/ 599890 h 978250"/>
+              <a:gd name="connsiteX8" fmla="*/ 3722561 w 3722561"/>
+              <a:gd name="connsiteY8" fmla="*/ 719868 h 978250"/>
+              <a:gd name="connsiteX9" fmla="*/ 3361230 w 3722561"/>
+              <a:gd name="connsiteY9" fmla="*/ 718285 h 978250"/>
+              <a:gd name="connsiteX10" fmla="*/ 3342180 w 3722561"/>
+              <a:gd name="connsiteY10" fmla="*/ 978250 h 978250"/>
+              <a:gd name="connsiteX11" fmla="*/ 3180255 w 3722561"/>
+              <a:gd name="connsiteY11" fmla="*/ 718284 h 978250"/>
+              <a:gd name="connsiteX12" fmla="*/ 2656380 w 3722561"/>
+              <a:gd name="connsiteY12" fmla="*/ 708657 h 978250"/>
+              <a:gd name="connsiteX13" fmla="*/ 2180130 w 3722561"/>
+              <a:gd name="connsiteY13" fmla="*/ 708657 h 978250"/>
+              <a:gd name="connsiteX14" fmla="*/ 2142030 w 3722561"/>
+              <a:gd name="connsiteY14" fmla="*/ 958994 h 978250"/>
+              <a:gd name="connsiteX15" fmla="*/ 2018205 w 3722561"/>
+              <a:gd name="connsiteY15" fmla="*/ 708657 h 978250"/>
+              <a:gd name="connsiteX16" fmla="*/ 1589580 w 3722561"/>
+              <a:gd name="connsiteY16" fmla="*/ 708657 h 978250"/>
+              <a:gd name="connsiteX17" fmla="*/ 770017 w 3722561"/>
+              <a:gd name="connsiteY17" fmla="*/ 719558 h 978250"/>
+              <a:gd name="connsiteX18" fmla="*/ 626831 w 3722561"/>
+              <a:gd name="connsiteY18" fmla="*/ 950522 h 978250"/>
+              <a:gd name="connsiteX19" fmla="*/ 620427 w 3722561"/>
+              <a:gd name="connsiteY19" fmla="*/ 719868 h 978250"/>
+              <a:gd name="connsiteX20" fmla="*/ 0 w 3722561"/>
+              <a:gd name="connsiteY20" fmla="*/ 719868 h 978250"/>
+              <a:gd name="connsiteX21" fmla="*/ 0 w 3722561"/>
+              <a:gd name="connsiteY21" fmla="*/ 599890 h 978250"/>
+              <a:gd name="connsiteX22" fmla="*/ 0 w 3722561"/>
+              <a:gd name="connsiteY22" fmla="*/ 419923 h 978250"/>
+              <a:gd name="connsiteX23" fmla="*/ 0 w 3722561"/>
+              <a:gd name="connsiteY23" fmla="*/ 419923 h 978250"/>
+              <a:gd name="connsiteX24" fmla="*/ 0 w 3722561"/>
+              <a:gd name="connsiteY24" fmla="*/ 0 h 978250"/>
+              <a:gd name="connsiteX0" fmla="*/ 0 w 3722561"/>
+              <a:gd name="connsiteY0" fmla="*/ 0 h 978250"/>
+              <a:gd name="connsiteX1" fmla="*/ 620427 w 3722561"/>
+              <a:gd name="connsiteY1" fmla="*/ 0 h 978250"/>
+              <a:gd name="connsiteX2" fmla="*/ 620427 w 3722561"/>
+              <a:gd name="connsiteY2" fmla="*/ 0 h 978250"/>
+              <a:gd name="connsiteX3" fmla="*/ 1551067 w 3722561"/>
+              <a:gd name="connsiteY3" fmla="*/ 0 h 978250"/>
+              <a:gd name="connsiteX4" fmla="*/ 3722561 w 3722561"/>
+              <a:gd name="connsiteY4" fmla="*/ 0 h 978250"/>
+              <a:gd name="connsiteX5" fmla="*/ 3722561 w 3722561"/>
+              <a:gd name="connsiteY5" fmla="*/ 419923 h 978250"/>
+              <a:gd name="connsiteX6" fmla="*/ 3722561 w 3722561"/>
+              <a:gd name="connsiteY6" fmla="*/ 419923 h 978250"/>
+              <a:gd name="connsiteX7" fmla="*/ 3722561 w 3722561"/>
+              <a:gd name="connsiteY7" fmla="*/ 599890 h 978250"/>
+              <a:gd name="connsiteX8" fmla="*/ 3722561 w 3722561"/>
+              <a:gd name="connsiteY8" fmla="*/ 719868 h 978250"/>
+              <a:gd name="connsiteX9" fmla="*/ 3361230 w 3722561"/>
+              <a:gd name="connsiteY9" fmla="*/ 718285 h 978250"/>
+              <a:gd name="connsiteX10" fmla="*/ 3342180 w 3722561"/>
+              <a:gd name="connsiteY10" fmla="*/ 978250 h 978250"/>
+              <a:gd name="connsiteX11" fmla="*/ 3180255 w 3722561"/>
+              <a:gd name="connsiteY11" fmla="*/ 718284 h 978250"/>
+              <a:gd name="connsiteX12" fmla="*/ 2656380 w 3722561"/>
+              <a:gd name="connsiteY12" fmla="*/ 708657 h 978250"/>
+              <a:gd name="connsiteX13" fmla="*/ 2180130 w 3722561"/>
+              <a:gd name="connsiteY13" fmla="*/ 708657 h 978250"/>
+              <a:gd name="connsiteX14" fmla="*/ 2142030 w 3722561"/>
+              <a:gd name="connsiteY14" fmla="*/ 958994 h 978250"/>
+              <a:gd name="connsiteX15" fmla="*/ 2018205 w 3722561"/>
+              <a:gd name="connsiteY15" fmla="*/ 708657 h 978250"/>
+              <a:gd name="connsiteX16" fmla="*/ 1589580 w 3722561"/>
+              <a:gd name="connsiteY16" fmla="*/ 708657 h 978250"/>
+              <a:gd name="connsiteX17" fmla="*/ 770017 w 3722561"/>
+              <a:gd name="connsiteY17" fmla="*/ 719558 h 978250"/>
+              <a:gd name="connsiteX18" fmla="*/ 626831 w 3722561"/>
+              <a:gd name="connsiteY18" fmla="*/ 950522 h 978250"/>
+              <a:gd name="connsiteX19" fmla="*/ 620427 w 3722561"/>
+              <a:gd name="connsiteY19" fmla="*/ 719868 h 978250"/>
+              <a:gd name="connsiteX20" fmla="*/ 0 w 3722561"/>
+              <a:gd name="connsiteY20" fmla="*/ 719868 h 978250"/>
+              <a:gd name="connsiteX21" fmla="*/ 0 w 3722561"/>
+              <a:gd name="connsiteY21" fmla="*/ 599890 h 978250"/>
+              <a:gd name="connsiteX22" fmla="*/ 0 w 3722561"/>
+              <a:gd name="connsiteY22" fmla="*/ 419923 h 978250"/>
+              <a:gd name="connsiteX23" fmla="*/ 0 w 3722561"/>
+              <a:gd name="connsiteY23" fmla="*/ 419923 h 978250"/>
+              <a:gd name="connsiteX24" fmla="*/ 0 w 3722561"/>
+              <a:gd name="connsiteY24" fmla="*/ 0 h 978250"/>
+              <a:gd name="connsiteX0" fmla="*/ 0 w 3722561"/>
+              <a:gd name="connsiteY0" fmla="*/ 0 h 978250"/>
+              <a:gd name="connsiteX1" fmla="*/ 620427 w 3722561"/>
+              <a:gd name="connsiteY1" fmla="*/ 0 h 978250"/>
+              <a:gd name="connsiteX2" fmla="*/ 620427 w 3722561"/>
+              <a:gd name="connsiteY2" fmla="*/ 0 h 978250"/>
+              <a:gd name="connsiteX3" fmla="*/ 1551067 w 3722561"/>
+              <a:gd name="connsiteY3" fmla="*/ 0 h 978250"/>
+              <a:gd name="connsiteX4" fmla="*/ 3722561 w 3722561"/>
+              <a:gd name="connsiteY4" fmla="*/ 0 h 978250"/>
+              <a:gd name="connsiteX5" fmla="*/ 3722561 w 3722561"/>
+              <a:gd name="connsiteY5" fmla="*/ 419923 h 978250"/>
+              <a:gd name="connsiteX6" fmla="*/ 3722561 w 3722561"/>
+              <a:gd name="connsiteY6" fmla="*/ 419923 h 978250"/>
+              <a:gd name="connsiteX7" fmla="*/ 3722561 w 3722561"/>
+              <a:gd name="connsiteY7" fmla="*/ 599890 h 978250"/>
+              <a:gd name="connsiteX8" fmla="*/ 3722561 w 3722561"/>
+              <a:gd name="connsiteY8" fmla="*/ 719868 h 978250"/>
+              <a:gd name="connsiteX9" fmla="*/ 3361230 w 3722561"/>
+              <a:gd name="connsiteY9" fmla="*/ 727914 h 978250"/>
+              <a:gd name="connsiteX10" fmla="*/ 3342180 w 3722561"/>
+              <a:gd name="connsiteY10" fmla="*/ 978250 h 978250"/>
+              <a:gd name="connsiteX11" fmla="*/ 3180255 w 3722561"/>
+              <a:gd name="connsiteY11" fmla="*/ 718284 h 978250"/>
+              <a:gd name="connsiteX12" fmla="*/ 2656380 w 3722561"/>
+              <a:gd name="connsiteY12" fmla="*/ 708657 h 978250"/>
+              <a:gd name="connsiteX13" fmla="*/ 2180130 w 3722561"/>
+              <a:gd name="connsiteY13" fmla="*/ 708657 h 978250"/>
+              <a:gd name="connsiteX14" fmla="*/ 2142030 w 3722561"/>
+              <a:gd name="connsiteY14" fmla="*/ 958994 h 978250"/>
+              <a:gd name="connsiteX15" fmla="*/ 2018205 w 3722561"/>
+              <a:gd name="connsiteY15" fmla="*/ 708657 h 978250"/>
+              <a:gd name="connsiteX16" fmla="*/ 1589580 w 3722561"/>
+              <a:gd name="connsiteY16" fmla="*/ 708657 h 978250"/>
+              <a:gd name="connsiteX17" fmla="*/ 770017 w 3722561"/>
+              <a:gd name="connsiteY17" fmla="*/ 719558 h 978250"/>
+              <a:gd name="connsiteX18" fmla="*/ 626831 w 3722561"/>
+              <a:gd name="connsiteY18" fmla="*/ 950522 h 978250"/>
+              <a:gd name="connsiteX19" fmla="*/ 620427 w 3722561"/>
+              <a:gd name="connsiteY19" fmla="*/ 719868 h 978250"/>
+              <a:gd name="connsiteX20" fmla="*/ 0 w 3722561"/>
+              <a:gd name="connsiteY20" fmla="*/ 719868 h 978250"/>
+              <a:gd name="connsiteX21" fmla="*/ 0 w 3722561"/>
+              <a:gd name="connsiteY21" fmla="*/ 599890 h 978250"/>
+              <a:gd name="connsiteX22" fmla="*/ 0 w 3722561"/>
+              <a:gd name="connsiteY22" fmla="*/ 419923 h 978250"/>
+              <a:gd name="connsiteX23" fmla="*/ 0 w 3722561"/>
+              <a:gd name="connsiteY23" fmla="*/ 419923 h 978250"/>
+              <a:gd name="connsiteX24" fmla="*/ 0 w 3722561"/>
+              <a:gd name="connsiteY24" fmla="*/ 0 h 978250"/>
+              <a:gd name="connsiteX0" fmla="*/ 0 w 3722561"/>
+              <a:gd name="connsiteY0" fmla="*/ 0 h 978250"/>
+              <a:gd name="connsiteX1" fmla="*/ 620427 w 3722561"/>
+              <a:gd name="connsiteY1" fmla="*/ 0 h 978250"/>
+              <a:gd name="connsiteX2" fmla="*/ 620427 w 3722561"/>
+              <a:gd name="connsiteY2" fmla="*/ 0 h 978250"/>
+              <a:gd name="connsiteX3" fmla="*/ 1551067 w 3722561"/>
+              <a:gd name="connsiteY3" fmla="*/ 0 h 978250"/>
+              <a:gd name="connsiteX4" fmla="*/ 3722561 w 3722561"/>
+              <a:gd name="connsiteY4" fmla="*/ 0 h 978250"/>
+              <a:gd name="connsiteX5" fmla="*/ 3722561 w 3722561"/>
+              <a:gd name="connsiteY5" fmla="*/ 419923 h 978250"/>
+              <a:gd name="connsiteX6" fmla="*/ 3722561 w 3722561"/>
+              <a:gd name="connsiteY6" fmla="*/ 419923 h 978250"/>
+              <a:gd name="connsiteX7" fmla="*/ 3722561 w 3722561"/>
+              <a:gd name="connsiteY7" fmla="*/ 599890 h 978250"/>
+              <a:gd name="connsiteX8" fmla="*/ 3722561 w 3722561"/>
+              <a:gd name="connsiteY8" fmla="*/ 719868 h 978250"/>
+              <a:gd name="connsiteX9" fmla="*/ 3361230 w 3722561"/>
+              <a:gd name="connsiteY9" fmla="*/ 727914 h 978250"/>
+              <a:gd name="connsiteX10" fmla="*/ 3342180 w 3722561"/>
+              <a:gd name="connsiteY10" fmla="*/ 978250 h 978250"/>
+              <a:gd name="connsiteX11" fmla="*/ 3180255 w 3722561"/>
+              <a:gd name="connsiteY11" fmla="*/ 727913 h 978250"/>
+              <a:gd name="connsiteX12" fmla="*/ 2656380 w 3722561"/>
+              <a:gd name="connsiteY12" fmla="*/ 708657 h 978250"/>
+              <a:gd name="connsiteX13" fmla="*/ 2180130 w 3722561"/>
+              <a:gd name="connsiteY13" fmla="*/ 708657 h 978250"/>
+              <a:gd name="connsiteX14" fmla="*/ 2142030 w 3722561"/>
+              <a:gd name="connsiteY14" fmla="*/ 958994 h 978250"/>
+              <a:gd name="connsiteX15" fmla="*/ 2018205 w 3722561"/>
+              <a:gd name="connsiteY15" fmla="*/ 708657 h 978250"/>
+              <a:gd name="connsiteX16" fmla="*/ 1589580 w 3722561"/>
+              <a:gd name="connsiteY16" fmla="*/ 708657 h 978250"/>
+              <a:gd name="connsiteX17" fmla="*/ 770017 w 3722561"/>
+              <a:gd name="connsiteY17" fmla="*/ 719558 h 978250"/>
+              <a:gd name="connsiteX18" fmla="*/ 626831 w 3722561"/>
+              <a:gd name="connsiteY18" fmla="*/ 950522 h 978250"/>
+              <a:gd name="connsiteX19" fmla="*/ 620427 w 3722561"/>
+              <a:gd name="connsiteY19" fmla="*/ 719868 h 978250"/>
+              <a:gd name="connsiteX20" fmla="*/ 0 w 3722561"/>
+              <a:gd name="connsiteY20" fmla="*/ 719868 h 978250"/>
+              <a:gd name="connsiteX21" fmla="*/ 0 w 3722561"/>
+              <a:gd name="connsiteY21" fmla="*/ 599890 h 978250"/>
+              <a:gd name="connsiteX22" fmla="*/ 0 w 3722561"/>
+              <a:gd name="connsiteY22" fmla="*/ 419923 h 978250"/>
+              <a:gd name="connsiteX23" fmla="*/ 0 w 3722561"/>
+              <a:gd name="connsiteY23" fmla="*/ 419923 h 978250"/>
+              <a:gd name="connsiteX24" fmla="*/ 0 w 3722561"/>
+              <a:gd name="connsiteY24" fmla="*/ 0 h 978250"/>
+              <a:gd name="connsiteX0" fmla="*/ 0 w 3722561"/>
+              <a:gd name="connsiteY0" fmla="*/ 0 h 978250"/>
+              <a:gd name="connsiteX1" fmla="*/ 620427 w 3722561"/>
+              <a:gd name="connsiteY1" fmla="*/ 0 h 978250"/>
+              <a:gd name="connsiteX2" fmla="*/ 620427 w 3722561"/>
+              <a:gd name="connsiteY2" fmla="*/ 0 h 978250"/>
+              <a:gd name="connsiteX3" fmla="*/ 1551067 w 3722561"/>
+              <a:gd name="connsiteY3" fmla="*/ 0 h 978250"/>
+              <a:gd name="connsiteX4" fmla="*/ 3722561 w 3722561"/>
+              <a:gd name="connsiteY4" fmla="*/ 0 h 978250"/>
+              <a:gd name="connsiteX5" fmla="*/ 3722561 w 3722561"/>
+              <a:gd name="connsiteY5" fmla="*/ 419923 h 978250"/>
+              <a:gd name="connsiteX6" fmla="*/ 3722561 w 3722561"/>
+              <a:gd name="connsiteY6" fmla="*/ 419923 h 978250"/>
+              <a:gd name="connsiteX7" fmla="*/ 3722561 w 3722561"/>
+              <a:gd name="connsiteY7" fmla="*/ 599890 h 978250"/>
+              <a:gd name="connsiteX8" fmla="*/ 3722561 w 3722561"/>
+              <a:gd name="connsiteY8" fmla="*/ 719868 h 978250"/>
+              <a:gd name="connsiteX9" fmla="*/ 3361230 w 3722561"/>
+              <a:gd name="connsiteY9" fmla="*/ 727914 h 978250"/>
+              <a:gd name="connsiteX10" fmla="*/ 3342180 w 3722561"/>
+              <a:gd name="connsiteY10" fmla="*/ 978250 h 978250"/>
+              <a:gd name="connsiteX11" fmla="*/ 3180255 w 3722561"/>
+              <a:gd name="connsiteY11" fmla="*/ 727913 h 978250"/>
+              <a:gd name="connsiteX12" fmla="*/ 2665905 w 3722561"/>
+              <a:gd name="connsiteY12" fmla="*/ 737542 h 978250"/>
+              <a:gd name="connsiteX13" fmla="*/ 2180130 w 3722561"/>
+              <a:gd name="connsiteY13" fmla="*/ 708657 h 978250"/>
+              <a:gd name="connsiteX14" fmla="*/ 2142030 w 3722561"/>
+              <a:gd name="connsiteY14" fmla="*/ 958994 h 978250"/>
+              <a:gd name="connsiteX15" fmla="*/ 2018205 w 3722561"/>
+              <a:gd name="connsiteY15" fmla="*/ 708657 h 978250"/>
+              <a:gd name="connsiteX16" fmla="*/ 1589580 w 3722561"/>
+              <a:gd name="connsiteY16" fmla="*/ 708657 h 978250"/>
+              <a:gd name="connsiteX17" fmla="*/ 770017 w 3722561"/>
+              <a:gd name="connsiteY17" fmla="*/ 719558 h 978250"/>
+              <a:gd name="connsiteX18" fmla="*/ 626831 w 3722561"/>
+              <a:gd name="connsiteY18" fmla="*/ 950522 h 978250"/>
+              <a:gd name="connsiteX19" fmla="*/ 620427 w 3722561"/>
+              <a:gd name="connsiteY19" fmla="*/ 719868 h 978250"/>
+              <a:gd name="connsiteX20" fmla="*/ 0 w 3722561"/>
+              <a:gd name="connsiteY20" fmla="*/ 719868 h 978250"/>
+              <a:gd name="connsiteX21" fmla="*/ 0 w 3722561"/>
+              <a:gd name="connsiteY21" fmla="*/ 599890 h 978250"/>
+              <a:gd name="connsiteX22" fmla="*/ 0 w 3722561"/>
+              <a:gd name="connsiteY22" fmla="*/ 419923 h 978250"/>
+              <a:gd name="connsiteX23" fmla="*/ 0 w 3722561"/>
+              <a:gd name="connsiteY23" fmla="*/ 419923 h 978250"/>
+              <a:gd name="connsiteX24" fmla="*/ 0 w 3722561"/>
+              <a:gd name="connsiteY24" fmla="*/ 0 h 978250"/>
+              <a:gd name="connsiteX0" fmla="*/ 0 w 3722561"/>
+              <a:gd name="connsiteY0" fmla="*/ 0 h 978250"/>
+              <a:gd name="connsiteX1" fmla="*/ 620427 w 3722561"/>
+              <a:gd name="connsiteY1" fmla="*/ 0 h 978250"/>
+              <a:gd name="connsiteX2" fmla="*/ 620427 w 3722561"/>
+              <a:gd name="connsiteY2" fmla="*/ 0 h 978250"/>
+              <a:gd name="connsiteX3" fmla="*/ 1551067 w 3722561"/>
+              <a:gd name="connsiteY3" fmla="*/ 0 h 978250"/>
+              <a:gd name="connsiteX4" fmla="*/ 3722561 w 3722561"/>
+              <a:gd name="connsiteY4" fmla="*/ 0 h 978250"/>
+              <a:gd name="connsiteX5" fmla="*/ 3722561 w 3722561"/>
+              <a:gd name="connsiteY5" fmla="*/ 419923 h 978250"/>
+              <a:gd name="connsiteX6" fmla="*/ 3722561 w 3722561"/>
+              <a:gd name="connsiteY6" fmla="*/ 419923 h 978250"/>
+              <a:gd name="connsiteX7" fmla="*/ 3722561 w 3722561"/>
+              <a:gd name="connsiteY7" fmla="*/ 599890 h 978250"/>
+              <a:gd name="connsiteX8" fmla="*/ 3722561 w 3722561"/>
+              <a:gd name="connsiteY8" fmla="*/ 719868 h 978250"/>
+              <a:gd name="connsiteX9" fmla="*/ 3361230 w 3722561"/>
+              <a:gd name="connsiteY9" fmla="*/ 727914 h 978250"/>
+              <a:gd name="connsiteX10" fmla="*/ 3342180 w 3722561"/>
+              <a:gd name="connsiteY10" fmla="*/ 978250 h 978250"/>
+              <a:gd name="connsiteX11" fmla="*/ 3180255 w 3722561"/>
+              <a:gd name="connsiteY11" fmla="*/ 727913 h 978250"/>
+              <a:gd name="connsiteX12" fmla="*/ 2665905 w 3722561"/>
+              <a:gd name="connsiteY12" fmla="*/ 718285 h 978250"/>
+              <a:gd name="connsiteX13" fmla="*/ 2180130 w 3722561"/>
+              <a:gd name="connsiteY13" fmla="*/ 708657 h 978250"/>
+              <a:gd name="connsiteX14" fmla="*/ 2142030 w 3722561"/>
+              <a:gd name="connsiteY14" fmla="*/ 958994 h 978250"/>
+              <a:gd name="connsiteX15" fmla="*/ 2018205 w 3722561"/>
+              <a:gd name="connsiteY15" fmla="*/ 708657 h 978250"/>
+              <a:gd name="connsiteX16" fmla="*/ 1589580 w 3722561"/>
+              <a:gd name="connsiteY16" fmla="*/ 708657 h 978250"/>
+              <a:gd name="connsiteX17" fmla="*/ 770017 w 3722561"/>
+              <a:gd name="connsiteY17" fmla="*/ 719558 h 978250"/>
+              <a:gd name="connsiteX18" fmla="*/ 626831 w 3722561"/>
+              <a:gd name="connsiteY18" fmla="*/ 950522 h 978250"/>
+              <a:gd name="connsiteX19" fmla="*/ 620427 w 3722561"/>
+              <a:gd name="connsiteY19" fmla="*/ 719868 h 978250"/>
+              <a:gd name="connsiteX20" fmla="*/ 0 w 3722561"/>
+              <a:gd name="connsiteY20" fmla="*/ 719868 h 978250"/>
+              <a:gd name="connsiteX21" fmla="*/ 0 w 3722561"/>
+              <a:gd name="connsiteY21" fmla="*/ 599890 h 978250"/>
+              <a:gd name="connsiteX22" fmla="*/ 0 w 3722561"/>
+              <a:gd name="connsiteY22" fmla="*/ 419923 h 978250"/>
+              <a:gd name="connsiteX23" fmla="*/ 0 w 3722561"/>
+              <a:gd name="connsiteY23" fmla="*/ 419923 h 978250"/>
+              <a:gd name="connsiteX24" fmla="*/ 0 w 3722561"/>
+              <a:gd name="connsiteY24" fmla="*/ 0 h 978250"/>
+              <a:gd name="connsiteX0" fmla="*/ 0 w 3722561"/>
+              <a:gd name="connsiteY0" fmla="*/ 0 h 978250"/>
+              <a:gd name="connsiteX1" fmla="*/ 620427 w 3722561"/>
+              <a:gd name="connsiteY1" fmla="*/ 0 h 978250"/>
+              <a:gd name="connsiteX2" fmla="*/ 620427 w 3722561"/>
+              <a:gd name="connsiteY2" fmla="*/ 0 h 978250"/>
+              <a:gd name="connsiteX3" fmla="*/ 1551067 w 3722561"/>
+              <a:gd name="connsiteY3" fmla="*/ 0 h 978250"/>
+              <a:gd name="connsiteX4" fmla="*/ 3722561 w 3722561"/>
+              <a:gd name="connsiteY4" fmla="*/ 0 h 978250"/>
+              <a:gd name="connsiteX5" fmla="*/ 3722561 w 3722561"/>
+              <a:gd name="connsiteY5" fmla="*/ 419923 h 978250"/>
+              <a:gd name="connsiteX6" fmla="*/ 3722561 w 3722561"/>
+              <a:gd name="connsiteY6" fmla="*/ 419923 h 978250"/>
+              <a:gd name="connsiteX7" fmla="*/ 3722561 w 3722561"/>
+              <a:gd name="connsiteY7" fmla="*/ 599890 h 978250"/>
+              <a:gd name="connsiteX8" fmla="*/ 3722561 w 3722561"/>
+              <a:gd name="connsiteY8" fmla="*/ 719868 h 978250"/>
+              <a:gd name="connsiteX9" fmla="*/ 3361230 w 3722561"/>
+              <a:gd name="connsiteY9" fmla="*/ 727914 h 978250"/>
+              <a:gd name="connsiteX10" fmla="*/ 3342180 w 3722561"/>
+              <a:gd name="connsiteY10" fmla="*/ 978250 h 978250"/>
+              <a:gd name="connsiteX11" fmla="*/ 3180255 w 3722561"/>
+              <a:gd name="connsiteY11" fmla="*/ 727913 h 978250"/>
+              <a:gd name="connsiteX12" fmla="*/ 2665905 w 3722561"/>
+              <a:gd name="connsiteY12" fmla="*/ 727914 h 978250"/>
+              <a:gd name="connsiteX13" fmla="*/ 2180130 w 3722561"/>
+              <a:gd name="connsiteY13" fmla="*/ 708657 h 978250"/>
+              <a:gd name="connsiteX14" fmla="*/ 2142030 w 3722561"/>
+              <a:gd name="connsiteY14" fmla="*/ 958994 h 978250"/>
+              <a:gd name="connsiteX15" fmla="*/ 2018205 w 3722561"/>
+              <a:gd name="connsiteY15" fmla="*/ 708657 h 978250"/>
+              <a:gd name="connsiteX16" fmla="*/ 1589580 w 3722561"/>
+              <a:gd name="connsiteY16" fmla="*/ 708657 h 978250"/>
+              <a:gd name="connsiteX17" fmla="*/ 770017 w 3722561"/>
+              <a:gd name="connsiteY17" fmla="*/ 719558 h 978250"/>
+              <a:gd name="connsiteX18" fmla="*/ 626831 w 3722561"/>
+              <a:gd name="connsiteY18" fmla="*/ 950522 h 978250"/>
+              <a:gd name="connsiteX19" fmla="*/ 620427 w 3722561"/>
+              <a:gd name="connsiteY19" fmla="*/ 719868 h 978250"/>
+              <a:gd name="connsiteX20" fmla="*/ 0 w 3722561"/>
+              <a:gd name="connsiteY20" fmla="*/ 719868 h 978250"/>
+              <a:gd name="connsiteX21" fmla="*/ 0 w 3722561"/>
+              <a:gd name="connsiteY21" fmla="*/ 599890 h 978250"/>
+              <a:gd name="connsiteX22" fmla="*/ 0 w 3722561"/>
+              <a:gd name="connsiteY22" fmla="*/ 419923 h 978250"/>
+              <a:gd name="connsiteX23" fmla="*/ 0 w 3722561"/>
+              <a:gd name="connsiteY23" fmla="*/ 419923 h 978250"/>
+              <a:gd name="connsiteX24" fmla="*/ 0 w 3722561"/>
+              <a:gd name="connsiteY24" fmla="*/ 0 h 978250"/>
+              <a:gd name="connsiteX0" fmla="*/ 0 w 3722561"/>
+              <a:gd name="connsiteY0" fmla="*/ 0 h 978250"/>
+              <a:gd name="connsiteX1" fmla="*/ 620427 w 3722561"/>
+              <a:gd name="connsiteY1" fmla="*/ 0 h 978250"/>
+              <a:gd name="connsiteX2" fmla="*/ 620427 w 3722561"/>
+              <a:gd name="connsiteY2" fmla="*/ 0 h 978250"/>
+              <a:gd name="connsiteX3" fmla="*/ 1551067 w 3722561"/>
+              <a:gd name="connsiteY3" fmla="*/ 0 h 978250"/>
+              <a:gd name="connsiteX4" fmla="*/ 3722561 w 3722561"/>
+              <a:gd name="connsiteY4" fmla="*/ 0 h 978250"/>
+              <a:gd name="connsiteX5" fmla="*/ 3722561 w 3722561"/>
+              <a:gd name="connsiteY5" fmla="*/ 419923 h 978250"/>
+              <a:gd name="connsiteX6" fmla="*/ 3722561 w 3722561"/>
+              <a:gd name="connsiteY6" fmla="*/ 419923 h 978250"/>
+              <a:gd name="connsiteX7" fmla="*/ 3722561 w 3722561"/>
+              <a:gd name="connsiteY7" fmla="*/ 599890 h 978250"/>
+              <a:gd name="connsiteX8" fmla="*/ 3722561 w 3722561"/>
+              <a:gd name="connsiteY8" fmla="*/ 719868 h 978250"/>
+              <a:gd name="connsiteX9" fmla="*/ 3361230 w 3722561"/>
+              <a:gd name="connsiteY9" fmla="*/ 727914 h 978250"/>
+              <a:gd name="connsiteX10" fmla="*/ 3342180 w 3722561"/>
+              <a:gd name="connsiteY10" fmla="*/ 978250 h 978250"/>
+              <a:gd name="connsiteX11" fmla="*/ 3180255 w 3722561"/>
+              <a:gd name="connsiteY11" fmla="*/ 727913 h 978250"/>
+              <a:gd name="connsiteX12" fmla="*/ 2656380 w 3722561"/>
+              <a:gd name="connsiteY12" fmla="*/ 718285 h 978250"/>
+              <a:gd name="connsiteX13" fmla="*/ 2180130 w 3722561"/>
+              <a:gd name="connsiteY13" fmla="*/ 708657 h 978250"/>
+              <a:gd name="connsiteX14" fmla="*/ 2142030 w 3722561"/>
+              <a:gd name="connsiteY14" fmla="*/ 958994 h 978250"/>
+              <a:gd name="connsiteX15" fmla="*/ 2018205 w 3722561"/>
+              <a:gd name="connsiteY15" fmla="*/ 708657 h 978250"/>
+              <a:gd name="connsiteX16" fmla="*/ 1589580 w 3722561"/>
+              <a:gd name="connsiteY16" fmla="*/ 708657 h 978250"/>
+              <a:gd name="connsiteX17" fmla="*/ 770017 w 3722561"/>
+              <a:gd name="connsiteY17" fmla="*/ 719558 h 978250"/>
+              <a:gd name="connsiteX18" fmla="*/ 626831 w 3722561"/>
+              <a:gd name="connsiteY18" fmla="*/ 950522 h 978250"/>
+              <a:gd name="connsiteX19" fmla="*/ 620427 w 3722561"/>
+              <a:gd name="connsiteY19" fmla="*/ 719868 h 978250"/>
+              <a:gd name="connsiteX20" fmla="*/ 0 w 3722561"/>
+              <a:gd name="connsiteY20" fmla="*/ 719868 h 978250"/>
+              <a:gd name="connsiteX21" fmla="*/ 0 w 3722561"/>
+              <a:gd name="connsiteY21" fmla="*/ 599890 h 978250"/>
+              <a:gd name="connsiteX22" fmla="*/ 0 w 3722561"/>
+              <a:gd name="connsiteY22" fmla="*/ 419923 h 978250"/>
+              <a:gd name="connsiteX23" fmla="*/ 0 w 3722561"/>
+              <a:gd name="connsiteY23" fmla="*/ 419923 h 978250"/>
+              <a:gd name="connsiteX24" fmla="*/ 0 w 3722561"/>
+              <a:gd name="connsiteY24" fmla="*/ 0 h 978250"/>
+              <a:gd name="connsiteX0" fmla="*/ 0 w 3722561"/>
+              <a:gd name="connsiteY0" fmla="*/ 0 h 978250"/>
+              <a:gd name="connsiteX1" fmla="*/ 620427 w 3722561"/>
+              <a:gd name="connsiteY1" fmla="*/ 0 h 978250"/>
+              <a:gd name="connsiteX2" fmla="*/ 620427 w 3722561"/>
+              <a:gd name="connsiteY2" fmla="*/ 0 h 978250"/>
+              <a:gd name="connsiteX3" fmla="*/ 1551067 w 3722561"/>
+              <a:gd name="connsiteY3" fmla="*/ 0 h 978250"/>
+              <a:gd name="connsiteX4" fmla="*/ 3722561 w 3722561"/>
+              <a:gd name="connsiteY4" fmla="*/ 0 h 978250"/>
+              <a:gd name="connsiteX5" fmla="*/ 3722561 w 3722561"/>
+              <a:gd name="connsiteY5" fmla="*/ 419923 h 978250"/>
+              <a:gd name="connsiteX6" fmla="*/ 3722561 w 3722561"/>
+              <a:gd name="connsiteY6" fmla="*/ 419923 h 978250"/>
+              <a:gd name="connsiteX7" fmla="*/ 3722561 w 3722561"/>
+              <a:gd name="connsiteY7" fmla="*/ 599890 h 978250"/>
+              <a:gd name="connsiteX8" fmla="*/ 3722561 w 3722561"/>
+              <a:gd name="connsiteY8" fmla="*/ 719868 h 978250"/>
+              <a:gd name="connsiteX9" fmla="*/ 3361230 w 3722561"/>
+              <a:gd name="connsiteY9" fmla="*/ 727914 h 978250"/>
+              <a:gd name="connsiteX10" fmla="*/ 3342180 w 3722561"/>
+              <a:gd name="connsiteY10" fmla="*/ 978250 h 978250"/>
+              <a:gd name="connsiteX11" fmla="*/ 3180255 w 3722561"/>
+              <a:gd name="connsiteY11" fmla="*/ 727913 h 978250"/>
+              <a:gd name="connsiteX12" fmla="*/ 2675430 w 3722561"/>
+              <a:gd name="connsiteY12" fmla="*/ 727914 h 978250"/>
+              <a:gd name="connsiteX13" fmla="*/ 2180130 w 3722561"/>
+              <a:gd name="connsiteY13" fmla="*/ 708657 h 978250"/>
+              <a:gd name="connsiteX14" fmla="*/ 2142030 w 3722561"/>
+              <a:gd name="connsiteY14" fmla="*/ 958994 h 978250"/>
+              <a:gd name="connsiteX15" fmla="*/ 2018205 w 3722561"/>
+              <a:gd name="connsiteY15" fmla="*/ 708657 h 978250"/>
+              <a:gd name="connsiteX16" fmla="*/ 1589580 w 3722561"/>
+              <a:gd name="connsiteY16" fmla="*/ 708657 h 978250"/>
+              <a:gd name="connsiteX17" fmla="*/ 770017 w 3722561"/>
+              <a:gd name="connsiteY17" fmla="*/ 719558 h 978250"/>
+              <a:gd name="connsiteX18" fmla="*/ 626831 w 3722561"/>
+              <a:gd name="connsiteY18" fmla="*/ 950522 h 978250"/>
+              <a:gd name="connsiteX19" fmla="*/ 620427 w 3722561"/>
+              <a:gd name="connsiteY19" fmla="*/ 719868 h 978250"/>
+              <a:gd name="connsiteX20" fmla="*/ 0 w 3722561"/>
+              <a:gd name="connsiteY20" fmla="*/ 719868 h 978250"/>
+              <a:gd name="connsiteX21" fmla="*/ 0 w 3722561"/>
+              <a:gd name="connsiteY21" fmla="*/ 599890 h 978250"/>
+              <a:gd name="connsiteX22" fmla="*/ 0 w 3722561"/>
+              <a:gd name="connsiteY22" fmla="*/ 419923 h 978250"/>
+              <a:gd name="connsiteX23" fmla="*/ 0 w 3722561"/>
+              <a:gd name="connsiteY23" fmla="*/ 419923 h 978250"/>
+              <a:gd name="connsiteX24" fmla="*/ 0 w 3722561"/>
+              <a:gd name="connsiteY24" fmla="*/ 0 h 978250"/>
+              <a:gd name="connsiteX0" fmla="*/ 0 w 3722561"/>
+              <a:gd name="connsiteY0" fmla="*/ 0 h 978250"/>
+              <a:gd name="connsiteX1" fmla="*/ 620427 w 3722561"/>
+              <a:gd name="connsiteY1" fmla="*/ 0 h 978250"/>
+              <a:gd name="connsiteX2" fmla="*/ 620427 w 3722561"/>
+              <a:gd name="connsiteY2" fmla="*/ 0 h 978250"/>
+              <a:gd name="connsiteX3" fmla="*/ 1551067 w 3722561"/>
+              <a:gd name="connsiteY3" fmla="*/ 0 h 978250"/>
+              <a:gd name="connsiteX4" fmla="*/ 3722561 w 3722561"/>
+              <a:gd name="connsiteY4" fmla="*/ 0 h 978250"/>
+              <a:gd name="connsiteX5" fmla="*/ 3722561 w 3722561"/>
+              <a:gd name="connsiteY5" fmla="*/ 419923 h 978250"/>
+              <a:gd name="connsiteX6" fmla="*/ 3722561 w 3722561"/>
+              <a:gd name="connsiteY6" fmla="*/ 419923 h 978250"/>
+              <a:gd name="connsiteX7" fmla="*/ 3722561 w 3722561"/>
+              <a:gd name="connsiteY7" fmla="*/ 599890 h 978250"/>
+              <a:gd name="connsiteX8" fmla="*/ 3722561 w 3722561"/>
+              <a:gd name="connsiteY8" fmla="*/ 719868 h 978250"/>
+              <a:gd name="connsiteX9" fmla="*/ 3361230 w 3722561"/>
+              <a:gd name="connsiteY9" fmla="*/ 727914 h 978250"/>
+              <a:gd name="connsiteX10" fmla="*/ 3342180 w 3722561"/>
+              <a:gd name="connsiteY10" fmla="*/ 978250 h 978250"/>
+              <a:gd name="connsiteX11" fmla="*/ 3180255 w 3722561"/>
+              <a:gd name="connsiteY11" fmla="*/ 727913 h 978250"/>
+              <a:gd name="connsiteX12" fmla="*/ 2675430 w 3722561"/>
+              <a:gd name="connsiteY12" fmla="*/ 727914 h 978250"/>
+              <a:gd name="connsiteX13" fmla="*/ 2199180 w 3722561"/>
+              <a:gd name="connsiteY13" fmla="*/ 737542 h 978250"/>
+              <a:gd name="connsiteX14" fmla="*/ 2142030 w 3722561"/>
+              <a:gd name="connsiteY14" fmla="*/ 958994 h 978250"/>
+              <a:gd name="connsiteX15" fmla="*/ 2018205 w 3722561"/>
+              <a:gd name="connsiteY15" fmla="*/ 708657 h 978250"/>
+              <a:gd name="connsiteX16" fmla="*/ 1589580 w 3722561"/>
+              <a:gd name="connsiteY16" fmla="*/ 708657 h 978250"/>
+              <a:gd name="connsiteX17" fmla="*/ 770017 w 3722561"/>
+              <a:gd name="connsiteY17" fmla="*/ 719558 h 978250"/>
+              <a:gd name="connsiteX18" fmla="*/ 626831 w 3722561"/>
+              <a:gd name="connsiteY18" fmla="*/ 950522 h 978250"/>
+              <a:gd name="connsiteX19" fmla="*/ 620427 w 3722561"/>
+              <a:gd name="connsiteY19" fmla="*/ 719868 h 978250"/>
+              <a:gd name="connsiteX20" fmla="*/ 0 w 3722561"/>
+              <a:gd name="connsiteY20" fmla="*/ 719868 h 978250"/>
+              <a:gd name="connsiteX21" fmla="*/ 0 w 3722561"/>
+              <a:gd name="connsiteY21" fmla="*/ 599890 h 978250"/>
+              <a:gd name="connsiteX22" fmla="*/ 0 w 3722561"/>
+              <a:gd name="connsiteY22" fmla="*/ 419923 h 978250"/>
+              <a:gd name="connsiteX23" fmla="*/ 0 w 3722561"/>
+              <a:gd name="connsiteY23" fmla="*/ 419923 h 978250"/>
+              <a:gd name="connsiteX24" fmla="*/ 0 w 3722561"/>
+              <a:gd name="connsiteY24" fmla="*/ 0 h 978250"/>
+              <a:gd name="connsiteX0" fmla="*/ 0 w 3722561"/>
+              <a:gd name="connsiteY0" fmla="*/ 0 h 978250"/>
+              <a:gd name="connsiteX1" fmla="*/ 620427 w 3722561"/>
+              <a:gd name="connsiteY1" fmla="*/ 0 h 978250"/>
+              <a:gd name="connsiteX2" fmla="*/ 620427 w 3722561"/>
+              <a:gd name="connsiteY2" fmla="*/ 0 h 978250"/>
+              <a:gd name="connsiteX3" fmla="*/ 1551067 w 3722561"/>
+              <a:gd name="connsiteY3" fmla="*/ 0 h 978250"/>
+              <a:gd name="connsiteX4" fmla="*/ 3722561 w 3722561"/>
+              <a:gd name="connsiteY4" fmla="*/ 0 h 978250"/>
+              <a:gd name="connsiteX5" fmla="*/ 3722561 w 3722561"/>
+              <a:gd name="connsiteY5" fmla="*/ 419923 h 978250"/>
+              <a:gd name="connsiteX6" fmla="*/ 3722561 w 3722561"/>
+              <a:gd name="connsiteY6" fmla="*/ 419923 h 978250"/>
+              <a:gd name="connsiteX7" fmla="*/ 3722561 w 3722561"/>
+              <a:gd name="connsiteY7" fmla="*/ 599890 h 978250"/>
+              <a:gd name="connsiteX8" fmla="*/ 3722561 w 3722561"/>
+              <a:gd name="connsiteY8" fmla="*/ 719868 h 978250"/>
+              <a:gd name="connsiteX9" fmla="*/ 3361230 w 3722561"/>
+              <a:gd name="connsiteY9" fmla="*/ 727914 h 978250"/>
+              <a:gd name="connsiteX10" fmla="*/ 3342180 w 3722561"/>
+              <a:gd name="connsiteY10" fmla="*/ 978250 h 978250"/>
+              <a:gd name="connsiteX11" fmla="*/ 3180255 w 3722561"/>
+              <a:gd name="connsiteY11" fmla="*/ 727913 h 978250"/>
+              <a:gd name="connsiteX12" fmla="*/ 2675430 w 3722561"/>
+              <a:gd name="connsiteY12" fmla="*/ 727914 h 978250"/>
+              <a:gd name="connsiteX13" fmla="*/ 2199180 w 3722561"/>
+              <a:gd name="connsiteY13" fmla="*/ 718285 h 978250"/>
+              <a:gd name="connsiteX14" fmla="*/ 2142030 w 3722561"/>
+              <a:gd name="connsiteY14" fmla="*/ 958994 h 978250"/>
+              <a:gd name="connsiteX15" fmla="*/ 2018205 w 3722561"/>
+              <a:gd name="connsiteY15" fmla="*/ 708657 h 978250"/>
+              <a:gd name="connsiteX16" fmla="*/ 1589580 w 3722561"/>
+              <a:gd name="connsiteY16" fmla="*/ 708657 h 978250"/>
+              <a:gd name="connsiteX17" fmla="*/ 770017 w 3722561"/>
+              <a:gd name="connsiteY17" fmla="*/ 719558 h 978250"/>
+              <a:gd name="connsiteX18" fmla="*/ 626831 w 3722561"/>
+              <a:gd name="connsiteY18" fmla="*/ 950522 h 978250"/>
+              <a:gd name="connsiteX19" fmla="*/ 620427 w 3722561"/>
+              <a:gd name="connsiteY19" fmla="*/ 719868 h 978250"/>
+              <a:gd name="connsiteX20" fmla="*/ 0 w 3722561"/>
+              <a:gd name="connsiteY20" fmla="*/ 719868 h 978250"/>
+              <a:gd name="connsiteX21" fmla="*/ 0 w 3722561"/>
+              <a:gd name="connsiteY21" fmla="*/ 599890 h 978250"/>
+              <a:gd name="connsiteX22" fmla="*/ 0 w 3722561"/>
+              <a:gd name="connsiteY22" fmla="*/ 419923 h 978250"/>
+              <a:gd name="connsiteX23" fmla="*/ 0 w 3722561"/>
+              <a:gd name="connsiteY23" fmla="*/ 419923 h 978250"/>
+              <a:gd name="connsiteX24" fmla="*/ 0 w 3722561"/>
+              <a:gd name="connsiteY24" fmla="*/ 0 h 978250"/>
+              <a:gd name="connsiteX0" fmla="*/ 0 w 3722561"/>
+              <a:gd name="connsiteY0" fmla="*/ 0 h 978250"/>
+              <a:gd name="connsiteX1" fmla="*/ 620427 w 3722561"/>
+              <a:gd name="connsiteY1" fmla="*/ 0 h 978250"/>
+              <a:gd name="connsiteX2" fmla="*/ 620427 w 3722561"/>
+              <a:gd name="connsiteY2" fmla="*/ 0 h 978250"/>
+              <a:gd name="connsiteX3" fmla="*/ 1551067 w 3722561"/>
+              <a:gd name="connsiteY3" fmla="*/ 0 h 978250"/>
+              <a:gd name="connsiteX4" fmla="*/ 3722561 w 3722561"/>
+              <a:gd name="connsiteY4" fmla="*/ 0 h 978250"/>
+              <a:gd name="connsiteX5" fmla="*/ 3722561 w 3722561"/>
+              <a:gd name="connsiteY5" fmla="*/ 419923 h 978250"/>
+              <a:gd name="connsiteX6" fmla="*/ 3722561 w 3722561"/>
+              <a:gd name="connsiteY6" fmla="*/ 419923 h 978250"/>
+              <a:gd name="connsiteX7" fmla="*/ 3722561 w 3722561"/>
+              <a:gd name="connsiteY7" fmla="*/ 599890 h 978250"/>
+              <a:gd name="connsiteX8" fmla="*/ 3722561 w 3722561"/>
+              <a:gd name="connsiteY8" fmla="*/ 719868 h 978250"/>
+              <a:gd name="connsiteX9" fmla="*/ 3361230 w 3722561"/>
+              <a:gd name="connsiteY9" fmla="*/ 727914 h 978250"/>
+              <a:gd name="connsiteX10" fmla="*/ 3342180 w 3722561"/>
+              <a:gd name="connsiteY10" fmla="*/ 978250 h 978250"/>
+              <a:gd name="connsiteX11" fmla="*/ 3180255 w 3722561"/>
+              <a:gd name="connsiteY11" fmla="*/ 727913 h 978250"/>
+              <a:gd name="connsiteX12" fmla="*/ 2675430 w 3722561"/>
+              <a:gd name="connsiteY12" fmla="*/ 727914 h 978250"/>
+              <a:gd name="connsiteX13" fmla="*/ 2199180 w 3722561"/>
+              <a:gd name="connsiteY13" fmla="*/ 727914 h 978250"/>
+              <a:gd name="connsiteX14" fmla="*/ 2142030 w 3722561"/>
+              <a:gd name="connsiteY14" fmla="*/ 958994 h 978250"/>
+              <a:gd name="connsiteX15" fmla="*/ 2018205 w 3722561"/>
+              <a:gd name="connsiteY15" fmla="*/ 708657 h 978250"/>
+              <a:gd name="connsiteX16" fmla="*/ 1589580 w 3722561"/>
+              <a:gd name="connsiteY16" fmla="*/ 708657 h 978250"/>
+              <a:gd name="connsiteX17" fmla="*/ 770017 w 3722561"/>
+              <a:gd name="connsiteY17" fmla="*/ 719558 h 978250"/>
+              <a:gd name="connsiteX18" fmla="*/ 626831 w 3722561"/>
+              <a:gd name="connsiteY18" fmla="*/ 950522 h 978250"/>
+              <a:gd name="connsiteX19" fmla="*/ 620427 w 3722561"/>
+              <a:gd name="connsiteY19" fmla="*/ 719868 h 978250"/>
+              <a:gd name="connsiteX20" fmla="*/ 0 w 3722561"/>
+              <a:gd name="connsiteY20" fmla="*/ 719868 h 978250"/>
+              <a:gd name="connsiteX21" fmla="*/ 0 w 3722561"/>
+              <a:gd name="connsiteY21" fmla="*/ 599890 h 978250"/>
+              <a:gd name="connsiteX22" fmla="*/ 0 w 3722561"/>
+              <a:gd name="connsiteY22" fmla="*/ 419923 h 978250"/>
+              <a:gd name="connsiteX23" fmla="*/ 0 w 3722561"/>
+              <a:gd name="connsiteY23" fmla="*/ 419923 h 978250"/>
+              <a:gd name="connsiteX24" fmla="*/ 0 w 3722561"/>
+              <a:gd name="connsiteY24" fmla="*/ 0 h 978250"/>
+              <a:gd name="connsiteX0" fmla="*/ 0 w 3722561"/>
+              <a:gd name="connsiteY0" fmla="*/ 0 h 978250"/>
+              <a:gd name="connsiteX1" fmla="*/ 620427 w 3722561"/>
+              <a:gd name="connsiteY1" fmla="*/ 0 h 978250"/>
+              <a:gd name="connsiteX2" fmla="*/ 620427 w 3722561"/>
+              <a:gd name="connsiteY2" fmla="*/ 0 h 978250"/>
+              <a:gd name="connsiteX3" fmla="*/ 1551067 w 3722561"/>
+              <a:gd name="connsiteY3" fmla="*/ 0 h 978250"/>
+              <a:gd name="connsiteX4" fmla="*/ 3722561 w 3722561"/>
+              <a:gd name="connsiteY4" fmla="*/ 0 h 978250"/>
+              <a:gd name="connsiteX5" fmla="*/ 3722561 w 3722561"/>
+              <a:gd name="connsiteY5" fmla="*/ 419923 h 978250"/>
+              <a:gd name="connsiteX6" fmla="*/ 3722561 w 3722561"/>
+              <a:gd name="connsiteY6" fmla="*/ 419923 h 978250"/>
+              <a:gd name="connsiteX7" fmla="*/ 3722561 w 3722561"/>
+              <a:gd name="connsiteY7" fmla="*/ 599890 h 978250"/>
+              <a:gd name="connsiteX8" fmla="*/ 3722561 w 3722561"/>
+              <a:gd name="connsiteY8" fmla="*/ 719868 h 978250"/>
+              <a:gd name="connsiteX9" fmla="*/ 3361230 w 3722561"/>
+              <a:gd name="connsiteY9" fmla="*/ 727914 h 978250"/>
+              <a:gd name="connsiteX10" fmla="*/ 3342180 w 3722561"/>
+              <a:gd name="connsiteY10" fmla="*/ 978250 h 978250"/>
+              <a:gd name="connsiteX11" fmla="*/ 3180255 w 3722561"/>
+              <a:gd name="connsiteY11" fmla="*/ 727913 h 978250"/>
+              <a:gd name="connsiteX12" fmla="*/ 2675430 w 3722561"/>
+              <a:gd name="connsiteY12" fmla="*/ 727914 h 978250"/>
+              <a:gd name="connsiteX13" fmla="*/ 2199180 w 3722561"/>
+              <a:gd name="connsiteY13" fmla="*/ 727914 h 978250"/>
+              <a:gd name="connsiteX14" fmla="*/ 2142030 w 3722561"/>
+              <a:gd name="connsiteY14" fmla="*/ 958994 h 978250"/>
+              <a:gd name="connsiteX15" fmla="*/ 2018205 w 3722561"/>
+              <a:gd name="connsiteY15" fmla="*/ 727914 h 978250"/>
+              <a:gd name="connsiteX16" fmla="*/ 1589580 w 3722561"/>
+              <a:gd name="connsiteY16" fmla="*/ 708657 h 978250"/>
+              <a:gd name="connsiteX17" fmla="*/ 770017 w 3722561"/>
+              <a:gd name="connsiteY17" fmla="*/ 719558 h 978250"/>
+              <a:gd name="connsiteX18" fmla="*/ 626831 w 3722561"/>
+              <a:gd name="connsiteY18" fmla="*/ 950522 h 978250"/>
+              <a:gd name="connsiteX19" fmla="*/ 620427 w 3722561"/>
+              <a:gd name="connsiteY19" fmla="*/ 719868 h 978250"/>
+              <a:gd name="connsiteX20" fmla="*/ 0 w 3722561"/>
+              <a:gd name="connsiteY20" fmla="*/ 719868 h 978250"/>
+              <a:gd name="connsiteX21" fmla="*/ 0 w 3722561"/>
+              <a:gd name="connsiteY21" fmla="*/ 599890 h 978250"/>
+              <a:gd name="connsiteX22" fmla="*/ 0 w 3722561"/>
+              <a:gd name="connsiteY22" fmla="*/ 419923 h 978250"/>
+              <a:gd name="connsiteX23" fmla="*/ 0 w 3722561"/>
+              <a:gd name="connsiteY23" fmla="*/ 419923 h 978250"/>
+              <a:gd name="connsiteX24" fmla="*/ 0 w 3722561"/>
+              <a:gd name="connsiteY24" fmla="*/ 0 h 978250"/>
+              <a:gd name="connsiteX0" fmla="*/ 0 w 3722561"/>
+              <a:gd name="connsiteY0" fmla="*/ 0 h 978250"/>
+              <a:gd name="connsiteX1" fmla="*/ 620427 w 3722561"/>
+              <a:gd name="connsiteY1" fmla="*/ 0 h 978250"/>
+              <a:gd name="connsiteX2" fmla="*/ 620427 w 3722561"/>
+              <a:gd name="connsiteY2" fmla="*/ 0 h 978250"/>
+              <a:gd name="connsiteX3" fmla="*/ 1551067 w 3722561"/>
+              <a:gd name="connsiteY3" fmla="*/ 0 h 978250"/>
+              <a:gd name="connsiteX4" fmla="*/ 3722561 w 3722561"/>
+              <a:gd name="connsiteY4" fmla="*/ 0 h 978250"/>
+              <a:gd name="connsiteX5" fmla="*/ 3722561 w 3722561"/>
+              <a:gd name="connsiteY5" fmla="*/ 419923 h 978250"/>
+              <a:gd name="connsiteX6" fmla="*/ 3722561 w 3722561"/>
+              <a:gd name="connsiteY6" fmla="*/ 419923 h 978250"/>
+              <a:gd name="connsiteX7" fmla="*/ 3722561 w 3722561"/>
+              <a:gd name="connsiteY7" fmla="*/ 599890 h 978250"/>
+              <a:gd name="connsiteX8" fmla="*/ 3722561 w 3722561"/>
+              <a:gd name="connsiteY8" fmla="*/ 719868 h 978250"/>
+              <a:gd name="connsiteX9" fmla="*/ 3361230 w 3722561"/>
+              <a:gd name="connsiteY9" fmla="*/ 727914 h 978250"/>
+              <a:gd name="connsiteX10" fmla="*/ 3342180 w 3722561"/>
+              <a:gd name="connsiteY10" fmla="*/ 978250 h 978250"/>
+              <a:gd name="connsiteX11" fmla="*/ 3180255 w 3722561"/>
+              <a:gd name="connsiteY11" fmla="*/ 727913 h 978250"/>
+              <a:gd name="connsiteX12" fmla="*/ 2675430 w 3722561"/>
+              <a:gd name="connsiteY12" fmla="*/ 727914 h 978250"/>
+              <a:gd name="connsiteX13" fmla="*/ 2199180 w 3722561"/>
+              <a:gd name="connsiteY13" fmla="*/ 727914 h 978250"/>
+              <a:gd name="connsiteX14" fmla="*/ 2142030 w 3722561"/>
+              <a:gd name="connsiteY14" fmla="*/ 958994 h 978250"/>
+              <a:gd name="connsiteX15" fmla="*/ 2018205 w 3722561"/>
+              <a:gd name="connsiteY15" fmla="*/ 727914 h 978250"/>
+              <a:gd name="connsiteX16" fmla="*/ 1599105 w 3722561"/>
+              <a:gd name="connsiteY16" fmla="*/ 737542 h 978250"/>
+              <a:gd name="connsiteX17" fmla="*/ 770017 w 3722561"/>
+              <a:gd name="connsiteY17" fmla="*/ 719558 h 978250"/>
+              <a:gd name="connsiteX18" fmla="*/ 626831 w 3722561"/>
+              <a:gd name="connsiteY18" fmla="*/ 950522 h 978250"/>
+              <a:gd name="connsiteX19" fmla="*/ 620427 w 3722561"/>
+              <a:gd name="connsiteY19" fmla="*/ 719868 h 978250"/>
+              <a:gd name="connsiteX20" fmla="*/ 0 w 3722561"/>
+              <a:gd name="connsiteY20" fmla="*/ 719868 h 978250"/>
+              <a:gd name="connsiteX21" fmla="*/ 0 w 3722561"/>
+              <a:gd name="connsiteY21" fmla="*/ 599890 h 978250"/>
+              <a:gd name="connsiteX22" fmla="*/ 0 w 3722561"/>
+              <a:gd name="connsiteY22" fmla="*/ 419923 h 978250"/>
+              <a:gd name="connsiteX23" fmla="*/ 0 w 3722561"/>
+              <a:gd name="connsiteY23" fmla="*/ 419923 h 978250"/>
+              <a:gd name="connsiteX24" fmla="*/ 0 w 3722561"/>
+              <a:gd name="connsiteY24" fmla="*/ 0 h 978250"/>
+              <a:gd name="connsiteX0" fmla="*/ 0 w 3722561"/>
+              <a:gd name="connsiteY0" fmla="*/ 0 h 978250"/>
+              <a:gd name="connsiteX1" fmla="*/ 620427 w 3722561"/>
+              <a:gd name="connsiteY1" fmla="*/ 0 h 978250"/>
+              <a:gd name="connsiteX2" fmla="*/ 620427 w 3722561"/>
+              <a:gd name="connsiteY2" fmla="*/ 0 h 978250"/>
+              <a:gd name="connsiteX3" fmla="*/ 1551067 w 3722561"/>
+              <a:gd name="connsiteY3" fmla="*/ 0 h 978250"/>
+              <a:gd name="connsiteX4" fmla="*/ 3722561 w 3722561"/>
+              <a:gd name="connsiteY4" fmla="*/ 0 h 978250"/>
+              <a:gd name="connsiteX5" fmla="*/ 3722561 w 3722561"/>
+              <a:gd name="connsiteY5" fmla="*/ 419923 h 978250"/>
+              <a:gd name="connsiteX6" fmla="*/ 3722561 w 3722561"/>
+              <a:gd name="connsiteY6" fmla="*/ 419923 h 978250"/>
+              <a:gd name="connsiteX7" fmla="*/ 3722561 w 3722561"/>
+              <a:gd name="connsiteY7" fmla="*/ 599890 h 978250"/>
+              <a:gd name="connsiteX8" fmla="*/ 3722561 w 3722561"/>
+              <a:gd name="connsiteY8" fmla="*/ 719868 h 978250"/>
+              <a:gd name="connsiteX9" fmla="*/ 3361230 w 3722561"/>
+              <a:gd name="connsiteY9" fmla="*/ 727914 h 978250"/>
+              <a:gd name="connsiteX10" fmla="*/ 3342180 w 3722561"/>
+              <a:gd name="connsiteY10" fmla="*/ 978250 h 978250"/>
+              <a:gd name="connsiteX11" fmla="*/ 3180255 w 3722561"/>
+              <a:gd name="connsiteY11" fmla="*/ 727913 h 978250"/>
+              <a:gd name="connsiteX12" fmla="*/ 2675430 w 3722561"/>
+              <a:gd name="connsiteY12" fmla="*/ 727914 h 978250"/>
+              <a:gd name="connsiteX13" fmla="*/ 2199180 w 3722561"/>
+              <a:gd name="connsiteY13" fmla="*/ 727914 h 978250"/>
+              <a:gd name="connsiteX14" fmla="*/ 2142030 w 3722561"/>
+              <a:gd name="connsiteY14" fmla="*/ 958994 h 978250"/>
+              <a:gd name="connsiteX15" fmla="*/ 2018205 w 3722561"/>
+              <a:gd name="connsiteY15" fmla="*/ 727914 h 978250"/>
+              <a:gd name="connsiteX16" fmla="*/ 1608630 w 3722561"/>
+              <a:gd name="connsiteY16" fmla="*/ 727914 h 978250"/>
+              <a:gd name="connsiteX17" fmla="*/ 770017 w 3722561"/>
+              <a:gd name="connsiteY17" fmla="*/ 719558 h 978250"/>
+              <a:gd name="connsiteX18" fmla="*/ 626831 w 3722561"/>
+              <a:gd name="connsiteY18" fmla="*/ 950522 h 978250"/>
+              <a:gd name="connsiteX19" fmla="*/ 620427 w 3722561"/>
+              <a:gd name="connsiteY19" fmla="*/ 719868 h 978250"/>
+              <a:gd name="connsiteX20" fmla="*/ 0 w 3722561"/>
+              <a:gd name="connsiteY20" fmla="*/ 719868 h 978250"/>
+              <a:gd name="connsiteX21" fmla="*/ 0 w 3722561"/>
+              <a:gd name="connsiteY21" fmla="*/ 599890 h 978250"/>
+              <a:gd name="connsiteX22" fmla="*/ 0 w 3722561"/>
+              <a:gd name="connsiteY22" fmla="*/ 419923 h 978250"/>
+              <a:gd name="connsiteX23" fmla="*/ 0 w 3722561"/>
+              <a:gd name="connsiteY23" fmla="*/ 419923 h 978250"/>
+              <a:gd name="connsiteX24" fmla="*/ 0 w 3722561"/>
+              <a:gd name="connsiteY24" fmla="*/ 0 h 978250"/>
+              <a:gd name="connsiteX0" fmla="*/ 0 w 3722561"/>
+              <a:gd name="connsiteY0" fmla="*/ 0 h 978250"/>
+              <a:gd name="connsiteX1" fmla="*/ 620427 w 3722561"/>
+              <a:gd name="connsiteY1" fmla="*/ 0 h 978250"/>
+              <a:gd name="connsiteX2" fmla="*/ 620427 w 3722561"/>
+              <a:gd name="connsiteY2" fmla="*/ 0 h 978250"/>
+              <a:gd name="connsiteX3" fmla="*/ 1551067 w 3722561"/>
+              <a:gd name="connsiteY3" fmla="*/ 0 h 978250"/>
+              <a:gd name="connsiteX4" fmla="*/ 3722561 w 3722561"/>
+              <a:gd name="connsiteY4" fmla="*/ 0 h 978250"/>
+              <a:gd name="connsiteX5" fmla="*/ 3722561 w 3722561"/>
+              <a:gd name="connsiteY5" fmla="*/ 419923 h 978250"/>
+              <a:gd name="connsiteX6" fmla="*/ 3722561 w 3722561"/>
+              <a:gd name="connsiteY6" fmla="*/ 419923 h 978250"/>
+              <a:gd name="connsiteX7" fmla="*/ 3722561 w 3722561"/>
+              <a:gd name="connsiteY7" fmla="*/ 599890 h 978250"/>
+              <a:gd name="connsiteX8" fmla="*/ 3722561 w 3722561"/>
+              <a:gd name="connsiteY8" fmla="*/ 719868 h 978250"/>
+              <a:gd name="connsiteX9" fmla="*/ 3361230 w 3722561"/>
+              <a:gd name="connsiteY9" fmla="*/ 727914 h 978250"/>
+              <a:gd name="connsiteX10" fmla="*/ 3342180 w 3722561"/>
+              <a:gd name="connsiteY10" fmla="*/ 978250 h 978250"/>
+              <a:gd name="connsiteX11" fmla="*/ 3180255 w 3722561"/>
+              <a:gd name="connsiteY11" fmla="*/ 727913 h 978250"/>
+              <a:gd name="connsiteX12" fmla="*/ 2675430 w 3722561"/>
+              <a:gd name="connsiteY12" fmla="*/ 727914 h 978250"/>
+              <a:gd name="connsiteX13" fmla="*/ 2199180 w 3722561"/>
+              <a:gd name="connsiteY13" fmla="*/ 727914 h 978250"/>
+              <a:gd name="connsiteX14" fmla="*/ 2142030 w 3722561"/>
+              <a:gd name="connsiteY14" fmla="*/ 958994 h 978250"/>
+              <a:gd name="connsiteX15" fmla="*/ 2018205 w 3722561"/>
+              <a:gd name="connsiteY15" fmla="*/ 727914 h 978250"/>
+              <a:gd name="connsiteX16" fmla="*/ 1608630 w 3722561"/>
+              <a:gd name="connsiteY16" fmla="*/ 727914 h 978250"/>
+              <a:gd name="connsiteX17" fmla="*/ 770017 w 3722561"/>
+              <a:gd name="connsiteY17" fmla="*/ 738815 h 978250"/>
+              <a:gd name="connsiteX18" fmla="*/ 626831 w 3722561"/>
+              <a:gd name="connsiteY18" fmla="*/ 950522 h 978250"/>
+              <a:gd name="connsiteX19" fmla="*/ 620427 w 3722561"/>
+              <a:gd name="connsiteY19" fmla="*/ 719868 h 978250"/>
+              <a:gd name="connsiteX20" fmla="*/ 0 w 3722561"/>
+              <a:gd name="connsiteY20" fmla="*/ 719868 h 978250"/>
+              <a:gd name="connsiteX21" fmla="*/ 0 w 3722561"/>
+              <a:gd name="connsiteY21" fmla="*/ 599890 h 978250"/>
+              <a:gd name="connsiteX22" fmla="*/ 0 w 3722561"/>
+              <a:gd name="connsiteY22" fmla="*/ 419923 h 978250"/>
+              <a:gd name="connsiteX23" fmla="*/ 0 w 3722561"/>
+              <a:gd name="connsiteY23" fmla="*/ 419923 h 978250"/>
+              <a:gd name="connsiteX24" fmla="*/ 0 w 3722561"/>
+              <a:gd name="connsiteY24" fmla="*/ 0 h 978250"/>
+              <a:gd name="connsiteX0" fmla="*/ 0 w 3722561"/>
+              <a:gd name="connsiteY0" fmla="*/ 0 h 978250"/>
+              <a:gd name="connsiteX1" fmla="*/ 620427 w 3722561"/>
+              <a:gd name="connsiteY1" fmla="*/ 0 h 978250"/>
+              <a:gd name="connsiteX2" fmla="*/ 620427 w 3722561"/>
+              <a:gd name="connsiteY2" fmla="*/ 0 h 978250"/>
+              <a:gd name="connsiteX3" fmla="*/ 1551067 w 3722561"/>
+              <a:gd name="connsiteY3" fmla="*/ 0 h 978250"/>
+              <a:gd name="connsiteX4" fmla="*/ 3722561 w 3722561"/>
+              <a:gd name="connsiteY4" fmla="*/ 0 h 978250"/>
+              <a:gd name="connsiteX5" fmla="*/ 3722561 w 3722561"/>
+              <a:gd name="connsiteY5" fmla="*/ 419923 h 978250"/>
+              <a:gd name="connsiteX6" fmla="*/ 3722561 w 3722561"/>
+              <a:gd name="connsiteY6" fmla="*/ 419923 h 978250"/>
+              <a:gd name="connsiteX7" fmla="*/ 3722561 w 3722561"/>
+              <a:gd name="connsiteY7" fmla="*/ 599890 h 978250"/>
+              <a:gd name="connsiteX8" fmla="*/ 3722561 w 3722561"/>
+              <a:gd name="connsiteY8" fmla="*/ 719868 h 978250"/>
+              <a:gd name="connsiteX9" fmla="*/ 3361230 w 3722561"/>
+              <a:gd name="connsiteY9" fmla="*/ 727914 h 978250"/>
+              <a:gd name="connsiteX10" fmla="*/ 3342180 w 3722561"/>
+              <a:gd name="connsiteY10" fmla="*/ 978250 h 978250"/>
+              <a:gd name="connsiteX11" fmla="*/ 3180255 w 3722561"/>
+              <a:gd name="connsiteY11" fmla="*/ 727913 h 978250"/>
+              <a:gd name="connsiteX12" fmla="*/ 2675430 w 3722561"/>
+              <a:gd name="connsiteY12" fmla="*/ 727914 h 978250"/>
+              <a:gd name="connsiteX13" fmla="*/ 2199180 w 3722561"/>
+              <a:gd name="connsiteY13" fmla="*/ 727914 h 978250"/>
+              <a:gd name="connsiteX14" fmla="*/ 2142030 w 3722561"/>
+              <a:gd name="connsiteY14" fmla="*/ 958994 h 978250"/>
+              <a:gd name="connsiteX15" fmla="*/ 2018205 w 3722561"/>
+              <a:gd name="connsiteY15" fmla="*/ 727914 h 978250"/>
+              <a:gd name="connsiteX16" fmla="*/ 1608630 w 3722561"/>
+              <a:gd name="connsiteY16" fmla="*/ 727914 h 978250"/>
+              <a:gd name="connsiteX17" fmla="*/ 798592 w 3722561"/>
+              <a:gd name="connsiteY17" fmla="*/ 738815 h 978250"/>
+              <a:gd name="connsiteX18" fmla="*/ 626831 w 3722561"/>
+              <a:gd name="connsiteY18" fmla="*/ 950522 h 978250"/>
+              <a:gd name="connsiteX19" fmla="*/ 620427 w 3722561"/>
+              <a:gd name="connsiteY19" fmla="*/ 719868 h 978250"/>
+              <a:gd name="connsiteX20" fmla="*/ 0 w 3722561"/>
+              <a:gd name="connsiteY20" fmla="*/ 719868 h 978250"/>
+              <a:gd name="connsiteX21" fmla="*/ 0 w 3722561"/>
+              <a:gd name="connsiteY21" fmla="*/ 599890 h 978250"/>
+              <a:gd name="connsiteX22" fmla="*/ 0 w 3722561"/>
+              <a:gd name="connsiteY22" fmla="*/ 419923 h 978250"/>
+              <a:gd name="connsiteX23" fmla="*/ 0 w 3722561"/>
+              <a:gd name="connsiteY23" fmla="*/ 419923 h 978250"/>
+              <a:gd name="connsiteX24" fmla="*/ 0 w 3722561"/>
+              <a:gd name="connsiteY24" fmla="*/ 0 h 978250"/>
+              <a:gd name="connsiteX0" fmla="*/ 0 w 3722561"/>
+              <a:gd name="connsiteY0" fmla="*/ 0 h 978250"/>
+              <a:gd name="connsiteX1" fmla="*/ 620427 w 3722561"/>
+              <a:gd name="connsiteY1" fmla="*/ 0 h 978250"/>
+              <a:gd name="connsiteX2" fmla="*/ 620427 w 3722561"/>
+              <a:gd name="connsiteY2" fmla="*/ 0 h 978250"/>
+              <a:gd name="connsiteX3" fmla="*/ 1551067 w 3722561"/>
+              <a:gd name="connsiteY3" fmla="*/ 0 h 978250"/>
+              <a:gd name="connsiteX4" fmla="*/ 3722561 w 3722561"/>
+              <a:gd name="connsiteY4" fmla="*/ 0 h 978250"/>
+              <a:gd name="connsiteX5" fmla="*/ 3722561 w 3722561"/>
+              <a:gd name="connsiteY5" fmla="*/ 419923 h 978250"/>
+              <a:gd name="connsiteX6" fmla="*/ 3722561 w 3722561"/>
+              <a:gd name="connsiteY6" fmla="*/ 419923 h 978250"/>
+              <a:gd name="connsiteX7" fmla="*/ 3722561 w 3722561"/>
+              <a:gd name="connsiteY7" fmla="*/ 599890 h 978250"/>
+              <a:gd name="connsiteX8" fmla="*/ 3722561 w 3722561"/>
+              <a:gd name="connsiteY8" fmla="*/ 719868 h 978250"/>
+              <a:gd name="connsiteX9" fmla="*/ 3361230 w 3722561"/>
+              <a:gd name="connsiteY9" fmla="*/ 727914 h 978250"/>
+              <a:gd name="connsiteX10" fmla="*/ 3342180 w 3722561"/>
+              <a:gd name="connsiteY10" fmla="*/ 978250 h 978250"/>
+              <a:gd name="connsiteX11" fmla="*/ 3180255 w 3722561"/>
+              <a:gd name="connsiteY11" fmla="*/ 727913 h 978250"/>
+              <a:gd name="connsiteX12" fmla="*/ 2675430 w 3722561"/>
+              <a:gd name="connsiteY12" fmla="*/ 727914 h 978250"/>
+              <a:gd name="connsiteX13" fmla="*/ 2199180 w 3722561"/>
+              <a:gd name="connsiteY13" fmla="*/ 727914 h 978250"/>
+              <a:gd name="connsiteX14" fmla="*/ 2142030 w 3722561"/>
+              <a:gd name="connsiteY14" fmla="*/ 958994 h 978250"/>
+              <a:gd name="connsiteX15" fmla="*/ 2018205 w 3722561"/>
+              <a:gd name="connsiteY15" fmla="*/ 727914 h 978250"/>
+              <a:gd name="connsiteX16" fmla="*/ 1608630 w 3722561"/>
+              <a:gd name="connsiteY16" fmla="*/ 727914 h 978250"/>
+              <a:gd name="connsiteX17" fmla="*/ 798592 w 3722561"/>
+              <a:gd name="connsiteY17" fmla="*/ 738815 h 978250"/>
+              <a:gd name="connsiteX18" fmla="*/ 626831 w 3722561"/>
+              <a:gd name="connsiteY18" fmla="*/ 950522 h 978250"/>
+              <a:gd name="connsiteX19" fmla="*/ 620427 w 3722561"/>
+              <a:gd name="connsiteY19" fmla="*/ 748753 h 978250"/>
+              <a:gd name="connsiteX20" fmla="*/ 0 w 3722561"/>
+              <a:gd name="connsiteY20" fmla="*/ 719868 h 978250"/>
+              <a:gd name="connsiteX21" fmla="*/ 0 w 3722561"/>
+              <a:gd name="connsiteY21" fmla="*/ 599890 h 978250"/>
+              <a:gd name="connsiteX22" fmla="*/ 0 w 3722561"/>
+              <a:gd name="connsiteY22" fmla="*/ 419923 h 978250"/>
+              <a:gd name="connsiteX23" fmla="*/ 0 w 3722561"/>
+              <a:gd name="connsiteY23" fmla="*/ 419923 h 978250"/>
+              <a:gd name="connsiteX24" fmla="*/ 0 w 3722561"/>
+              <a:gd name="connsiteY24" fmla="*/ 0 h 978250"/>
+              <a:gd name="connsiteX0" fmla="*/ 0 w 3722561"/>
+              <a:gd name="connsiteY0" fmla="*/ 0 h 978250"/>
+              <a:gd name="connsiteX1" fmla="*/ 620427 w 3722561"/>
+              <a:gd name="connsiteY1" fmla="*/ 0 h 978250"/>
+              <a:gd name="connsiteX2" fmla="*/ 620427 w 3722561"/>
+              <a:gd name="connsiteY2" fmla="*/ 0 h 978250"/>
+              <a:gd name="connsiteX3" fmla="*/ 1551067 w 3722561"/>
+              <a:gd name="connsiteY3" fmla="*/ 0 h 978250"/>
+              <a:gd name="connsiteX4" fmla="*/ 3722561 w 3722561"/>
+              <a:gd name="connsiteY4" fmla="*/ 0 h 978250"/>
+              <a:gd name="connsiteX5" fmla="*/ 3722561 w 3722561"/>
+              <a:gd name="connsiteY5" fmla="*/ 419923 h 978250"/>
+              <a:gd name="connsiteX6" fmla="*/ 3722561 w 3722561"/>
+              <a:gd name="connsiteY6" fmla="*/ 419923 h 978250"/>
+              <a:gd name="connsiteX7" fmla="*/ 3722561 w 3722561"/>
+              <a:gd name="connsiteY7" fmla="*/ 599890 h 978250"/>
+              <a:gd name="connsiteX8" fmla="*/ 3722561 w 3722561"/>
+              <a:gd name="connsiteY8" fmla="*/ 719868 h 978250"/>
+              <a:gd name="connsiteX9" fmla="*/ 3361230 w 3722561"/>
+              <a:gd name="connsiteY9" fmla="*/ 727914 h 978250"/>
+              <a:gd name="connsiteX10" fmla="*/ 3342180 w 3722561"/>
+              <a:gd name="connsiteY10" fmla="*/ 978250 h 978250"/>
+              <a:gd name="connsiteX11" fmla="*/ 3180255 w 3722561"/>
+              <a:gd name="connsiteY11" fmla="*/ 727913 h 978250"/>
+              <a:gd name="connsiteX12" fmla="*/ 2675430 w 3722561"/>
+              <a:gd name="connsiteY12" fmla="*/ 727914 h 978250"/>
+              <a:gd name="connsiteX13" fmla="*/ 2199180 w 3722561"/>
+              <a:gd name="connsiteY13" fmla="*/ 727914 h 978250"/>
+              <a:gd name="connsiteX14" fmla="*/ 2142030 w 3722561"/>
+              <a:gd name="connsiteY14" fmla="*/ 958994 h 978250"/>
+              <a:gd name="connsiteX15" fmla="*/ 2018205 w 3722561"/>
+              <a:gd name="connsiteY15" fmla="*/ 727914 h 978250"/>
+              <a:gd name="connsiteX16" fmla="*/ 1608630 w 3722561"/>
+              <a:gd name="connsiteY16" fmla="*/ 727914 h 978250"/>
+              <a:gd name="connsiteX17" fmla="*/ 798592 w 3722561"/>
+              <a:gd name="connsiteY17" fmla="*/ 738815 h 978250"/>
+              <a:gd name="connsiteX18" fmla="*/ 626831 w 3722561"/>
+              <a:gd name="connsiteY18" fmla="*/ 950522 h 978250"/>
+              <a:gd name="connsiteX19" fmla="*/ 620427 w 3722561"/>
+              <a:gd name="connsiteY19" fmla="*/ 729497 h 978250"/>
+              <a:gd name="connsiteX20" fmla="*/ 0 w 3722561"/>
+              <a:gd name="connsiteY20" fmla="*/ 719868 h 978250"/>
+              <a:gd name="connsiteX21" fmla="*/ 0 w 3722561"/>
+              <a:gd name="connsiteY21" fmla="*/ 599890 h 978250"/>
+              <a:gd name="connsiteX22" fmla="*/ 0 w 3722561"/>
+              <a:gd name="connsiteY22" fmla="*/ 419923 h 978250"/>
+              <a:gd name="connsiteX23" fmla="*/ 0 w 3722561"/>
+              <a:gd name="connsiteY23" fmla="*/ 419923 h 978250"/>
+              <a:gd name="connsiteX24" fmla="*/ 0 w 3722561"/>
+              <a:gd name="connsiteY24" fmla="*/ 0 h 978250"/>
+              <a:gd name="connsiteX0" fmla="*/ 0 w 3722561"/>
+              <a:gd name="connsiteY0" fmla="*/ 0 h 978250"/>
+              <a:gd name="connsiteX1" fmla="*/ 620427 w 3722561"/>
+              <a:gd name="connsiteY1" fmla="*/ 0 h 978250"/>
+              <a:gd name="connsiteX2" fmla="*/ 620427 w 3722561"/>
+              <a:gd name="connsiteY2" fmla="*/ 0 h 978250"/>
+              <a:gd name="connsiteX3" fmla="*/ 1551067 w 3722561"/>
+              <a:gd name="connsiteY3" fmla="*/ 0 h 978250"/>
+              <a:gd name="connsiteX4" fmla="*/ 3722561 w 3722561"/>
+              <a:gd name="connsiteY4" fmla="*/ 0 h 978250"/>
+              <a:gd name="connsiteX5" fmla="*/ 3722561 w 3722561"/>
+              <a:gd name="connsiteY5" fmla="*/ 419923 h 978250"/>
+              <a:gd name="connsiteX6" fmla="*/ 3722561 w 3722561"/>
+              <a:gd name="connsiteY6" fmla="*/ 419923 h 978250"/>
+              <a:gd name="connsiteX7" fmla="*/ 3722561 w 3722561"/>
+              <a:gd name="connsiteY7" fmla="*/ 599890 h 978250"/>
+              <a:gd name="connsiteX8" fmla="*/ 3722561 w 3722561"/>
+              <a:gd name="connsiteY8" fmla="*/ 719868 h 978250"/>
+              <a:gd name="connsiteX9" fmla="*/ 3361230 w 3722561"/>
+              <a:gd name="connsiteY9" fmla="*/ 727914 h 978250"/>
+              <a:gd name="connsiteX10" fmla="*/ 3342180 w 3722561"/>
+              <a:gd name="connsiteY10" fmla="*/ 978250 h 978250"/>
+              <a:gd name="connsiteX11" fmla="*/ 3180255 w 3722561"/>
+              <a:gd name="connsiteY11" fmla="*/ 727913 h 978250"/>
+              <a:gd name="connsiteX12" fmla="*/ 2675430 w 3722561"/>
+              <a:gd name="connsiteY12" fmla="*/ 727914 h 978250"/>
+              <a:gd name="connsiteX13" fmla="*/ 2199180 w 3722561"/>
+              <a:gd name="connsiteY13" fmla="*/ 727914 h 978250"/>
+              <a:gd name="connsiteX14" fmla="*/ 2142030 w 3722561"/>
+              <a:gd name="connsiteY14" fmla="*/ 958994 h 978250"/>
+              <a:gd name="connsiteX15" fmla="*/ 2018205 w 3722561"/>
+              <a:gd name="connsiteY15" fmla="*/ 727914 h 978250"/>
+              <a:gd name="connsiteX16" fmla="*/ 1608630 w 3722561"/>
+              <a:gd name="connsiteY16" fmla="*/ 727914 h 978250"/>
+              <a:gd name="connsiteX17" fmla="*/ 798592 w 3722561"/>
+              <a:gd name="connsiteY17" fmla="*/ 738815 h 978250"/>
+              <a:gd name="connsiteX18" fmla="*/ 626831 w 3722561"/>
+              <a:gd name="connsiteY18" fmla="*/ 950522 h 978250"/>
+              <a:gd name="connsiteX19" fmla="*/ 620427 w 3722561"/>
+              <a:gd name="connsiteY19" fmla="*/ 729497 h 978250"/>
+              <a:gd name="connsiteX20" fmla="*/ 0 w 3722561"/>
+              <a:gd name="connsiteY20" fmla="*/ 729497 h 978250"/>
+              <a:gd name="connsiteX21" fmla="*/ 0 w 3722561"/>
+              <a:gd name="connsiteY21" fmla="*/ 599890 h 978250"/>
+              <a:gd name="connsiteX22" fmla="*/ 0 w 3722561"/>
+              <a:gd name="connsiteY22" fmla="*/ 419923 h 978250"/>
+              <a:gd name="connsiteX23" fmla="*/ 0 w 3722561"/>
+              <a:gd name="connsiteY23" fmla="*/ 419923 h 978250"/>
+              <a:gd name="connsiteX24" fmla="*/ 0 w 3722561"/>
+              <a:gd name="connsiteY24" fmla="*/ 0 h 978250"/>
+              <a:gd name="connsiteX0" fmla="*/ 0 w 3722561"/>
+              <a:gd name="connsiteY0" fmla="*/ 0 h 1897830"/>
+              <a:gd name="connsiteX1" fmla="*/ 620427 w 3722561"/>
+              <a:gd name="connsiteY1" fmla="*/ 0 h 1897830"/>
+              <a:gd name="connsiteX2" fmla="*/ 620427 w 3722561"/>
+              <a:gd name="connsiteY2" fmla="*/ 0 h 1897830"/>
+              <a:gd name="connsiteX3" fmla="*/ 1551067 w 3722561"/>
+              <a:gd name="connsiteY3" fmla="*/ 0 h 1897830"/>
+              <a:gd name="connsiteX4" fmla="*/ 3722561 w 3722561"/>
+              <a:gd name="connsiteY4" fmla="*/ 0 h 1897830"/>
+              <a:gd name="connsiteX5" fmla="*/ 3722561 w 3722561"/>
+              <a:gd name="connsiteY5" fmla="*/ 419923 h 1897830"/>
+              <a:gd name="connsiteX6" fmla="*/ 3722561 w 3722561"/>
+              <a:gd name="connsiteY6" fmla="*/ 419923 h 1897830"/>
+              <a:gd name="connsiteX7" fmla="*/ 3722561 w 3722561"/>
+              <a:gd name="connsiteY7" fmla="*/ 599890 h 1897830"/>
+              <a:gd name="connsiteX8" fmla="*/ 3722561 w 3722561"/>
+              <a:gd name="connsiteY8" fmla="*/ 719868 h 1897830"/>
+              <a:gd name="connsiteX9" fmla="*/ 3361230 w 3722561"/>
+              <a:gd name="connsiteY9" fmla="*/ 727914 h 1897830"/>
+              <a:gd name="connsiteX10" fmla="*/ 3597847 w 3722561"/>
+              <a:gd name="connsiteY10" fmla="*/ 1897830 h 1897830"/>
+              <a:gd name="connsiteX11" fmla="*/ 3180255 w 3722561"/>
+              <a:gd name="connsiteY11" fmla="*/ 727913 h 1897830"/>
+              <a:gd name="connsiteX12" fmla="*/ 2675430 w 3722561"/>
+              <a:gd name="connsiteY12" fmla="*/ 727914 h 1897830"/>
+              <a:gd name="connsiteX13" fmla="*/ 2199180 w 3722561"/>
+              <a:gd name="connsiteY13" fmla="*/ 727914 h 1897830"/>
+              <a:gd name="connsiteX14" fmla="*/ 2142030 w 3722561"/>
+              <a:gd name="connsiteY14" fmla="*/ 958994 h 1897830"/>
+              <a:gd name="connsiteX15" fmla="*/ 2018205 w 3722561"/>
+              <a:gd name="connsiteY15" fmla="*/ 727914 h 1897830"/>
+              <a:gd name="connsiteX16" fmla="*/ 1608630 w 3722561"/>
+              <a:gd name="connsiteY16" fmla="*/ 727914 h 1897830"/>
+              <a:gd name="connsiteX17" fmla="*/ 798592 w 3722561"/>
+              <a:gd name="connsiteY17" fmla="*/ 738815 h 1897830"/>
+              <a:gd name="connsiteX18" fmla="*/ 626831 w 3722561"/>
+              <a:gd name="connsiteY18" fmla="*/ 950522 h 1897830"/>
+              <a:gd name="connsiteX19" fmla="*/ 620427 w 3722561"/>
+              <a:gd name="connsiteY19" fmla="*/ 729497 h 1897830"/>
+              <a:gd name="connsiteX20" fmla="*/ 0 w 3722561"/>
+              <a:gd name="connsiteY20" fmla="*/ 729497 h 1897830"/>
+              <a:gd name="connsiteX21" fmla="*/ 0 w 3722561"/>
+              <a:gd name="connsiteY21" fmla="*/ 599890 h 1897830"/>
+              <a:gd name="connsiteX22" fmla="*/ 0 w 3722561"/>
+              <a:gd name="connsiteY22" fmla="*/ 419923 h 1897830"/>
+              <a:gd name="connsiteX23" fmla="*/ 0 w 3722561"/>
+              <a:gd name="connsiteY23" fmla="*/ 419923 h 1897830"/>
+              <a:gd name="connsiteX24" fmla="*/ 0 w 3722561"/>
+              <a:gd name="connsiteY24" fmla="*/ 0 h 1897830"/>
+              <a:gd name="connsiteX0" fmla="*/ 0 w 3722561"/>
+              <a:gd name="connsiteY0" fmla="*/ 0 h 1408183"/>
+              <a:gd name="connsiteX1" fmla="*/ 620427 w 3722561"/>
+              <a:gd name="connsiteY1" fmla="*/ 0 h 1408183"/>
+              <a:gd name="connsiteX2" fmla="*/ 620427 w 3722561"/>
+              <a:gd name="connsiteY2" fmla="*/ 0 h 1408183"/>
+              <a:gd name="connsiteX3" fmla="*/ 1551067 w 3722561"/>
+              <a:gd name="connsiteY3" fmla="*/ 0 h 1408183"/>
+              <a:gd name="connsiteX4" fmla="*/ 3722561 w 3722561"/>
+              <a:gd name="connsiteY4" fmla="*/ 0 h 1408183"/>
+              <a:gd name="connsiteX5" fmla="*/ 3722561 w 3722561"/>
+              <a:gd name="connsiteY5" fmla="*/ 419923 h 1408183"/>
+              <a:gd name="connsiteX6" fmla="*/ 3722561 w 3722561"/>
+              <a:gd name="connsiteY6" fmla="*/ 419923 h 1408183"/>
+              <a:gd name="connsiteX7" fmla="*/ 3722561 w 3722561"/>
+              <a:gd name="connsiteY7" fmla="*/ 599890 h 1408183"/>
+              <a:gd name="connsiteX8" fmla="*/ 3722561 w 3722561"/>
+              <a:gd name="connsiteY8" fmla="*/ 719868 h 1408183"/>
+              <a:gd name="connsiteX9" fmla="*/ 3361230 w 3722561"/>
+              <a:gd name="connsiteY9" fmla="*/ 727914 h 1408183"/>
+              <a:gd name="connsiteX10" fmla="*/ 3465279 w 3722561"/>
+              <a:gd name="connsiteY10" fmla="*/ 1408183 h 1408183"/>
+              <a:gd name="connsiteX11" fmla="*/ 3180255 w 3722561"/>
+              <a:gd name="connsiteY11" fmla="*/ 727913 h 1408183"/>
+              <a:gd name="connsiteX12" fmla="*/ 2675430 w 3722561"/>
+              <a:gd name="connsiteY12" fmla="*/ 727914 h 1408183"/>
+              <a:gd name="connsiteX13" fmla="*/ 2199180 w 3722561"/>
+              <a:gd name="connsiteY13" fmla="*/ 727914 h 1408183"/>
+              <a:gd name="connsiteX14" fmla="*/ 2142030 w 3722561"/>
+              <a:gd name="connsiteY14" fmla="*/ 958994 h 1408183"/>
+              <a:gd name="connsiteX15" fmla="*/ 2018205 w 3722561"/>
+              <a:gd name="connsiteY15" fmla="*/ 727914 h 1408183"/>
+              <a:gd name="connsiteX16" fmla="*/ 1608630 w 3722561"/>
+              <a:gd name="connsiteY16" fmla="*/ 727914 h 1408183"/>
+              <a:gd name="connsiteX17" fmla="*/ 798592 w 3722561"/>
+              <a:gd name="connsiteY17" fmla="*/ 738815 h 1408183"/>
+              <a:gd name="connsiteX18" fmla="*/ 626831 w 3722561"/>
+              <a:gd name="connsiteY18" fmla="*/ 950522 h 1408183"/>
+              <a:gd name="connsiteX19" fmla="*/ 620427 w 3722561"/>
+              <a:gd name="connsiteY19" fmla="*/ 729497 h 1408183"/>
+              <a:gd name="connsiteX20" fmla="*/ 0 w 3722561"/>
+              <a:gd name="connsiteY20" fmla="*/ 729497 h 1408183"/>
+              <a:gd name="connsiteX21" fmla="*/ 0 w 3722561"/>
+              <a:gd name="connsiteY21" fmla="*/ 599890 h 1408183"/>
+              <a:gd name="connsiteX22" fmla="*/ 0 w 3722561"/>
+              <a:gd name="connsiteY22" fmla="*/ 419923 h 1408183"/>
+              <a:gd name="connsiteX23" fmla="*/ 0 w 3722561"/>
+              <a:gd name="connsiteY23" fmla="*/ 419923 h 1408183"/>
+              <a:gd name="connsiteX24" fmla="*/ 0 w 3722561"/>
+              <a:gd name="connsiteY24" fmla="*/ 0 h 1408183"/>
+              <a:gd name="connsiteX0" fmla="*/ 0 w 3722561"/>
+              <a:gd name="connsiteY0" fmla="*/ 0 h 1408183"/>
+              <a:gd name="connsiteX1" fmla="*/ 620427 w 3722561"/>
+              <a:gd name="connsiteY1" fmla="*/ 0 h 1408183"/>
+              <a:gd name="connsiteX2" fmla="*/ 620427 w 3722561"/>
+              <a:gd name="connsiteY2" fmla="*/ 0 h 1408183"/>
+              <a:gd name="connsiteX3" fmla="*/ 1551067 w 3722561"/>
+              <a:gd name="connsiteY3" fmla="*/ 0 h 1408183"/>
+              <a:gd name="connsiteX4" fmla="*/ 3722561 w 3722561"/>
+              <a:gd name="connsiteY4" fmla="*/ 0 h 1408183"/>
+              <a:gd name="connsiteX5" fmla="*/ 3722561 w 3722561"/>
+              <a:gd name="connsiteY5" fmla="*/ 419923 h 1408183"/>
+              <a:gd name="connsiteX6" fmla="*/ 3722561 w 3722561"/>
+              <a:gd name="connsiteY6" fmla="*/ 419923 h 1408183"/>
+              <a:gd name="connsiteX7" fmla="*/ 3722561 w 3722561"/>
+              <a:gd name="connsiteY7" fmla="*/ 599890 h 1408183"/>
+              <a:gd name="connsiteX8" fmla="*/ 3722561 w 3722561"/>
+              <a:gd name="connsiteY8" fmla="*/ 719868 h 1408183"/>
+              <a:gd name="connsiteX9" fmla="*/ 3361230 w 3722561"/>
+              <a:gd name="connsiteY9" fmla="*/ 727914 h 1408183"/>
+              <a:gd name="connsiteX10" fmla="*/ 3465279 w 3722561"/>
+              <a:gd name="connsiteY10" fmla="*/ 1408183 h 1408183"/>
+              <a:gd name="connsiteX11" fmla="*/ 3180255 w 3722561"/>
+              <a:gd name="connsiteY11" fmla="*/ 727913 h 1408183"/>
+              <a:gd name="connsiteX12" fmla="*/ 2675430 w 3722561"/>
+              <a:gd name="connsiteY12" fmla="*/ 727914 h 1408183"/>
+              <a:gd name="connsiteX13" fmla="*/ 2199180 w 3722561"/>
+              <a:gd name="connsiteY13" fmla="*/ 727914 h 1408183"/>
+              <a:gd name="connsiteX14" fmla="*/ 2142030 w 3722561"/>
+              <a:gd name="connsiteY14" fmla="*/ 958994 h 1408183"/>
+              <a:gd name="connsiteX15" fmla="*/ 2018205 w 3722561"/>
+              <a:gd name="connsiteY15" fmla="*/ 727914 h 1408183"/>
+              <a:gd name="connsiteX16" fmla="*/ 1608630 w 3722561"/>
+              <a:gd name="connsiteY16" fmla="*/ 727914 h 1408183"/>
+              <a:gd name="connsiteX17" fmla="*/ 798592 w 3722561"/>
+              <a:gd name="connsiteY17" fmla="*/ 738815 h 1408183"/>
+              <a:gd name="connsiteX18" fmla="*/ 503733 w 3722561"/>
+              <a:gd name="connsiteY18" fmla="*/ 1237144 h 1408183"/>
+              <a:gd name="connsiteX19" fmla="*/ 620427 w 3722561"/>
+              <a:gd name="connsiteY19" fmla="*/ 729497 h 1408183"/>
+              <a:gd name="connsiteX20" fmla="*/ 0 w 3722561"/>
+              <a:gd name="connsiteY20" fmla="*/ 729497 h 1408183"/>
+              <a:gd name="connsiteX21" fmla="*/ 0 w 3722561"/>
+              <a:gd name="connsiteY21" fmla="*/ 599890 h 1408183"/>
+              <a:gd name="connsiteX22" fmla="*/ 0 w 3722561"/>
+              <a:gd name="connsiteY22" fmla="*/ 419923 h 1408183"/>
+              <a:gd name="connsiteX23" fmla="*/ 0 w 3722561"/>
+              <a:gd name="connsiteY23" fmla="*/ 419923 h 1408183"/>
+              <a:gd name="connsiteX24" fmla="*/ 0 w 3722561"/>
+              <a:gd name="connsiteY24" fmla="*/ 0 h 1408183"/>
+            </a:gdLst>
+            <a:ahLst/>
+            <a:cxnLst>
+              <a:cxn ang="0">
+                <a:pos x="connsiteX0" y="connsiteY0"/>
+              </a:cxn>
+              <a:cxn ang="0">
+                <a:pos x="connsiteX1" y="connsiteY1"/>
+              </a:cxn>
+              <a:cxn ang="0">
+                <a:pos x="connsiteX2" y="connsiteY2"/>
+              </a:cxn>
+              <a:cxn ang="0">
+                <a:pos x="connsiteX3" y="connsiteY3"/>
+              </a:cxn>
+              <a:cxn ang="0">
+                <a:pos x="connsiteX4" y="connsiteY4"/>
+              </a:cxn>
+              <a:cxn ang="0">
+                <a:pos x="connsiteX5" y="connsiteY5"/>
+              </a:cxn>
+              <a:cxn ang="0">
+                <a:pos x="connsiteX6" y="connsiteY6"/>
+              </a:cxn>
+              <a:cxn ang="0">
+                <a:pos x="connsiteX7" y="connsiteY7"/>
+              </a:cxn>
+              <a:cxn ang="0">
+                <a:pos x="connsiteX8" y="connsiteY8"/>
+              </a:cxn>
+              <a:cxn ang="0">
+                <a:pos x="connsiteX9" y="connsiteY9"/>
+              </a:cxn>
+              <a:cxn ang="0">
+                <a:pos x="connsiteX10" y="connsiteY10"/>
+              </a:cxn>
+              <a:cxn ang="0">
+                <a:pos x="connsiteX11" y="connsiteY11"/>
+              </a:cxn>
+              <a:cxn ang="0">
+                <a:pos x="connsiteX12" y="connsiteY12"/>
+              </a:cxn>
+              <a:cxn ang="0">
+                <a:pos x="connsiteX13" y="connsiteY13"/>
+              </a:cxn>
+              <a:cxn ang="0">
+                <a:pos x="connsiteX14" y="connsiteY14"/>
+              </a:cxn>
+              <a:cxn ang="0">
+                <a:pos x="connsiteX15" y="connsiteY15"/>
+              </a:cxn>
+              <a:cxn ang="0">
+                <a:pos x="connsiteX16" y="connsiteY16"/>
+              </a:cxn>
+              <a:cxn ang="0">
+                <a:pos x="connsiteX17" y="connsiteY17"/>
+              </a:cxn>
+              <a:cxn ang="0">
+                <a:pos x="connsiteX18" y="connsiteY18"/>
+              </a:cxn>
+              <a:cxn ang="0">
+                <a:pos x="connsiteX19" y="connsiteY19"/>
+              </a:cxn>
+              <a:cxn ang="0">
+                <a:pos x="connsiteX20" y="connsiteY20"/>
+              </a:cxn>
+              <a:cxn ang="0">
+                <a:pos x="connsiteX21" y="connsiteY21"/>
+              </a:cxn>
+              <a:cxn ang="0">
+                <a:pos x="connsiteX22" y="connsiteY22"/>
+              </a:cxn>
+              <a:cxn ang="0">
+                <a:pos x="connsiteX23" y="connsiteY23"/>
+              </a:cxn>
+              <a:cxn ang="0">
+                <a:pos x="connsiteX24" y="connsiteY24"/>
+              </a:cxn>
+            </a:cxnLst>
+            <a:rect l="l" t="t" r="r" b="b"/>
+            <a:pathLst>
+              <a:path w="3722561" h="1408183">
+                <a:moveTo>
+                  <a:pt x="0" y="0"/>
+                </a:moveTo>
+                <a:lnTo>
+                  <a:pt x="620427" y="0"/>
+                </a:lnTo>
+                <a:lnTo>
+                  <a:pt x="620427" y="0"/>
+                </a:lnTo>
+                <a:lnTo>
+                  <a:pt x="1551067" y="0"/>
+                </a:lnTo>
+                <a:lnTo>
+                  <a:pt x="3722561" y="0"/>
+                </a:lnTo>
+                <a:lnTo>
+                  <a:pt x="3722561" y="419923"/>
+                </a:lnTo>
+                <a:lnTo>
+                  <a:pt x="3722561" y="419923"/>
+                </a:lnTo>
+                <a:lnTo>
+                  <a:pt x="3722561" y="599890"/>
+                </a:lnTo>
+                <a:lnTo>
+                  <a:pt x="3722561" y="719868"/>
+                </a:lnTo>
+                <a:lnTo>
+                  <a:pt x="3361230" y="727914"/>
+                </a:lnTo>
+                <a:lnTo>
+                  <a:pt x="3465279" y="1408183"/>
+                </a:lnTo>
+                <a:lnTo>
+                  <a:pt x="3180255" y="727913"/>
+                </a:lnTo>
+                <a:lnTo>
+                  <a:pt x="2675430" y="727914"/>
+                </a:lnTo>
+                <a:lnTo>
+                  <a:pt x="2199180" y="727914"/>
+                </a:lnTo>
+                <a:lnTo>
+                  <a:pt x="2142030" y="958994"/>
+                </a:lnTo>
+                <a:lnTo>
+                  <a:pt x="2018205" y="727914"/>
+                </a:lnTo>
+                <a:lnTo>
+                  <a:pt x="1608630" y="727914"/>
+                </a:lnTo>
+                <a:lnTo>
+                  <a:pt x="798592" y="738815"/>
+                </a:lnTo>
+                <a:lnTo>
+                  <a:pt x="503733" y="1237144"/>
+                </a:lnTo>
+                <a:lnTo>
+                  <a:pt x="620427" y="729497"/>
+                </a:lnTo>
+                <a:lnTo>
+                  <a:pt x="0" y="729497"/>
+                </a:lnTo>
+                <a:lnTo>
+                  <a:pt x="0" y="599890"/>
+                </a:lnTo>
+                <a:lnTo>
+                  <a:pt x="0" y="419923"/>
+                </a:lnTo>
+                <a:lnTo>
+                  <a:pt x="0" y="419923"/>
+                </a:lnTo>
+                <a:lnTo>
+                  <a:pt x="0" y="0"/>
+                </a:lnTo>
+                <a:close/>
+              </a:path>
+            </a:pathLst>
+          </a:custGeom>
+          <a:solidFill>
+            <a:schemeClr val="bg1"/>
+          </a:solidFill>
+          <a:ln w="38100">
+            <a:solidFill>
+              <a:schemeClr val="accent6">
+                <a:lumMod val="90000"/>
+                <a:lumOff val="10000"/>
+              </a:schemeClr>
+            </a:solidFill>
+          </a:ln>
+          <a:effectLst/>
+          <a:extLst/>
+        </p:spPr>
+        <p:txBody>
+          <a:bodyPr rot="0" spcFirstLastPara="0" vertOverflow="overflow" horzOverflow="overflow" vert="horz" wrap="none" lIns="72000" tIns="72000" rIns="72000" bIns="72000" numCol="1" spcCol="0" rtlCol="0" fromWordArt="0" anchor="t" anchorCtr="0" forceAA="0" compatLnSpc="1">
+            <a:prstTxWarp prst="textNoShape">
+              <a:avLst/>
+            </a:prstTxWarp>
+            <a:noAutofit/>
+          </a:bodyPr>
+          <a:lstStyle/>
+          <a:p>
+            <a:pPr algn="ctr"/>
+            <a:r>
+              <a:rPr lang="en-US" altLang="ja-JP" sz="1400" b="1" dirty="0"/>
+              <a:t>Selecting multiple Nodes </a:t>
+            </a:r>
+            <a:r>
+              <a:rPr lang="en-US" altLang="ja-JP" sz="1400" b="1" dirty="0" smtClean="0"/>
+              <a:t>will</a:t>
+            </a:r>
+          </a:p>
+          <a:p>
+            <a:pPr algn="ctr"/>
+            <a:r>
+              <a:rPr lang="en-US" altLang="ja-JP" sz="1400" b="1" dirty="0" smtClean="0"/>
+              <a:t> </a:t>
+            </a:r>
+            <a:r>
+              <a:rPr lang="en-US" altLang="ja-JP" sz="1400" b="1" dirty="0"/>
+              <a:t>display the Object </a:t>
+            </a:r>
+            <a:r>
+              <a:rPr lang="en-US" altLang="ja-JP" sz="1400" b="1" dirty="0" smtClean="0"/>
+              <a:t>alignment </a:t>
+            </a:r>
+            <a:r>
+              <a:rPr lang="en-US" altLang="ja-JP" sz="1400" b="1" dirty="0"/>
+              <a:t>function.</a:t>
+            </a:r>
+            <a:endParaRPr lang="en-US" altLang="ja-JP" sz="1400" b="1" dirty="0" smtClean="0"/>
+          </a:p>
+        </p:txBody>
+      </p:sp>
+      <p:cxnSp>
+        <p:nvCxnSpPr>
+          <p:cNvPr id="14" name="直線矢印コネクタ 13"/>
+          <p:cNvCxnSpPr/>
+          <p:nvPr/>
+        </p:nvCxnSpPr>
+        <p:spPr bwMode="auto">
+          <a:xfrm flipV="1">
+            <a:off x="4819106" y="3501010"/>
+            <a:ext cx="977064" cy="250531"/>
+          </a:xfrm>
+          <a:prstGeom prst="straightConnector1">
+            <a:avLst/>
+          </a:prstGeom>
+          <a:solidFill>
+            <a:schemeClr val="bg1"/>
+          </a:solidFill>
+          <a:ln w="76200" cap="flat" cmpd="sng" algn="ctr">
+            <a:solidFill>
+              <a:srgbClr val="FF0000"/>
+            </a:solidFill>
+            <a:prstDash val="solid"/>
+            <a:round/>
+            <a:headEnd type="none" w="med" len="med"/>
+            <a:tailEnd type="triangle"/>
+          </a:ln>
+          <a:effectLst/>
+          <a:extLst>
+            <a:ext uri="{AF507438-7753-43E0-B8FC-AC1667EBCBE1}">
+              <a14:hiddenEffects xmlns:a14="http://schemas.microsoft.com/office/drawing/2010/main">
+                <a:effectLst>
+                  <a:outerShdw dist="35921" dir="2700000" algn="ctr" rotWithShape="0">
+                    <a:schemeClr val="tx1">
+                      <a:alpha val="50000"/>
+                    </a:schemeClr>
+                  </a:outerShdw>
+                </a:effectLst>
+              </a14:hiddenEffects>
+            </a:ext>
+          </a:extLst>
+        </p:spPr>
+      </p:cxnSp>
+      <p:sp>
+        <p:nvSpPr>
+          <p:cNvPr id="17" name="正方形/長方形 16"/>
+          <p:cNvSpPr/>
+          <p:nvPr/>
+        </p:nvSpPr>
+        <p:spPr bwMode="auto">
+          <a:xfrm>
+            <a:off x="5796170" y="2852920"/>
+            <a:ext cx="1584220" cy="1008140"/>
+          </a:xfrm>
+          <a:prstGeom prst="rect">
+            <a:avLst/>
+          </a:prstGeom>
+          <a:noFill/>
+          <a:ln w="38100">
+            <a:solidFill>
+              <a:srgbClr val="FF0000"/>
+            </a:solidFill>
+          </a:ln>
+          <a:effectLst/>
+          <a:extLst/>
+        </p:spPr>
+        <p:txBody>
+          <a:bodyPr rot="0" spcFirstLastPara="0" vertOverflow="overflow" horzOverflow="overflow" vert="horz" wrap="none" lIns="72000" tIns="72000" rIns="72000" bIns="72000" numCol="1" spcCol="0" rtlCol="0" fromWordArt="0" anchor="ctr" anchorCtr="0" forceAA="0" compatLnSpc="1">
+            <a:prstTxWarp prst="textNoShape">
+              <a:avLst/>
+            </a:prstTxWarp>
+            <a:noAutofit/>
+          </a:bodyPr>
+          <a:lstStyle/>
+          <a:p>
+            <a:pPr algn="ctr"/>
+            <a:endParaRPr kumimoji="1" lang="ja-JP" altLang="en-US" b="1" dirty="0" smtClean="0">
+              <a:latin typeface="+mn-ea"/>
+            </a:endParaRPr>
+          </a:p>
+        </p:txBody>
+      </p:sp>
+      <p:sp>
+        <p:nvSpPr>
+          <p:cNvPr id="12" name="下矢印 11"/>
+          <p:cNvSpPr/>
+          <p:nvPr/>
+        </p:nvSpPr>
+        <p:spPr bwMode="auto">
+          <a:xfrm>
+            <a:off x="3395826" y="4776241"/>
+            <a:ext cx="1152160" cy="253512"/>
+          </a:xfrm>
+          <a:prstGeom prst="downArrow">
+            <a:avLst/>
+          </a:prstGeom>
+          <a:solidFill>
+            <a:srgbClr val="FF0000"/>
+          </a:solidFill>
+          <a:ln w="12700">
+            <a:solidFill>
+              <a:srgbClr val="FF0000"/>
+            </a:solidFill>
+          </a:ln>
+          <a:effectLst/>
+          <a:extLst/>
+        </p:spPr>
+        <p:txBody>
+          <a:bodyPr rot="0" spcFirstLastPara="0" vertOverflow="overflow" horzOverflow="overflow" vert="horz" wrap="none" lIns="72000" tIns="72000" rIns="72000" bIns="72000" numCol="1" spcCol="0" rtlCol="0" fromWordArt="0" anchor="ctr" anchorCtr="0" forceAA="0" compatLnSpc="1">
+            <a:prstTxWarp prst="textNoShape">
+              <a:avLst/>
+            </a:prstTxWarp>
+            <a:noAutofit/>
+          </a:bodyPr>
+          <a:lstStyle/>
+          <a:p>
+            <a:pPr algn="ctr"/>
+            <a:endParaRPr kumimoji="1" lang="ja-JP" altLang="en-US" b="1" dirty="0" smtClean="0">
+              <a:latin typeface="+mn-ea"/>
+            </a:endParaRPr>
+          </a:p>
+        </p:txBody>
+      </p:sp>
+      <p:sp>
+        <p:nvSpPr>
+          <p:cNvPr id="24" name="正方形/長方形 23"/>
+          <p:cNvSpPr/>
+          <p:nvPr/>
+        </p:nvSpPr>
+        <p:spPr bwMode="auto">
+          <a:xfrm>
+            <a:off x="6851496" y="3068950"/>
+            <a:ext cx="216030" cy="216030"/>
+          </a:xfrm>
+          <a:prstGeom prst="rect">
+            <a:avLst/>
+          </a:prstGeom>
+          <a:noFill/>
+          <a:ln w="38100">
+            <a:solidFill>
+              <a:srgbClr val="FF0000"/>
+            </a:solidFill>
+          </a:ln>
+          <a:effectLst/>
+          <a:extLst/>
+        </p:spPr>
+        <p:txBody>
+          <a:bodyPr rot="0" spcFirstLastPara="0" vertOverflow="overflow" horzOverflow="overflow" vert="horz" wrap="none" lIns="72000" tIns="72000" rIns="72000" bIns="72000" numCol="1" spcCol="0" rtlCol="0" fromWordArt="0" anchor="ctr" anchorCtr="0" forceAA="0" compatLnSpc="1">
+            <a:prstTxWarp prst="textNoShape">
+              <a:avLst/>
+            </a:prstTxWarp>
+            <a:noAutofit/>
+          </a:bodyPr>
+          <a:lstStyle/>
+          <a:p>
+            <a:pPr algn="ctr"/>
+            <a:endParaRPr kumimoji="1" lang="ja-JP" altLang="en-US" b="1" dirty="0" smtClean="0">
+              <a:latin typeface="+mn-ea"/>
+            </a:endParaRPr>
+          </a:p>
+        </p:txBody>
+      </p:sp>
+      <p:sp>
+        <p:nvSpPr>
+          <p:cNvPr id="25" name="正方形/長方形 24"/>
+          <p:cNvSpPr/>
+          <p:nvPr/>
+        </p:nvSpPr>
+        <p:spPr bwMode="auto">
+          <a:xfrm>
+            <a:off x="6074378" y="3548543"/>
+            <a:ext cx="216030" cy="216030"/>
+          </a:xfrm>
+          <a:prstGeom prst="rect">
+            <a:avLst/>
+          </a:prstGeom>
+          <a:noFill/>
+          <a:ln w="38100">
+            <a:solidFill>
+              <a:srgbClr val="FF0000"/>
+            </a:solidFill>
+          </a:ln>
+          <a:effectLst/>
+          <a:extLst/>
+        </p:spPr>
+        <p:txBody>
+          <a:bodyPr rot="0" spcFirstLastPara="0" vertOverflow="overflow" horzOverflow="overflow" vert="horz" wrap="none" lIns="72000" tIns="72000" rIns="72000" bIns="72000" numCol="1" spcCol="0" rtlCol="0" fromWordArt="0" anchor="ctr" anchorCtr="0" forceAA="0" compatLnSpc="1">
+            <a:prstTxWarp prst="textNoShape">
+              <a:avLst/>
+            </a:prstTxWarp>
+            <a:noAutofit/>
+          </a:bodyPr>
+          <a:lstStyle/>
+          <a:p>
+            <a:pPr algn="ctr"/>
+            <a:endParaRPr kumimoji="1" lang="ja-JP" altLang="en-US" b="1" dirty="0" smtClean="0">
+              <a:latin typeface="+mn-ea"/>
+            </a:endParaRPr>
+          </a:p>
+        </p:txBody>
+      </p:sp>
+      <p:sp>
+        <p:nvSpPr>
+          <p:cNvPr id="26" name="四角形吹き出し 25"/>
+          <p:cNvSpPr/>
+          <p:nvPr/>
+        </p:nvSpPr>
+        <p:spPr bwMode="auto">
+          <a:xfrm>
+            <a:off x="5621116" y="3645030"/>
+            <a:ext cx="3218491" cy="1160705"/>
+          </a:xfrm>
+          <a:custGeom>
+            <a:avLst/>
+            <a:gdLst>
+              <a:gd name="connsiteX0" fmla="*/ 0 w 3218491"/>
+              <a:gd name="connsiteY0" fmla="*/ 0 h 719868"/>
+              <a:gd name="connsiteX1" fmla="*/ 536415 w 3218491"/>
+              <a:gd name="connsiteY1" fmla="*/ 0 h 719868"/>
+              <a:gd name="connsiteX2" fmla="*/ 911541 w 3218491"/>
+              <a:gd name="connsiteY2" fmla="*/ -231402 h 719868"/>
+              <a:gd name="connsiteX3" fmla="*/ 1341038 w 3218491"/>
+              <a:gd name="connsiteY3" fmla="*/ 0 h 719868"/>
+              <a:gd name="connsiteX4" fmla="*/ 3218491 w 3218491"/>
+              <a:gd name="connsiteY4" fmla="*/ 0 h 719868"/>
+              <a:gd name="connsiteX5" fmla="*/ 3218491 w 3218491"/>
+              <a:gd name="connsiteY5" fmla="*/ 119978 h 719868"/>
+              <a:gd name="connsiteX6" fmla="*/ 3218491 w 3218491"/>
+              <a:gd name="connsiteY6" fmla="*/ 119978 h 719868"/>
+              <a:gd name="connsiteX7" fmla="*/ 3218491 w 3218491"/>
+              <a:gd name="connsiteY7" fmla="*/ 299945 h 719868"/>
+              <a:gd name="connsiteX8" fmla="*/ 3218491 w 3218491"/>
+              <a:gd name="connsiteY8" fmla="*/ 719868 h 719868"/>
+              <a:gd name="connsiteX9" fmla="*/ 1341038 w 3218491"/>
+              <a:gd name="connsiteY9" fmla="*/ 719868 h 719868"/>
+              <a:gd name="connsiteX10" fmla="*/ 536415 w 3218491"/>
+              <a:gd name="connsiteY10" fmla="*/ 719868 h 719868"/>
+              <a:gd name="connsiteX11" fmla="*/ 536415 w 3218491"/>
+              <a:gd name="connsiteY11" fmla="*/ 719868 h 719868"/>
+              <a:gd name="connsiteX12" fmla="*/ 0 w 3218491"/>
+              <a:gd name="connsiteY12" fmla="*/ 719868 h 719868"/>
+              <a:gd name="connsiteX13" fmla="*/ 0 w 3218491"/>
+              <a:gd name="connsiteY13" fmla="*/ 299945 h 719868"/>
+              <a:gd name="connsiteX14" fmla="*/ 0 w 3218491"/>
+              <a:gd name="connsiteY14" fmla="*/ 119978 h 719868"/>
+              <a:gd name="connsiteX15" fmla="*/ 0 w 3218491"/>
+              <a:gd name="connsiteY15" fmla="*/ 119978 h 719868"/>
+              <a:gd name="connsiteX16" fmla="*/ 0 w 3218491"/>
+              <a:gd name="connsiteY16" fmla="*/ 0 h 719868"/>
+              <a:gd name="connsiteX0" fmla="*/ 0 w 3218491"/>
+              <a:gd name="connsiteY0" fmla="*/ 231402 h 951270"/>
+              <a:gd name="connsiteX1" fmla="*/ 869790 w 3218491"/>
+              <a:gd name="connsiteY1" fmla="*/ 240927 h 951270"/>
+              <a:gd name="connsiteX2" fmla="*/ 911541 w 3218491"/>
+              <a:gd name="connsiteY2" fmla="*/ 0 h 951270"/>
+              <a:gd name="connsiteX3" fmla="*/ 1341038 w 3218491"/>
+              <a:gd name="connsiteY3" fmla="*/ 231402 h 951270"/>
+              <a:gd name="connsiteX4" fmla="*/ 3218491 w 3218491"/>
+              <a:gd name="connsiteY4" fmla="*/ 231402 h 951270"/>
+              <a:gd name="connsiteX5" fmla="*/ 3218491 w 3218491"/>
+              <a:gd name="connsiteY5" fmla="*/ 351380 h 951270"/>
+              <a:gd name="connsiteX6" fmla="*/ 3218491 w 3218491"/>
+              <a:gd name="connsiteY6" fmla="*/ 351380 h 951270"/>
+              <a:gd name="connsiteX7" fmla="*/ 3218491 w 3218491"/>
+              <a:gd name="connsiteY7" fmla="*/ 531347 h 951270"/>
+              <a:gd name="connsiteX8" fmla="*/ 3218491 w 3218491"/>
+              <a:gd name="connsiteY8" fmla="*/ 951270 h 951270"/>
+              <a:gd name="connsiteX9" fmla="*/ 1341038 w 3218491"/>
+              <a:gd name="connsiteY9" fmla="*/ 951270 h 951270"/>
+              <a:gd name="connsiteX10" fmla="*/ 536415 w 3218491"/>
+              <a:gd name="connsiteY10" fmla="*/ 951270 h 951270"/>
+              <a:gd name="connsiteX11" fmla="*/ 536415 w 3218491"/>
+              <a:gd name="connsiteY11" fmla="*/ 951270 h 951270"/>
+              <a:gd name="connsiteX12" fmla="*/ 0 w 3218491"/>
+              <a:gd name="connsiteY12" fmla="*/ 951270 h 951270"/>
+              <a:gd name="connsiteX13" fmla="*/ 0 w 3218491"/>
+              <a:gd name="connsiteY13" fmla="*/ 531347 h 951270"/>
+              <a:gd name="connsiteX14" fmla="*/ 0 w 3218491"/>
+              <a:gd name="connsiteY14" fmla="*/ 351380 h 951270"/>
+              <a:gd name="connsiteX15" fmla="*/ 0 w 3218491"/>
+              <a:gd name="connsiteY15" fmla="*/ 351380 h 951270"/>
+              <a:gd name="connsiteX16" fmla="*/ 0 w 3218491"/>
+              <a:gd name="connsiteY16" fmla="*/ 231402 h 951270"/>
+              <a:gd name="connsiteX0" fmla="*/ 0 w 3218491"/>
+              <a:gd name="connsiteY0" fmla="*/ 231402 h 951270"/>
+              <a:gd name="connsiteX1" fmla="*/ 869790 w 3218491"/>
+              <a:gd name="connsiteY1" fmla="*/ 240927 h 951270"/>
+              <a:gd name="connsiteX2" fmla="*/ 911541 w 3218491"/>
+              <a:gd name="connsiteY2" fmla="*/ 0 h 951270"/>
+              <a:gd name="connsiteX3" fmla="*/ 1341038 w 3218491"/>
+              <a:gd name="connsiteY3" fmla="*/ 231402 h 951270"/>
+              <a:gd name="connsiteX4" fmla="*/ 3218491 w 3218491"/>
+              <a:gd name="connsiteY4" fmla="*/ 231402 h 951270"/>
+              <a:gd name="connsiteX5" fmla="*/ 3218491 w 3218491"/>
+              <a:gd name="connsiteY5" fmla="*/ 351380 h 951270"/>
+              <a:gd name="connsiteX6" fmla="*/ 3218491 w 3218491"/>
+              <a:gd name="connsiteY6" fmla="*/ 351380 h 951270"/>
+              <a:gd name="connsiteX7" fmla="*/ 3218491 w 3218491"/>
+              <a:gd name="connsiteY7" fmla="*/ 531347 h 951270"/>
+              <a:gd name="connsiteX8" fmla="*/ 3218491 w 3218491"/>
+              <a:gd name="connsiteY8" fmla="*/ 951270 h 951270"/>
+              <a:gd name="connsiteX9" fmla="*/ 1341038 w 3218491"/>
+              <a:gd name="connsiteY9" fmla="*/ 951270 h 951270"/>
+              <a:gd name="connsiteX10" fmla="*/ 536415 w 3218491"/>
+              <a:gd name="connsiteY10" fmla="*/ 951270 h 951270"/>
+              <a:gd name="connsiteX11" fmla="*/ 536415 w 3218491"/>
+              <a:gd name="connsiteY11" fmla="*/ 951270 h 951270"/>
+              <a:gd name="connsiteX12" fmla="*/ 0 w 3218491"/>
+              <a:gd name="connsiteY12" fmla="*/ 951270 h 951270"/>
+              <a:gd name="connsiteX13" fmla="*/ 0 w 3218491"/>
+              <a:gd name="connsiteY13" fmla="*/ 531347 h 951270"/>
+              <a:gd name="connsiteX14" fmla="*/ 0 w 3218491"/>
+              <a:gd name="connsiteY14" fmla="*/ 351380 h 951270"/>
+              <a:gd name="connsiteX15" fmla="*/ 0 w 3218491"/>
+              <a:gd name="connsiteY15" fmla="*/ 351380 h 951270"/>
+              <a:gd name="connsiteX16" fmla="*/ 0 w 3218491"/>
+              <a:gd name="connsiteY16" fmla="*/ 231402 h 951270"/>
+              <a:gd name="connsiteX0" fmla="*/ 0 w 3218491"/>
+              <a:gd name="connsiteY0" fmla="*/ 231402 h 951270"/>
+              <a:gd name="connsiteX1" fmla="*/ 869790 w 3218491"/>
+              <a:gd name="connsiteY1" fmla="*/ 240927 h 951270"/>
+              <a:gd name="connsiteX2" fmla="*/ 911541 w 3218491"/>
+              <a:gd name="connsiteY2" fmla="*/ 0 h 951270"/>
+              <a:gd name="connsiteX3" fmla="*/ 1121963 w 3218491"/>
+              <a:gd name="connsiteY3" fmla="*/ 231402 h 951270"/>
+              <a:gd name="connsiteX4" fmla="*/ 3218491 w 3218491"/>
+              <a:gd name="connsiteY4" fmla="*/ 231402 h 951270"/>
+              <a:gd name="connsiteX5" fmla="*/ 3218491 w 3218491"/>
+              <a:gd name="connsiteY5" fmla="*/ 351380 h 951270"/>
+              <a:gd name="connsiteX6" fmla="*/ 3218491 w 3218491"/>
+              <a:gd name="connsiteY6" fmla="*/ 351380 h 951270"/>
+              <a:gd name="connsiteX7" fmla="*/ 3218491 w 3218491"/>
+              <a:gd name="connsiteY7" fmla="*/ 531347 h 951270"/>
+              <a:gd name="connsiteX8" fmla="*/ 3218491 w 3218491"/>
+              <a:gd name="connsiteY8" fmla="*/ 951270 h 951270"/>
+              <a:gd name="connsiteX9" fmla="*/ 1341038 w 3218491"/>
+              <a:gd name="connsiteY9" fmla="*/ 951270 h 951270"/>
+              <a:gd name="connsiteX10" fmla="*/ 536415 w 3218491"/>
+              <a:gd name="connsiteY10" fmla="*/ 951270 h 951270"/>
+              <a:gd name="connsiteX11" fmla="*/ 536415 w 3218491"/>
+              <a:gd name="connsiteY11" fmla="*/ 951270 h 951270"/>
+              <a:gd name="connsiteX12" fmla="*/ 0 w 3218491"/>
+              <a:gd name="connsiteY12" fmla="*/ 951270 h 951270"/>
+              <a:gd name="connsiteX13" fmla="*/ 0 w 3218491"/>
+              <a:gd name="connsiteY13" fmla="*/ 531347 h 951270"/>
+              <a:gd name="connsiteX14" fmla="*/ 0 w 3218491"/>
+              <a:gd name="connsiteY14" fmla="*/ 351380 h 951270"/>
+              <a:gd name="connsiteX15" fmla="*/ 0 w 3218491"/>
+              <a:gd name="connsiteY15" fmla="*/ 351380 h 951270"/>
+              <a:gd name="connsiteX16" fmla="*/ 0 w 3218491"/>
+              <a:gd name="connsiteY16" fmla="*/ 231402 h 951270"/>
+            </a:gdLst>
+            <a:ahLst/>
+            <a:cxnLst>
+              <a:cxn ang="0">
+                <a:pos x="connsiteX0" y="connsiteY0"/>
+              </a:cxn>
+              <a:cxn ang="0">
+                <a:pos x="connsiteX1" y="connsiteY1"/>
+              </a:cxn>
+              <a:cxn ang="0">
+                <a:pos x="connsiteX2" y="connsiteY2"/>
+              </a:cxn>
+              <a:cxn ang="0">
+                <a:pos x="connsiteX3" y="connsiteY3"/>
+              </a:cxn>
+              <a:cxn ang="0">
+                <a:pos x="connsiteX4" y="connsiteY4"/>
+              </a:cxn>
+              <a:cxn ang="0">
+                <a:pos x="connsiteX5" y="connsiteY5"/>
+              </a:cxn>
+              <a:cxn ang="0">
+                <a:pos x="connsiteX6" y="connsiteY6"/>
+              </a:cxn>
+              <a:cxn ang="0">
+                <a:pos x="connsiteX7" y="connsiteY7"/>
+              </a:cxn>
+              <a:cxn ang="0">
+                <a:pos x="connsiteX8" y="connsiteY8"/>
+              </a:cxn>
+              <a:cxn ang="0">
+                <a:pos x="connsiteX9" y="connsiteY9"/>
+              </a:cxn>
+              <a:cxn ang="0">
+                <a:pos x="connsiteX10" y="connsiteY10"/>
+              </a:cxn>
+              <a:cxn ang="0">
+                <a:pos x="connsiteX11" y="connsiteY11"/>
+              </a:cxn>
+              <a:cxn ang="0">
+                <a:pos x="connsiteX12" y="connsiteY12"/>
+              </a:cxn>
+              <a:cxn ang="0">
+                <a:pos x="connsiteX13" y="connsiteY13"/>
+              </a:cxn>
+              <a:cxn ang="0">
+                <a:pos x="connsiteX14" y="connsiteY14"/>
+              </a:cxn>
+              <a:cxn ang="0">
+                <a:pos x="connsiteX15" y="connsiteY15"/>
+              </a:cxn>
+              <a:cxn ang="0">
+                <a:pos x="connsiteX16" y="connsiteY16"/>
+              </a:cxn>
+            </a:cxnLst>
+            <a:rect l="l" t="t" r="r" b="b"/>
+            <a:pathLst>
+              <a:path w="3218491" h="951270">
+                <a:moveTo>
+                  <a:pt x="0" y="231402"/>
+                </a:moveTo>
+                <a:lnTo>
+                  <a:pt x="869790" y="240927"/>
+                </a:lnTo>
+                <a:lnTo>
+                  <a:pt x="911541" y="0"/>
+                </a:lnTo>
+                <a:lnTo>
+                  <a:pt x="1121963" y="231402"/>
+                </a:lnTo>
+                <a:lnTo>
+                  <a:pt x="3218491" y="231402"/>
+                </a:lnTo>
+                <a:lnTo>
+                  <a:pt x="3218491" y="351380"/>
+                </a:lnTo>
+                <a:lnTo>
+                  <a:pt x="3218491" y="351380"/>
+                </a:lnTo>
+                <a:lnTo>
+                  <a:pt x="3218491" y="531347"/>
+                </a:lnTo>
+                <a:lnTo>
+                  <a:pt x="3218491" y="951270"/>
+                </a:lnTo>
+                <a:lnTo>
+                  <a:pt x="1341038" y="951270"/>
+                </a:lnTo>
+                <a:lnTo>
+                  <a:pt x="536415" y="951270"/>
+                </a:lnTo>
+                <a:lnTo>
+                  <a:pt x="536415" y="951270"/>
+                </a:lnTo>
+                <a:lnTo>
+                  <a:pt x="0" y="951270"/>
+                </a:lnTo>
+                <a:lnTo>
+                  <a:pt x="0" y="531347"/>
+                </a:lnTo>
+                <a:lnTo>
+                  <a:pt x="0" y="351380"/>
+                </a:lnTo>
+                <a:lnTo>
+                  <a:pt x="0" y="351380"/>
+                </a:lnTo>
+                <a:lnTo>
+                  <a:pt x="0" y="231402"/>
+                </a:lnTo>
+                <a:close/>
+              </a:path>
+            </a:pathLst>
+          </a:custGeom>
+          <a:solidFill>
+            <a:schemeClr val="bg1"/>
+          </a:solidFill>
+          <a:ln w="38100">
+            <a:solidFill>
+              <a:schemeClr val="accent6">
+                <a:lumMod val="90000"/>
+                <a:lumOff val="10000"/>
+              </a:schemeClr>
+            </a:solidFill>
+          </a:ln>
+          <a:effectLst/>
+          <a:extLst/>
+        </p:spPr>
+        <p:txBody>
+          <a:bodyPr rot="0" spcFirstLastPara="0" vertOverflow="overflow" horzOverflow="overflow" vert="horz" wrap="none" lIns="72000" tIns="72000" rIns="72000" bIns="72000" numCol="1" spcCol="0" rtlCol="0" fromWordArt="0" anchor="ctr" anchorCtr="0" forceAA="0" compatLnSpc="1">
+            <a:prstTxWarp prst="textNoShape">
+              <a:avLst/>
+            </a:prstTxWarp>
+            <a:noAutofit/>
+          </a:bodyPr>
+          <a:lstStyle/>
+          <a:p>
+            <a:pPr algn="ctr"/>
+            <a:endParaRPr lang="en-US" altLang="ja-JP" sz="1600" b="1" dirty="0" smtClean="0">
+              <a:latin typeface="+mn-ea"/>
+            </a:endParaRPr>
+          </a:p>
+          <a:p>
+            <a:pPr algn="ctr"/>
+            <a:r>
+              <a:rPr lang="en-US" altLang="ja-JP" sz="1600" b="1" dirty="0" smtClean="0">
+                <a:latin typeface="+mn-ea"/>
+              </a:rPr>
+              <a:t>Use </a:t>
+            </a:r>
+            <a:r>
+              <a:rPr lang="en-US" altLang="ja-JP" sz="1600" b="1" dirty="0">
+                <a:latin typeface="+mn-ea"/>
+              </a:rPr>
+              <a:t>this tab to align </a:t>
+            </a:r>
+            <a:r>
+              <a:rPr lang="en-US" altLang="ja-JP" sz="1600" b="1" dirty="0" smtClean="0">
+                <a:latin typeface="+mn-ea"/>
+              </a:rPr>
+              <a:t/>
+            </a:r>
+            <a:br>
+              <a:rPr lang="en-US" altLang="ja-JP" sz="1600" b="1" dirty="0" smtClean="0">
+                <a:latin typeface="+mn-ea"/>
+              </a:rPr>
+            </a:br>
+            <a:r>
+              <a:rPr lang="en-US" altLang="ja-JP" sz="1600" b="1" dirty="0" smtClean="0">
+                <a:latin typeface="+mn-ea"/>
+              </a:rPr>
+              <a:t>the </a:t>
+            </a:r>
+            <a:r>
+              <a:rPr lang="en-US" altLang="ja-JP" sz="1600" b="1" dirty="0">
+                <a:latin typeface="+mn-ea"/>
+              </a:rPr>
+              <a:t>selected </a:t>
+            </a:r>
+            <a:r>
+              <a:rPr lang="en-US" altLang="ja-JP" sz="1600" b="1" dirty="0" smtClean="0">
+                <a:latin typeface="+mn-ea"/>
+              </a:rPr>
+              <a:t>objects</a:t>
+            </a:r>
+          </a:p>
+          <a:p>
+            <a:pPr algn="ctr"/>
+            <a:r>
+              <a:rPr lang="en-US" altLang="ja-JP" sz="1600" b="1" dirty="0" smtClean="0">
+                <a:latin typeface="+mn-ea"/>
+              </a:rPr>
+              <a:t> </a:t>
+            </a:r>
+            <a:r>
+              <a:rPr lang="en-US" altLang="ja-JP" sz="1600" b="1" dirty="0">
+                <a:latin typeface="+mn-ea"/>
+              </a:rPr>
+              <a:t>to your liking.</a:t>
+            </a:r>
+            <a:endParaRPr kumimoji="1" lang="ja-JP" altLang="en-US" sz="1600" b="1" dirty="0" smtClean="0">
+              <a:latin typeface="+mn-ea"/>
+            </a:endParaRPr>
+          </a:p>
+        </p:txBody>
+      </p:sp>
+    </p:spTree>
+    <p:extLst>
+      <p:ext uri="{BB962C8B-B14F-4D97-AF65-F5344CB8AC3E}">
+        <p14:creationId xmlns:p14="http://schemas.microsoft.com/office/powerpoint/2010/main" val="1370367145"/>
+      </p:ext>
+    </p:extLst>
+  </p:cSld>
+  <p:clrMapOvr>
+    <a:masterClrMapping/>
+  </p:clrMapOvr>
+  <p:timing>
+    <p:tnLst>
+      <p:par>
+        <p:cTn id="1" dur="indefinite" restart="never" nodeType="tmRoot"/>
+      </p:par>
+    </p:tnLst>
+  </p:timing>
+</p:sld>
+</file>
+
+<file path=ppt/slides/slide12.xml><?xml version="1.0" encoding="utf-8"?>
+<p:sld xmlns:a="http://schemas.openxmlformats.org/drawingml/2006/main" xmlns:r="http://schemas.openxmlformats.org/officeDocument/2006/relationships" xmlns:p="http://schemas.openxmlformats.org/presentationml/2006/main">
+  <p:cSld>
+    <p:spTree>
+      <p:nvGrpSpPr>
+        <p:cNvPr id="1" name=""/>
+        <p:cNvGrpSpPr/>
+        <p:nvPr/>
+      </p:nvGrpSpPr>
+      <p:grpSpPr>
+        <a:xfrm>
+          <a:off x="0" y="0"/>
+          <a:ext cx="0" cy="0"/>
+          <a:chOff x="0" y="0"/>
+          <a:chExt cx="0" cy="0"/>
+        </a:xfrm>
+      </p:grpSpPr>
       <p:sp>
         <p:nvSpPr>
           <p:cNvPr id="2" name="タイトル 1"/>
@@ -8321,8 +12042,12 @@
               <a:t>（</a:t>
             </a:r>
             <a:r>
+              <a:rPr lang="en-US" altLang="ja-JP" dirty="0"/>
+              <a:t>5</a:t>
+            </a:r>
+            <a:r>
               <a:rPr lang="en-US" altLang="ja-JP" dirty="0" smtClean="0"/>
-              <a:t>4/9</a:t>
+              <a:t>/11</a:t>
             </a:r>
             <a:r>
               <a:rPr lang="ja-JP" altLang="en-US" dirty="0" smtClean="0"/>
@@ -8361,7 +12086,7 @@
             </a:r>
             <a:r>
               <a:rPr lang="en-US" altLang="ja-JP" b="1" dirty="0" smtClean="0"/>
-              <a:t>3/3</a:t>
+              <a:t>4/4</a:t>
             </a:r>
             <a:r>
               <a:rPr lang="ja-JP" altLang="en-US" b="1" dirty="0" smtClean="0"/>
@@ -8398,7 +12123,7 @@
       </p:sp>
       <p:pic>
         <p:nvPicPr>
-          <p:cNvPr id="10" name="図 9"/>
+          <p:cNvPr id="7" name="図 6"/>
           <p:cNvPicPr>
             <a:picLocks noChangeAspect="1"/>
           </p:cNvPicPr>
@@ -8412,8 +12137,32 @@
         </p:blipFill>
         <p:spPr>
           <a:xfrm>
-            <a:off x="691525" y="1723797"/>
-            <a:ext cx="4543425" cy="4876800"/>
+            <a:off x="179512" y="1916790"/>
+            <a:ext cx="4367473" cy="3981450"/>
+          </a:xfrm>
+          <a:prstGeom prst="rect">
+            <a:avLst/>
+          </a:prstGeom>
+        </p:spPr>
+      </p:pic>
+      <p:pic>
+        <p:nvPicPr>
+          <p:cNvPr id="8" name="図 7"/>
+          <p:cNvPicPr>
+            <a:picLocks noChangeAspect="1"/>
+          </p:cNvPicPr>
+          <p:nvPr/>
+        </p:nvPicPr>
+        <p:blipFill>
+          <a:blip r:embed="rId4"/>
+          <a:stretch>
+            <a:fillRect/>
+          </a:stretch>
+        </p:blipFill>
+        <p:spPr>
+          <a:xfrm>
+            <a:off x="4581526" y="1916790"/>
+            <a:ext cx="4381988" cy="1781175"/>
           </a:xfrm>
           <a:prstGeom prst="rect">
             <a:avLst/>
@@ -8440,7 +12189,7 @@
 </p:sld>
 </file>
 
-<file path=ppt/slides/slide12.xml><?xml version="1.0" encoding="utf-8"?>
+<file path=ppt/slides/slide13.xml><?xml version="1.0" encoding="utf-8"?>
 <p:sld xmlns:a="http://schemas.openxmlformats.org/drawingml/2006/main" xmlns:r="http://schemas.openxmlformats.org/officeDocument/2006/relationships" xmlns:p="http://schemas.openxmlformats.org/presentationml/2006/main">
   <p:cSld>
     <p:spTree>
@@ -8631,8 +12380,12 @@
               <a:t>（</a:t>
             </a:r>
             <a:r>
+              <a:rPr lang="en-US" altLang="ja-JP" dirty="0"/>
+              <a:t>6</a:t>
+            </a:r>
+            <a:r>
               <a:rPr lang="en-US" altLang="ja-JP" dirty="0" smtClean="0"/>
-              <a:t>5/9</a:t>
+              <a:t>/11</a:t>
             </a:r>
             <a:r>
               <a:rPr lang="ja-JP" altLang="en-US" dirty="0" smtClean="0"/>
@@ -8903,8 +12656,8 @@
         </p:nvSpPr>
         <p:spPr bwMode="auto">
           <a:xfrm>
-            <a:off x="5833467" y="1849484"/>
-            <a:ext cx="2987124" cy="719868"/>
+            <a:off x="5833467" y="1663582"/>
+            <a:ext cx="2987124" cy="905770"/>
           </a:xfrm>
           <a:prstGeom prst="wedgeRectCallout">
             <a:avLst>
@@ -9003,21 +12756,7 @@
               <a:rPr lang="en-US" altLang="ja-JP" sz="1600" b="1" dirty="0" smtClean="0">
                 <a:latin typeface="+mn-ea"/>
               </a:rPr>
-              <a:t>It is possible </a:t>
-            </a:r>
-            <a:r>
-              <a:rPr lang="en-US" altLang="ja-JP" sz="1600" b="1" dirty="0">
-                <a:latin typeface="+mn-ea"/>
-              </a:rPr>
-              <a:t>to schedule </a:t>
-            </a:r>
-          </a:p>
-          <a:p>
-            <a:r>
-              <a:rPr lang="en-US" altLang="ja-JP" sz="1600" b="1" dirty="0" smtClean="0">
-                <a:latin typeface="+mn-ea"/>
-              </a:rPr>
-              <a:t>the timing of execution</a:t>
+              <a:t>Use this box to schedule when you want the Conductor to run.</a:t>
             </a:r>
             <a:endParaRPr kumimoji="1" lang="ja-JP" altLang="en-US" sz="1600" b="1" dirty="0">
               <a:latin typeface="+mn-ea"/>
@@ -9264,7 +13003,7 @@
 </p:sld>
 </file>
 
-<file path=ppt/slides/slide13.xml><?xml version="1.0" encoding="utf-8"?>
+<file path=ppt/slides/slide14.xml><?xml version="1.0" encoding="utf-8"?>
 <p:sld xmlns:a="http://schemas.openxmlformats.org/drawingml/2006/main" xmlns:r="http://schemas.openxmlformats.org/officeDocument/2006/relationships" xmlns:p="http://schemas.openxmlformats.org/presentationml/2006/main">
   <p:cSld>
     <p:spTree>
@@ -9319,8 +13058,12 @@
               <a:t>（</a:t>
             </a:r>
             <a:r>
+              <a:rPr lang="en-US" altLang="ja-JP" dirty="0"/>
+              <a:t>7</a:t>
+            </a:r>
+            <a:r>
               <a:rPr lang="en-US" altLang="ja-JP" dirty="0" smtClean="0"/>
-              <a:t>6/9</a:t>
+              <a:t>/11</a:t>
             </a:r>
             <a:r>
               <a:rPr lang="ja-JP" altLang="en-US" dirty="0" smtClean="0"/>
@@ -9701,7 +13444,7 @@
 </p:sld>
 </file>
 
-<file path=ppt/slides/slide14.xml><?xml version="1.0" encoding="utf-8"?>
+<file path=ppt/slides/slide15.xml><?xml version="1.0" encoding="utf-8"?>
 <p:sld xmlns:a="http://schemas.openxmlformats.org/drawingml/2006/main" xmlns:r="http://schemas.openxmlformats.org/officeDocument/2006/relationships" xmlns:p="http://schemas.openxmlformats.org/presentationml/2006/main">
   <p:cSld>
     <p:spTree>
@@ -9757,7 +13500,7 @@
             </a:r>
             <a:r>
               <a:rPr lang="en-US" altLang="ja-JP" dirty="0" smtClean="0"/>
-              <a:t>7/9</a:t>
+              <a:t>8/11</a:t>
             </a:r>
             <a:r>
               <a:rPr lang="ja-JP" altLang="en-US" dirty="0" smtClean="0"/>
@@ -10158,7 +13901,7 @@
 </p:sld>
 </file>
 
-<file path=ppt/slides/slide15.xml><?xml version="1.0" encoding="utf-8"?>
+<file path=ppt/slides/slide16.xml><?xml version="1.0" encoding="utf-8"?>
 <p:sld xmlns:a="http://schemas.openxmlformats.org/drawingml/2006/main" xmlns:r="http://schemas.openxmlformats.org/officeDocument/2006/relationships" xmlns:p="http://schemas.openxmlformats.org/presentationml/2006/main">
   <p:cSld>
     <p:spTree>
@@ -10236,7 +13979,7 @@
             </a:r>
             <a:r>
               <a:rPr lang="en-US" altLang="ja-JP" dirty="0" smtClean="0"/>
-              <a:t>8/10</a:t>
+              <a:t>9/11</a:t>
             </a:r>
             <a:r>
               <a:rPr lang="ja-JP" altLang="en-US" dirty="0" smtClean="0"/>
@@ -10387,7 +14130,7 @@
 </p:sld>
 </file>
 
-<file path=ppt/slides/slide16.xml><?xml version="1.0" encoding="utf-8"?>
+<file path=ppt/slides/slide17.xml><?xml version="1.0" encoding="utf-8"?>
 <p:sld xmlns:a="http://schemas.openxmlformats.org/drawingml/2006/main" xmlns:r="http://schemas.openxmlformats.org/officeDocument/2006/relationships" xmlns:p="http://schemas.openxmlformats.org/presentationml/2006/main">
   <p:cSld>
     <p:spTree>
@@ -10443,7 +14186,7 @@
             </a:r>
             <a:r>
               <a:rPr lang="en-US" altLang="ja-JP" dirty="0" smtClean="0"/>
-              <a:t>8/9</a:t>
+              <a:t>10/11</a:t>
             </a:r>
             <a:r>
               <a:rPr lang="ja-JP" altLang="en-US" dirty="0" smtClean="0"/>
@@ -10801,7 +14544,7 @@
 </p:sld>
 </file>
 
-<file path=ppt/slides/slide17.xml><?xml version="1.0" encoding="utf-8"?>
+<file path=ppt/slides/slide18.xml><?xml version="1.0" encoding="utf-8"?>
 <p:sld xmlns:a="http://schemas.openxmlformats.org/drawingml/2006/main" xmlns:r="http://schemas.openxmlformats.org/officeDocument/2006/relationships" xmlns:p="http://schemas.openxmlformats.org/presentationml/2006/main">
   <p:cSld>
     <p:spTree>
@@ -10857,7 +14600,7 @@
             </a:r>
             <a:r>
               <a:rPr lang="en-US" altLang="ja-JP" dirty="0" smtClean="0"/>
-              <a:t>9/9</a:t>
+              <a:t>11/11</a:t>
             </a:r>
             <a:r>
               <a:rPr lang="ja-JP" altLang="en-US" dirty="0" smtClean="0"/>
@@ -10920,7 +14663,7 @@
             </a:r>
             <a:r>
               <a:rPr lang="en-US" altLang="ja-JP" dirty="0" smtClean="0"/>
-              <a:t>setting“ allows user to set </a:t>
+              <a:t>settings“ allows user to set </a:t>
             </a:r>
             <a:r>
               <a:rPr lang="en-US" altLang="ja-JP" dirty="0"/>
@@ -11256,7 +14999,7 @@
 </p:sld>
 </file>
 
-<file path=ppt/slides/slide18.xml><?xml version="1.0" encoding="utf-8"?>
+<file path=ppt/slides/slide19.xml><?xml version="1.0" encoding="utf-8"?>
 <p:sld xmlns:a="http://schemas.openxmlformats.org/drawingml/2006/main" xmlns:r="http://schemas.openxmlformats.org/officeDocument/2006/relationships" xmlns:p="http://schemas.openxmlformats.org/presentationml/2006/main">
   <p:cSld>
     <p:spTree>
@@ -12325,43 +16068,6 @@
     <p:extLst>
       <p:ext uri="{BB962C8B-B14F-4D97-AF65-F5344CB8AC3E}">
         <p14:creationId xmlns:p14="http://schemas.microsoft.com/office/powerpoint/2010/main" val="3341280860"/>
-      </p:ext>
-    </p:extLst>
-  </p:cSld>
-  <p:clrMapOvr>
-    <a:masterClrMapping/>
-  </p:clrMapOvr>
-  <p:timing>
-    <p:tnLst>
-      <p:par>
-        <p:cTn id="1" dur="indefinite" restart="never" nodeType="tmRoot"/>
-      </p:par>
-    </p:tnLst>
-  </p:timing>
-</p:sld>
-</file>
-
-<file path=ppt/slides/slide19.xml><?xml version="1.0" encoding="utf-8"?>
-<p:sld xmlns:a="http://schemas.openxmlformats.org/drawingml/2006/main" xmlns:r="http://schemas.openxmlformats.org/officeDocument/2006/relationships" xmlns:p="http://schemas.openxmlformats.org/presentationml/2006/main">
-  <p:cSld>
-    <p:spTree>
-      <p:nvGrpSpPr>
-        <p:cNvPr id="1" name=""/>
-        <p:cNvGrpSpPr/>
-        <p:nvPr/>
-      </p:nvGrpSpPr>
-      <p:grpSpPr>
-        <a:xfrm>
-          <a:off x="0" y="0"/>
-          <a:ext cx="0" cy="0"/>
-          <a:chOff x="0" y="0"/>
-          <a:chExt cx="0" cy="0"/>
-        </a:xfrm>
-      </p:grpSpPr>
-    </p:spTree>
-    <p:extLst>
-      <p:ext uri="{BB962C8B-B14F-4D97-AF65-F5344CB8AC3E}">
-        <p14:creationId xmlns:p14="http://schemas.microsoft.com/office/powerpoint/2010/main" val="3218686016"/>
       </p:ext>
     </p:extLst>
   </p:cSld>
@@ -12577,6 +16283,43 @@
 </p:sld>
 </file>
 
+<file path=ppt/slides/slide20.xml><?xml version="1.0" encoding="utf-8"?>
+<p:sld xmlns:a="http://schemas.openxmlformats.org/drawingml/2006/main" xmlns:r="http://schemas.openxmlformats.org/officeDocument/2006/relationships" xmlns:p="http://schemas.openxmlformats.org/presentationml/2006/main">
+  <p:cSld>
+    <p:spTree>
+      <p:nvGrpSpPr>
+        <p:cNvPr id="1" name=""/>
+        <p:cNvGrpSpPr/>
+        <p:nvPr/>
+      </p:nvGrpSpPr>
+      <p:grpSpPr>
+        <a:xfrm>
+          <a:off x="0" y="0"/>
+          <a:ext cx="0" cy="0"/>
+          <a:chOff x="0" y="0"/>
+          <a:chExt cx="0" cy="0"/>
+        </a:xfrm>
+      </p:grpSpPr>
+    </p:spTree>
+    <p:extLst>
+      <p:ext uri="{BB962C8B-B14F-4D97-AF65-F5344CB8AC3E}">
+        <p14:creationId xmlns:p14="http://schemas.microsoft.com/office/powerpoint/2010/main" val="3218686016"/>
+      </p:ext>
+    </p:extLst>
+  </p:cSld>
+  <p:clrMapOvr>
+    <a:masterClrMapping/>
+  </p:clrMapOvr>
+  <p:timing>
+    <p:tnLst>
+      <p:par>
+        <p:cTn id="1" dur="indefinite" restart="never" nodeType="tmRoot"/>
+      </p:par>
+    </p:tnLst>
+  </p:timing>
+</p:sld>
+</file>
+
 <file path=ppt/slides/slide3.xml><?xml version="1.0" encoding="utf-8"?>
 <p:sld xmlns:a="http://schemas.openxmlformats.org/drawingml/2006/main" xmlns:r="http://schemas.openxmlformats.org/officeDocument/2006/relationships" xmlns:p="http://schemas.openxmlformats.org/presentationml/2006/main">
   <p:cSld>
@@ -12667,6 +16410,30 @@
           <a:chExt cx="0" cy="0"/>
         </a:xfrm>
       </p:grpSpPr>
+      <p:pic>
+        <p:nvPicPr>
+          <p:cNvPr id="5" name="図 4"/>
+          <p:cNvPicPr>
+            <a:picLocks noChangeAspect="1"/>
+          </p:cNvPicPr>
+          <p:nvPr/>
+        </p:nvPicPr>
+        <p:blipFill>
+          <a:blip r:embed="rId2"/>
+          <a:stretch>
+            <a:fillRect/>
+          </a:stretch>
+        </p:blipFill>
+        <p:spPr>
+          <a:xfrm>
+            <a:off x="323410" y="1916790"/>
+            <a:ext cx="8137130" cy="3971392"/>
+          </a:xfrm>
+          <a:prstGeom prst="rect">
+            <a:avLst/>
+          </a:prstGeom>
+        </p:spPr>
+      </p:pic>
       <p:sp>
         <p:nvSpPr>
           <p:cNvPr id="2" name="タイトル 1"/>
@@ -12746,23 +16513,7 @@
             </a:pPr>
             <a:r>
               <a:rPr lang="en-US" altLang="ja-JP" sz="1800" dirty="0" smtClean="0"/>
-              <a:t>The "Conductor" </a:t>
-            </a:r>
-            <a:r>
-              <a:rPr lang="en-US" altLang="ja-JP" sz="1800" dirty="0"/>
-              <a:t>menu group </a:t>
-            </a:r>
-            <a:r>
-              <a:rPr lang="en-US" altLang="ja-JP" sz="1800" dirty="0" smtClean="0"/>
-              <a:t>is </a:t>
-            </a:r>
-            <a:r>
-              <a:rPr lang="en-US" altLang="ja-JP" sz="1800" dirty="0"/>
-              <a:t>explained in this </a:t>
-            </a:r>
-            <a:r>
-              <a:rPr lang="en-US" altLang="ja-JP" sz="1800" dirty="0" smtClean="0"/>
-              <a:t>document.</a:t>
+              <a:t>This document introduces the Conductor menu group.</a:t>
             </a:r>
             <a:endParaRPr lang="en-US" altLang="ja-JP" sz="1800" dirty="0">
               <a:solidFill>
@@ -12958,30 +16709,6 @@
           </a:p>
         </p:txBody>
       </p:sp>
-      <p:pic>
-        <p:nvPicPr>
-          <p:cNvPr id="10" name="図 9"/>
-          <p:cNvPicPr>
-            <a:picLocks noChangeAspect="1"/>
-          </p:cNvPicPr>
-          <p:nvPr/>
-        </p:nvPicPr>
-        <p:blipFill>
-          <a:blip r:embed="rId2"/>
-          <a:stretch>
-            <a:fillRect/>
-          </a:stretch>
-        </p:blipFill>
-        <p:spPr>
-          <a:xfrm>
-            <a:off x="371475" y="1485900"/>
-            <a:ext cx="8401050" cy="4103400"/>
-          </a:xfrm>
-          <a:prstGeom prst="rect">
-            <a:avLst/>
-          </a:prstGeom>
-        </p:spPr>
-      </p:pic>
       <p:sp>
         <p:nvSpPr>
           <p:cNvPr id="11" name="正方形/長方形 10"/>
@@ -12989,9 +16716,9 @@
           <p:nvPr/>
         </p:nvSpPr>
         <p:spPr bwMode="auto">
-          <a:xfrm>
-            <a:off x="4716020" y="2852920"/>
-            <a:ext cx="792110" cy="1008140"/>
+          <a:xfrm flipH="1">
+            <a:off x="3563860" y="2780910"/>
+            <a:ext cx="576080" cy="648090"/>
           </a:xfrm>
           <a:prstGeom prst="rect">
             <a:avLst/>
@@ -13316,25 +17043,6 @@
             <a:normAutofit/>
           </a:bodyPr>
           <a:lstStyle/>
-          <a:p>
-            <a:pPr>
-              <a:buFont typeface="Wingdings" panose="05000000000000000000" pitchFamily="2" charset="2"/>
-              <a:buChar char="l"/>
-            </a:pPr>
-            <a:r>
-              <a:rPr lang="en-US" altLang="ja-JP" dirty="0"/>
-              <a:t>Conductor </a:t>
-            </a:r>
-            <a:r>
-              <a:rPr lang="en-US" altLang="ja-JP" dirty="0" smtClean="0"/>
-              <a:t>is a function added </a:t>
-            </a:r>
-            <a:r>
-              <a:rPr lang="en-US" altLang="ja-JP" dirty="0"/>
-              <a:t>to ITA from ver1.5.0.</a:t>
-            </a:r>
-            <a:endParaRPr lang="en-US" altLang="ja-JP" dirty="0" smtClean="0"/>
-          </a:p>
           <a:p>
             <a:pPr>
               <a:buFont typeface="Wingdings" panose="05000000000000000000" pitchFamily="2" charset="2"/>
@@ -15040,10 +18748,9 @@
               <a:buChar char="l"/>
             </a:pPr>
             <a:r>
-              <a:rPr lang="en-US" altLang="ja-JP" dirty="0" smtClean="0"/>
-              <a:t>Conductor is, in addition to being able to use similar functions that can be found in Symphony.</a:t>
-            </a:r>
-            <a:endParaRPr lang="en-US" altLang="ja-JP" dirty="0"/>
+              <a:rPr lang="en-US" altLang="ja-JP" sz="1600" dirty="0"/>
+              <a:t>While the Conductor Function has ,in similarity to the Symphony function, an execution function, it also contains the following functions.</a:t>
+            </a:r>
           </a:p>
           <a:p>
             <a:pPr>
@@ -15051,21 +18758,23 @@
               <a:buChar char="l"/>
             </a:pPr>
             <a:r>
-              <a:rPr lang="en-US" altLang="ja-JP" sz="1800" dirty="0" smtClean="0"/>
-              <a:t>As a result, Conductor is able to execute more complicated </a:t>
-            </a:r>
-            <a:r>
-              <a:rPr lang="en-US" altLang="ja-JP" sz="1800" dirty="0" err="1" smtClean="0"/>
+              <a:rPr lang="en-US" altLang="ja-JP" sz="1600" dirty="0"/>
+              <a:t>Hence, Conductor allows for execution of more complicated </a:t>
+            </a:r>
+            <a:r>
+              <a:rPr lang="en-US" altLang="ja-JP" sz="1600" dirty="0" err="1"/>
               <a:t>jobflows</a:t>
             </a:r>
             <a:r>
-              <a:rPr lang="en-US" altLang="ja-JP" sz="1800" dirty="0" smtClean="0"/>
-              <a:t>.</a:t>
-            </a:r>
-            <a:endParaRPr lang="en-US" altLang="ja-JP" sz="1800" dirty="0"/>
-          </a:p>
-          <a:p>
-            <a:pPr lvl="1"/>
+              <a:rPr lang="en-US" altLang="ja-JP" sz="1600" dirty="0" smtClean="0"/>
+              <a:t>. </a:t>
+            </a:r>
+          </a:p>
+          <a:p>
+            <a:pPr>
+              <a:buFont typeface="Wingdings" panose="05000000000000000000" pitchFamily="2" charset="2"/>
+              <a:buChar char="l"/>
+            </a:pPr>
             <a:r>
               <a:rPr lang="en-US" altLang="ja-JP" sz="1800" b="1" dirty="0" smtClean="0">
                 <a:solidFill>
@@ -16607,7 +20316,7 @@
             </a:r>
             <a:r>
               <a:rPr lang="en-US" altLang="ja-JP" dirty="0" smtClean="0"/>
-              <a:t>1/9</a:t>
+              <a:t>1/11</a:t>
             </a:r>
             <a:r>
               <a:rPr lang="ja-JP" altLang="en-US" dirty="0" smtClean="0"/>
@@ -16988,7 +20697,7 @@
             </a:pPr>
             <a:r>
               <a:rPr lang="en-US" altLang="ja-JP" kern="0" dirty="0" smtClean="0"/>
-              <a:t>The main menus and their functions in Conductor are as following.</a:t>
+              <a:t>The main menus the Conductor menu group and their functions are as following</a:t>
             </a:r>
             <a:endParaRPr lang="en-US" altLang="ja-JP" sz="1800" kern="0" dirty="0" smtClean="0"/>
           </a:p>
@@ -17002,7 +20711,7 @@
         </p:nvSpPr>
         <p:spPr>
           <a:xfrm>
-            <a:off x="2278187" y="3579647"/>
+            <a:off x="2278309" y="3681500"/>
             <a:ext cx="415498" cy="369332"/>
           </a:xfrm>
           <a:prstGeom prst="rect">
@@ -17164,7 +20873,7 @@
         </p:blipFill>
         <p:spPr>
           <a:xfrm>
-            <a:off x="179390" y="1412720"/>
+            <a:off x="179512" y="1514573"/>
             <a:ext cx="2077660" cy="4566117"/>
           </a:xfrm>
           <a:prstGeom prst="rect">
@@ -17180,7 +20889,7 @@
         </p:nvSpPr>
         <p:spPr bwMode="auto">
           <a:xfrm>
-            <a:off x="179390" y="3443466"/>
+            <a:off x="179512" y="3545319"/>
             <a:ext cx="2077660" cy="489280"/>
           </a:xfrm>
           <a:prstGeom prst="rect">
@@ -17283,7 +20992,7 @@
         </p:nvSpPr>
         <p:spPr bwMode="auto">
           <a:xfrm>
-            <a:off x="179390" y="4390311"/>
+            <a:off x="179512" y="4492164"/>
             <a:ext cx="2077660" cy="489280"/>
           </a:xfrm>
           <a:prstGeom prst="rect">
@@ -17386,7 +21095,7 @@
         </p:nvSpPr>
         <p:spPr bwMode="auto">
           <a:xfrm>
-            <a:off x="166868" y="3907761"/>
+            <a:off x="166990" y="4009614"/>
             <a:ext cx="2090182" cy="489280"/>
           </a:xfrm>
           <a:prstGeom prst="rect">
@@ -17489,7 +21198,7 @@
         </p:nvSpPr>
         <p:spPr bwMode="auto">
           <a:xfrm>
-            <a:off x="190020" y="5445280"/>
+            <a:off x="190142" y="5547133"/>
             <a:ext cx="2077660" cy="489280"/>
           </a:xfrm>
           <a:prstGeom prst="rect">
@@ -17660,7 +21369,7 @@
             </a:r>
             <a:r>
               <a:rPr lang="en-US" altLang="ja-JP" dirty="0" smtClean="0"/>
-              <a:t>2/9</a:t>
+              <a:t>2/11</a:t>
             </a:r>
             <a:r>
               <a:rPr lang="ja-JP" altLang="en-US" dirty="0" smtClean="0"/>
@@ -17704,7 +21413,7 @@
             </a:r>
             <a:r>
               <a:rPr lang="en-US" altLang="ja-JP" b="1" dirty="0" smtClean="0"/>
-              <a:t>1/3</a:t>
+              <a:t>1/4</a:t>
             </a:r>
             <a:r>
               <a:rPr lang="ja-JP" altLang="en-US" b="1" dirty="0" smtClean="0"/>
